--- a/백준 2667 문제 풀이.pptx
+++ b/백준 2667 문제 풀이.pptx
@@ -7,6 +7,7 @@
   <p:sldIdLst>
     <p:sldId id="256" r:id="rId2"/>
     <p:sldId id="257" r:id="rId3"/>
+    <p:sldId id="258" r:id="rId4"/>
   </p:sldIdLst>
   <p:sldSz cx="12192000" cy="6858000"/>
   <p:notesSz cx="6858000" cy="9144000"/>
@@ -105,6 +106,11 @@
       </a:defRPr>
     </a:lvl9pPr>
   </p:defaultTextStyle>
+  <p:extLst>
+    <p:ext uri="{EFAFB233-063F-42B5-8137-9DF3F51BA10A}">
+      <p15:sldGuideLst xmlns:p15="http://schemas.microsoft.com/office/powerpoint/2012/main"/>
+    </p:ext>
+  </p:extLst>
 </p:presentation>
 </file>
 
@@ -239,7 +245,7 @@
           <a:p>
             <a:fld id="{F7815E91-25BE-46F4-90EB-12DDD956CB49}" type="datetimeFigureOut">
               <a:rPr lang="ko-KR" altLang="en-US" smtClean="0"/>
-              <a:t>2023-08-22</a:t>
+              <a:t>2023-08-23</a:t>
             </a:fld>
             <a:endParaRPr lang="ko-KR" altLang="en-US"/>
           </a:p>
@@ -409,7 +415,7 @@
           <a:p>
             <a:fld id="{F7815E91-25BE-46F4-90EB-12DDD956CB49}" type="datetimeFigureOut">
               <a:rPr lang="ko-KR" altLang="en-US" smtClean="0"/>
-              <a:t>2023-08-22</a:t>
+              <a:t>2023-08-23</a:t>
             </a:fld>
             <a:endParaRPr lang="ko-KR" altLang="en-US"/>
           </a:p>
@@ -589,7 +595,7 @@
           <a:p>
             <a:fld id="{F7815E91-25BE-46F4-90EB-12DDD956CB49}" type="datetimeFigureOut">
               <a:rPr lang="ko-KR" altLang="en-US" smtClean="0"/>
-              <a:t>2023-08-22</a:t>
+              <a:t>2023-08-23</a:t>
             </a:fld>
             <a:endParaRPr lang="ko-KR" altLang="en-US"/>
           </a:p>
@@ -759,7 +765,7 @@
           <a:p>
             <a:fld id="{F7815E91-25BE-46F4-90EB-12DDD956CB49}" type="datetimeFigureOut">
               <a:rPr lang="ko-KR" altLang="en-US" smtClean="0"/>
-              <a:t>2023-08-22</a:t>
+              <a:t>2023-08-23</a:t>
             </a:fld>
             <a:endParaRPr lang="ko-KR" altLang="en-US"/>
           </a:p>
@@ -1005,7 +1011,7 @@
           <a:p>
             <a:fld id="{F7815E91-25BE-46F4-90EB-12DDD956CB49}" type="datetimeFigureOut">
               <a:rPr lang="ko-KR" altLang="en-US" smtClean="0"/>
-              <a:t>2023-08-22</a:t>
+              <a:t>2023-08-23</a:t>
             </a:fld>
             <a:endParaRPr lang="ko-KR" altLang="en-US"/>
           </a:p>
@@ -1237,7 +1243,7 @@
           <a:p>
             <a:fld id="{F7815E91-25BE-46F4-90EB-12DDD956CB49}" type="datetimeFigureOut">
               <a:rPr lang="ko-KR" altLang="en-US" smtClean="0"/>
-              <a:t>2023-08-22</a:t>
+              <a:t>2023-08-23</a:t>
             </a:fld>
             <a:endParaRPr lang="ko-KR" altLang="en-US"/>
           </a:p>
@@ -1604,7 +1610,7 @@
           <a:p>
             <a:fld id="{F7815E91-25BE-46F4-90EB-12DDD956CB49}" type="datetimeFigureOut">
               <a:rPr lang="ko-KR" altLang="en-US" smtClean="0"/>
-              <a:t>2023-08-22</a:t>
+              <a:t>2023-08-23</a:t>
             </a:fld>
             <a:endParaRPr lang="ko-KR" altLang="en-US"/>
           </a:p>
@@ -1722,7 +1728,7 @@
           <a:p>
             <a:fld id="{F7815E91-25BE-46F4-90EB-12DDD956CB49}" type="datetimeFigureOut">
               <a:rPr lang="ko-KR" altLang="en-US" smtClean="0"/>
-              <a:t>2023-08-22</a:t>
+              <a:t>2023-08-23</a:t>
             </a:fld>
             <a:endParaRPr lang="ko-KR" altLang="en-US"/>
           </a:p>
@@ -1817,7 +1823,7 @@
           <a:p>
             <a:fld id="{F7815E91-25BE-46F4-90EB-12DDD956CB49}" type="datetimeFigureOut">
               <a:rPr lang="ko-KR" altLang="en-US" smtClean="0"/>
-              <a:t>2023-08-22</a:t>
+              <a:t>2023-08-23</a:t>
             </a:fld>
             <a:endParaRPr lang="ko-KR" altLang="en-US"/>
           </a:p>
@@ -2094,7 +2100,7 @@
           <a:p>
             <a:fld id="{F7815E91-25BE-46F4-90EB-12DDD956CB49}" type="datetimeFigureOut">
               <a:rPr lang="ko-KR" altLang="en-US" smtClean="0"/>
-              <a:t>2023-08-22</a:t>
+              <a:t>2023-08-23</a:t>
             </a:fld>
             <a:endParaRPr lang="ko-KR" altLang="en-US"/>
           </a:p>
@@ -2347,7 +2353,7 @@
           <a:p>
             <a:fld id="{F7815E91-25BE-46F4-90EB-12DDD956CB49}" type="datetimeFigureOut">
               <a:rPr lang="ko-KR" altLang="en-US" smtClean="0"/>
-              <a:t>2023-08-22</a:t>
+              <a:t>2023-08-23</a:t>
             </a:fld>
             <a:endParaRPr lang="ko-KR" altLang="en-US"/>
           </a:p>
@@ -2560,7 +2566,7 @@
           <a:p>
             <a:fld id="{F7815E91-25BE-46F4-90EB-12DDD956CB49}" type="datetimeFigureOut">
               <a:rPr lang="ko-KR" altLang="en-US" smtClean="0"/>
-              <a:t>2023-08-22</a:t>
+              <a:t>2023-08-23</a:t>
             </a:fld>
             <a:endParaRPr lang="ko-KR" altLang="en-US"/>
           </a:p>
@@ -2967,43 +2973,26 @@
       </p:grpSpPr>
       <p:pic>
         <p:nvPicPr>
-          <p:cNvPr id="1030" name="Picture 6" descr="A유튜버 커뮤니티에 B유튜버가 댓글다니까 B 팬들이 우루루 댓달더라 | 메이플 인벤"/>
+          <p:cNvPr id="6" name="그림 5"/>
           <p:cNvPicPr>
-            <a:picLocks noChangeAspect="1" noChangeArrowheads="1"/>
+            <a:picLocks noChangeAspect="1"/>
           </p:cNvPicPr>
           <p:nvPr/>
         </p:nvPicPr>
         <p:blipFill>
-          <a:blip r:embed="rId2">
-            <a:extLst>
-              <a:ext uri="{28A0092B-C50C-407E-A947-70E740481C1C}">
-                <a14:useLocalDpi xmlns:a14="http://schemas.microsoft.com/office/drawing/2010/main" val="0"/>
-              </a:ext>
-            </a:extLst>
-          </a:blip>
-          <a:srcRect/>
+          <a:blip r:embed="rId2"/>
           <a:stretch>
             <a:fillRect/>
           </a:stretch>
         </p:blipFill>
-        <p:spPr bwMode="auto">
+        <p:spPr>
           <a:xfrm>
-            <a:off x="1984374" y="506413"/>
+            <a:off x="2841262" y="666750"/>
             <a:ext cx="9525000" cy="6191250"/>
           </a:xfrm>
           <a:prstGeom prst="rect">
             <a:avLst/>
           </a:prstGeom>
-          <a:noFill/>
-          <a:extLst>
-            <a:ext uri="{909E8E84-426E-40DD-AFC4-6F175D3DCCD1}">
-              <a14:hiddenFill xmlns:a14="http://schemas.microsoft.com/office/drawing/2010/main">
-                <a:solidFill>
-                  <a:srgbClr val="FFFFFF"/>
-                </a:solidFill>
-              </a14:hiddenFill>
-            </a:ext>
-          </a:extLst>
         </p:spPr>
       </p:pic>
       <p:sp>
@@ -3014,8 +3003,8 @@
         </p:nvSpPr>
         <p:spPr>
           <a:xfrm>
-            <a:off x="300625" y="0"/>
-            <a:ext cx="9619989" cy="4784942"/>
+            <a:off x="300626" y="0"/>
+            <a:ext cx="5081272" cy="3879670"/>
           </a:xfrm>
           <a:prstGeom prst="horizontalScroll">
             <a:avLst/>
@@ -3063,110 +3052,317 @@
         </p:nvSpPr>
         <p:spPr>
           <a:xfrm>
-            <a:off x="947803" y="1377863"/>
-            <a:ext cx="9144000" cy="1242752"/>
+            <a:off x="-231403" y="4126083"/>
+            <a:ext cx="6145329" cy="1242752"/>
           </a:xfrm>
         </p:spPr>
         <p:txBody>
-          <a:bodyPr/>
-          <a:lstStyle/>
-          <a:p>
-            <a:r>
-              <a:rPr lang="ko-KR" altLang="en-US" dirty="0" smtClean="0">
-                <a:solidFill>
-                  <a:srgbClr val="FF0000"/>
-                </a:solidFill>
-              </a:rPr>
-              <a:t>백</a:t>
-            </a:r>
-            <a:r>
-              <a:rPr lang="ko-KR" altLang="en-US" dirty="0" smtClean="0">
-                <a:solidFill>
-                  <a:srgbClr val="FFC000"/>
-                </a:solidFill>
-              </a:rPr>
-              <a:t>준</a:t>
-            </a:r>
-            <a:r>
-              <a:rPr lang="ko-KR" altLang="en-US" dirty="0" smtClean="0"/>
+          <a:bodyPr>
+            <a:noAutofit/>
+          </a:bodyPr>
+          <a:lstStyle/>
+          <a:p>
+            <a:r>
+              <a:rPr lang="ko-KR" altLang="en-US" sz="8800" dirty="0" smtClean="0">
+                <a:gradFill flip="none" rotWithShape="1">
+                  <a:gsLst>
+                    <a:gs pos="0">
+                      <a:srgbClr val="FF0000"/>
+                    </a:gs>
+                    <a:gs pos="18000">
+                      <a:srgbClr val="FFC000"/>
+                    </a:gs>
+                    <a:gs pos="78895">
+                      <a:srgbClr val="0070C0"/>
+                    </a:gs>
+                    <a:gs pos="65000">
+                      <a:srgbClr val="92D050"/>
+                    </a:gs>
+                    <a:gs pos="39000">
+                      <a:srgbClr val="FFFF00"/>
+                    </a:gs>
+                    <a:gs pos="100000">
+                      <a:srgbClr val="7030A0"/>
+                    </a:gs>
+                  </a:gsLst>
+                  <a:path path="circle">
+                    <a:fillToRect l="50000" t="50000" r="50000" b="50000"/>
+                  </a:path>
+                  <a:tileRect/>
+                </a:gradFill>
+                <a:effectLst>
+                  <a:reflection blurRad="6350" stA="60000" endA="900" endPos="60000" dist="60007" dir="5400000" sy="-100000" algn="bl" rotWithShape="0"/>
+                </a:effectLst>
+              </a:rPr>
+              <a:t>백준 </a:t>
+            </a:r>
+            <a:r>
+              <a:rPr lang="en-US" altLang="ko-KR" sz="8800" dirty="0" smtClean="0">
+                <a:gradFill flip="none" rotWithShape="1">
+                  <a:gsLst>
+                    <a:gs pos="0">
+                      <a:srgbClr val="FF0000"/>
+                    </a:gs>
+                    <a:gs pos="18000">
+                      <a:srgbClr val="FFC000"/>
+                    </a:gs>
+                    <a:gs pos="78895">
+                      <a:srgbClr val="0070C0"/>
+                    </a:gs>
+                    <a:gs pos="65000">
+                      <a:srgbClr val="92D050"/>
+                    </a:gs>
+                    <a:gs pos="39000">
+                      <a:srgbClr val="FFFF00"/>
+                    </a:gs>
+                    <a:gs pos="100000">
+                      <a:srgbClr val="7030A0"/>
+                    </a:gs>
+                  </a:gsLst>
+                  <a:path path="circle">
+                    <a:fillToRect l="50000" t="50000" r="50000" b="50000"/>
+                  </a:path>
+                  <a:tileRect/>
+                </a:gradFill>
+                <a:effectLst>
+                  <a:reflection blurRad="6350" stA="60000" endA="900" endPos="60000" dist="60007" dir="5400000" sy="-100000" algn="bl" rotWithShape="0"/>
+                </a:effectLst>
+              </a:rPr>
+              <a:t>2667 </a:t>
+            </a:r>
+            <a:r>
+              <a:rPr lang="ko-KR" altLang="en-US" sz="8800" dirty="0" smtClean="0">
+                <a:gradFill flip="none" rotWithShape="1">
+                  <a:gsLst>
+                    <a:gs pos="0">
+                      <a:srgbClr val="FF0000"/>
+                    </a:gs>
+                    <a:gs pos="18000">
+                      <a:srgbClr val="FFC000"/>
+                    </a:gs>
+                    <a:gs pos="78895">
+                      <a:srgbClr val="0070C0"/>
+                    </a:gs>
+                    <a:gs pos="65000">
+                      <a:srgbClr val="92D050"/>
+                    </a:gs>
+                    <a:gs pos="39000">
+                      <a:srgbClr val="FFFF00"/>
+                    </a:gs>
+                    <a:gs pos="100000">
+                      <a:srgbClr val="7030A0"/>
+                    </a:gs>
+                  </a:gsLst>
+                  <a:path path="circle">
+                    <a:fillToRect l="50000" t="50000" r="50000" b="50000"/>
+                  </a:path>
+                  <a:tileRect/>
+                </a:gradFill>
+                <a:effectLst>
+                  <a:reflection blurRad="6350" stA="60000" endA="900" endPos="60000" dist="60007" dir="5400000" sy="-100000" algn="bl" rotWithShape="0"/>
+                </a:effectLst>
+              </a:rPr>
+              <a:t>문제 풀</a:t>
+            </a:r>
+            <a:r>
+              <a:rPr lang="en-US" altLang="ko-KR" sz="8800" dirty="0" smtClean="0">
+                <a:gradFill flip="none" rotWithShape="1">
+                  <a:gsLst>
+                    <a:gs pos="0">
+                      <a:srgbClr val="FF0000"/>
+                    </a:gs>
+                    <a:gs pos="18000">
+                      <a:srgbClr val="FFC000"/>
+                    </a:gs>
+                    <a:gs pos="78895">
+                      <a:srgbClr val="0070C0"/>
+                    </a:gs>
+                    <a:gs pos="65000">
+                      <a:srgbClr val="92D050"/>
+                    </a:gs>
+                    <a:gs pos="39000">
+                      <a:srgbClr val="FFFF00"/>
+                    </a:gs>
+                    <a:gs pos="100000">
+                      <a:srgbClr val="7030A0"/>
+                    </a:gs>
+                  </a:gsLst>
+                  <a:path path="circle">
+                    <a:fillToRect l="50000" t="50000" r="50000" b="50000"/>
+                  </a:path>
+                  <a:tileRect/>
+                </a:gradFill>
+                <a:effectLst>
+                  <a:reflection blurRad="6350" stA="60000" endA="900" endPos="60000" dist="60007" dir="5400000" sy="-100000" algn="bl" rotWithShape="0"/>
+                </a:effectLst>
+              </a:rPr>
+              <a:t/>
+            </a:r>
+            <a:br>
+              <a:rPr lang="en-US" altLang="ko-KR" sz="8800" dirty="0" smtClean="0">
+                <a:gradFill flip="none" rotWithShape="1">
+                  <a:gsLst>
+                    <a:gs pos="0">
+                      <a:srgbClr val="FF0000"/>
+                    </a:gs>
+                    <a:gs pos="18000">
+                      <a:srgbClr val="FFC000"/>
+                    </a:gs>
+                    <a:gs pos="78895">
+                      <a:srgbClr val="0070C0"/>
+                    </a:gs>
+                    <a:gs pos="65000">
+                      <a:srgbClr val="92D050"/>
+                    </a:gs>
+                    <a:gs pos="39000">
+                      <a:srgbClr val="FFFF00"/>
+                    </a:gs>
+                    <a:gs pos="100000">
+                      <a:srgbClr val="7030A0"/>
+                    </a:gs>
+                  </a:gsLst>
+                  <a:path path="circle">
+                    <a:fillToRect l="50000" t="50000" r="50000" b="50000"/>
+                  </a:path>
+                  <a:tileRect/>
+                </a:gradFill>
+                <a:effectLst>
+                  <a:reflection blurRad="6350" stA="60000" endA="900" endPos="60000" dist="60007" dir="5400000" sy="-100000" algn="bl" rotWithShape="0"/>
+                </a:effectLst>
+              </a:rPr>
+            </a:br>
+            <a:r>
+              <a:rPr lang="en-US" altLang="ko-KR" sz="8800" dirty="0">
+                <a:gradFill flip="none" rotWithShape="1">
+                  <a:gsLst>
+                    <a:gs pos="0">
+                      <a:srgbClr val="FF0000"/>
+                    </a:gs>
+                    <a:gs pos="18000">
+                      <a:srgbClr val="FFC000"/>
+                    </a:gs>
+                    <a:gs pos="78895">
+                      <a:srgbClr val="0070C0"/>
+                    </a:gs>
+                    <a:gs pos="65000">
+                      <a:srgbClr val="92D050"/>
+                    </a:gs>
+                    <a:gs pos="39000">
+                      <a:srgbClr val="FFFF00"/>
+                    </a:gs>
+                    <a:gs pos="100000">
+                      <a:srgbClr val="7030A0"/>
+                    </a:gs>
+                  </a:gsLst>
+                  <a:path path="circle">
+                    <a:fillToRect l="50000" t="50000" r="50000" b="50000"/>
+                  </a:path>
+                  <a:tileRect/>
+                </a:gradFill>
+                <a:effectLst>
+                  <a:reflection blurRad="6350" stA="60000" endA="900" endPos="60000" dist="60007" dir="5400000" sy="-100000" algn="bl" rotWithShape="0"/>
+                </a:effectLst>
+              </a:rPr>
               <a:t> </a:t>
             </a:r>
             <a:r>
-              <a:rPr lang="en-US" altLang="ko-KR" dirty="0" smtClean="0">
-                <a:solidFill>
-                  <a:srgbClr val="FFFF00"/>
-                </a:solidFill>
-              </a:rPr>
-              <a:t>2</a:t>
-            </a:r>
-            <a:r>
-              <a:rPr lang="en-US" altLang="ko-KR" dirty="0" smtClean="0">
-                <a:solidFill>
-                  <a:srgbClr val="92D050"/>
-                </a:solidFill>
-              </a:rPr>
-              <a:t>6</a:t>
-            </a:r>
-            <a:r>
-              <a:rPr lang="en-US" altLang="ko-KR" dirty="0" smtClean="0">
-                <a:solidFill>
-                  <a:srgbClr val="00B050"/>
-                </a:solidFill>
-              </a:rPr>
-              <a:t>6</a:t>
-            </a:r>
-            <a:r>
-              <a:rPr lang="en-US" altLang="ko-KR" dirty="0" smtClean="0">
-                <a:solidFill>
-                  <a:srgbClr val="00B0F0"/>
-                </a:solidFill>
-              </a:rPr>
-              <a:t>7</a:t>
-            </a:r>
-            <a:r>
-              <a:rPr lang="en-US" altLang="ko-KR" dirty="0" smtClean="0"/>
-              <a:t> </a:t>
-            </a:r>
-            <a:r>
-              <a:rPr lang="ko-KR" altLang="en-US" dirty="0" smtClean="0">
-                <a:solidFill>
-                  <a:srgbClr val="0070C0"/>
-                </a:solidFill>
-              </a:rPr>
-              <a:t>문</a:t>
-            </a:r>
-            <a:r>
-              <a:rPr lang="ko-KR" altLang="en-US" dirty="0" smtClean="0">
-                <a:solidFill>
-                  <a:srgbClr val="002060"/>
-                </a:solidFill>
-              </a:rPr>
-              <a:t>제</a:t>
-            </a:r>
-            <a:r>
-              <a:rPr lang="ko-KR" altLang="en-US" dirty="0" smtClean="0"/>
-              <a:t> </a:t>
-            </a:r>
-            <a:r>
-              <a:rPr lang="ko-KR" altLang="en-US" dirty="0" smtClean="0">
-                <a:solidFill>
-                  <a:srgbClr val="7030A0"/>
-                </a:solidFill>
-              </a:rPr>
-              <a:t>풀</a:t>
-            </a:r>
-            <a:r>
-              <a:rPr lang="ko-KR" altLang="en-US" dirty="0" smtClean="0">
-                <a:solidFill>
-                  <a:schemeClr val="bg1"/>
-                </a:solidFill>
+              <a:rPr lang="en-US" altLang="ko-KR" sz="8800" dirty="0" smtClean="0">
+                <a:gradFill flip="none" rotWithShape="1">
+                  <a:gsLst>
+                    <a:gs pos="0">
+                      <a:srgbClr val="FF0000"/>
+                    </a:gs>
+                    <a:gs pos="18000">
+                      <a:srgbClr val="FFC000"/>
+                    </a:gs>
+                    <a:gs pos="78895">
+                      <a:srgbClr val="0070C0"/>
+                    </a:gs>
+                    <a:gs pos="65000">
+                      <a:srgbClr val="92D050"/>
+                    </a:gs>
+                    <a:gs pos="39000">
+                      <a:srgbClr val="FFFF00"/>
+                    </a:gs>
+                    <a:gs pos="100000">
+                      <a:srgbClr val="7030A0"/>
+                    </a:gs>
+                  </a:gsLst>
+                  <a:path path="circle">
+                    <a:fillToRect l="50000" t="50000" r="50000" b="50000"/>
+                  </a:path>
+                  <a:tileRect/>
+                </a:gradFill>
+                <a:effectLst>
+                  <a:reflection blurRad="6350" stA="60000" endA="900" endPos="60000" dist="60007" dir="5400000" sy="-100000" algn="bl" rotWithShape="0"/>
+                </a:effectLst>
+              </a:rPr>
+              <a:t>                    </a:t>
+            </a:r>
+            <a:r>
+              <a:rPr lang="ko-KR" altLang="en-US" sz="8800" dirty="0" smtClean="0">
+                <a:gradFill flip="none" rotWithShape="1">
+                  <a:gsLst>
+                    <a:gs pos="0">
+                      <a:srgbClr val="FF0000"/>
+                    </a:gs>
+                    <a:gs pos="18000">
+                      <a:srgbClr val="FFC000"/>
+                    </a:gs>
+                    <a:gs pos="78895">
+                      <a:srgbClr val="0070C0"/>
+                    </a:gs>
+                    <a:gs pos="65000">
+                      <a:srgbClr val="92D050"/>
+                    </a:gs>
+                    <a:gs pos="39000">
+                      <a:srgbClr val="FFFF00"/>
+                    </a:gs>
+                    <a:gs pos="100000">
+                      <a:srgbClr val="7030A0"/>
+                    </a:gs>
+                  </a:gsLst>
+                  <a:path path="circle">
+                    <a:fillToRect l="50000" t="50000" r="50000" b="50000"/>
+                  </a:path>
+                  <a:tileRect/>
+                </a:gradFill>
+                <a:effectLst>
+                  <a:reflection blurRad="6350" stA="60000" endA="900" endPos="60000" dist="60007" dir="5400000" sy="-100000" algn="bl" rotWithShape="0"/>
+                </a:effectLst>
               </a:rPr>
               <a:t>이</a:t>
             </a:r>
-            <a:endParaRPr lang="ko-KR" altLang="en-US" dirty="0">
-              <a:solidFill>
-                <a:schemeClr val="bg1"/>
-              </a:solidFill>
+            <a:endParaRPr lang="ko-KR" altLang="en-US" sz="8800" dirty="0">
+              <a:gradFill flip="none" rotWithShape="1">
+                <a:gsLst>
+                  <a:gs pos="0">
+                    <a:srgbClr val="FF0000"/>
+                  </a:gs>
+                  <a:gs pos="18000">
+                    <a:srgbClr val="FFC000"/>
+                  </a:gs>
+                  <a:gs pos="78895">
+                    <a:srgbClr val="0070C0"/>
+                  </a:gs>
+                  <a:gs pos="65000">
+                    <a:srgbClr val="92D050"/>
+                  </a:gs>
+                  <a:gs pos="39000">
+                    <a:srgbClr val="FFFF00"/>
+                  </a:gs>
+                  <a:gs pos="100000">
+                    <a:srgbClr val="7030A0"/>
+                  </a:gs>
+                </a:gsLst>
+                <a:path path="circle">
+                  <a:fillToRect l="50000" t="50000" r="50000" b="50000"/>
+                </a:path>
+                <a:tileRect/>
+              </a:gradFill>
+              <a:effectLst>
+                <a:reflection blurRad="6350" stA="60000" endA="900" endPos="60000" dist="60007" dir="5400000" sy="-100000" algn="bl" rotWithShape="0"/>
+              </a:effectLst>
             </a:endParaRPr>
           </a:p>
         </p:txBody>
@@ -3258,6 +3454,40 @@
             <a:endParaRPr lang="en-US" altLang="ko-KR" dirty="0" smtClean="0"/>
           </a:p>
           <a:p>
+            <a:r>
+              <a:rPr lang="en-US" altLang="ko-KR" dirty="0" err="1" smtClean="0"/>
+              <a:t>FloodFill</a:t>
+            </a:r>
+            <a:r>
+              <a:rPr lang="en-US" altLang="ko-KR" dirty="0" smtClean="0"/>
+              <a:t> </a:t>
+            </a:r>
+            <a:r>
+              <a:rPr lang="ko-KR" altLang="en-US" dirty="0" err="1" smtClean="0"/>
+              <a:t>하던중에</a:t>
+            </a:r>
+            <a:endParaRPr lang="en-US" altLang="ko-KR" dirty="0" smtClean="0"/>
+          </a:p>
+          <a:p>
+            <a:r>
+              <a:rPr lang="ko-KR" altLang="en-US" dirty="0" smtClean="0"/>
+              <a:t>도저히 어떻게 짜는지 몰라서 패스</a:t>
+            </a:r>
+            <a:endParaRPr lang="en-US" altLang="ko-KR" dirty="0" smtClean="0"/>
+          </a:p>
+          <a:p>
+            <a:r>
+              <a:rPr lang="ko-KR" altLang="en-US" dirty="0" smtClean="0"/>
+              <a:t>그냥 맨날 하는 방식으로 </a:t>
+            </a:r>
+            <a:r>
+              <a:rPr lang="ko-KR" altLang="en-US" dirty="0" smtClean="0"/>
+              <a:t>풀었다</a:t>
+            </a:r>
+            <a:r>
+              <a:rPr lang="en-US" altLang="ko-KR" dirty="0" smtClean="0"/>
+              <a:t>.</a:t>
+            </a:r>
             <a:endParaRPr lang="ko-KR" altLang="en-US" dirty="0"/>
           </a:p>
         </p:txBody>
@@ -3326,6 +3556,711 @@
     <p:extLst>
       <p:ext uri="{BB962C8B-B14F-4D97-AF65-F5344CB8AC3E}">
         <p14:creationId xmlns:p14="http://schemas.microsoft.com/office/powerpoint/2010/main" val="151165578"/>
+      </p:ext>
+    </p:extLst>
+  </p:cSld>
+  <p:clrMapOvr>
+    <a:masterClrMapping/>
+  </p:clrMapOvr>
+</p:sld>
+</file>
+
+<file path=ppt/slides/slide3.xml><?xml version="1.0" encoding="utf-8"?>
+<p:sld xmlns:a="http://schemas.openxmlformats.org/drawingml/2006/main" xmlns:r="http://schemas.openxmlformats.org/officeDocument/2006/relationships" xmlns:p="http://schemas.openxmlformats.org/presentationml/2006/main">
+  <p:cSld>
+    <p:spTree>
+      <p:nvGrpSpPr>
+        <p:cNvPr id="1" name=""/>
+        <p:cNvGrpSpPr/>
+        <p:nvPr/>
+      </p:nvGrpSpPr>
+      <p:grpSpPr>
+        <a:xfrm>
+          <a:off x="0" y="0"/>
+          <a:ext cx="0" cy="0"/>
+          <a:chOff x="0" y="0"/>
+          <a:chExt cx="0" cy="0"/>
+        </a:xfrm>
+      </p:grpSpPr>
+      <p:sp>
+        <p:nvSpPr>
+          <p:cNvPr id="2" name="제목 1"/>
+          <p:cNvSpPr>
+            <a:spLocks noGrp="1"/>
+          </p:cNvSpPr>
+          <p:nvPr>
+            <p:ph type="title"/>
+          </p:nvPr>
+        </p:nvSpPr>
+        <p:spPr/>
+        <p:txBody>
+          <a:bodyPr/>
+          <a:lstStyle/>
+          <a:p>
+            <a:endParaRPr lang="ko-KR" altLang="en-US"/>
+          </a:p>
+        </p:txBody>
+      </p:sp>
+      <p:sp>
+        <p:nvSpPr>
+          <p:cNvPr id="3" name="내용 개체 틀 2"/>
+          <p:cNvSpPr>
+            <a:spLocks noGrp="1"/>
+          </p:cNvSpPr>
+          <p:nvPr>
+            <p:ph idx="1"/>
+          </p:nvPr>
+        </p:nvSpPr>
+        <p:spPr/>
+        <p:txBody>
+          <a:bodyPr/>
+          <a:lstStyle/>
+          <a:p>
+            <a:r>
+              <a:rPr lang="ko-KR" altLang="en-US" dirty="0" smtClean="0"/>
+              <a:t>우선순위 큐로 넣고 돌렸다</a:t>
+            </a:r>
+            <a:r>
+              <a:rPr lang="en-US" altLang="ko-KR" dirty="0" smtClean="0"/>
+              <a:t>.</a:t>
+            </a:r>
+            <a:endParaRPr lang="ko-KR" altLang="en-US" dirty="0"/>
+          </a:p>
+        </p:txBody>
+      </p:sp>
+      <p:sp>
+        <p:nvSpPr>
+          <p:cNvPr id="4" name="직사각형 3"/>
+          <p:cNvSpPr/>
+          <p:nvPr/>
+        </p:nvSpPr>
+        <p:spPr>
+          <a:xfrm>
+            <a:off x="838200" y="2483644"/>
+            <a:ext cx="6096000" cy="3693319"/>
+          </a:xfrm>
+          <a:prstGeom prst="rect">
+            <a:avLst/>
+          </a:prstGeom>
+        </p:spPr>
+        <p:txBody>
+          <a:bodyPr>
+            <a:spAutoFit/>
+          </a:bodyPr>
+          <a:lstStyle/>
+          <a:p>
+            <a:r>
+              <a:rPr lang="en-US" altLang="ko-KR" dirty="0" err="1">
+                <a:solidFill>
+                  <a:srgbClr val="000000"/>
+                </a:solidFill>
+                <a:latin typeface="Consolas" panose="020B0609020204030204" pitchFamily="49" charset="0"/>
+              </a:rPr>
+              <a:t>PriorityQueue</a:t>
+            </a:r>
+            <a:r>
+              <a:rPr lang="en-US" altLang="ko-KR" dirty="0">
+                <a:solidFill>
+                  <a:srgbClr val="000000"/>
+                </a:solidFill>
+                <a:latin typeface="Consolas" panose="020B0609020204030204" pitchFamily="49" charset="0"/>
+              </a:rPr>
+              <a:t>&lt;Integer&gt; </a:t>
+            </a:r>
+            <a:r>
+              <a:rPr lang="en-US" altLang="ko-KR" dirty="0">
+                <a:solidFill>
+                  <a:srgbClr val="6A3E3E"/>
+                </a:solidFill>
+                <a:latin typeface="Consolas" panose="020B0609020204030204" pitchFamily="49" charset="0"/>
+              </a:rPr>
+              <a:t>queue</a:t>
+            </a:r>
+            <a:r>
+              <a:rPr lang="en-US" altLang="ko-KR" dirty="0">
+                <a:solidFill>
+                  <a:srgbClr val="000000"/>
+                </a:solidFill>
+                <a:latin typeface="Consolas" panose="020B0609020204030204" pitchFamily="49" charset="0"/>
+              </a:rPr>
+              <a:t> = </a:t>
+            </a:r>
+            <a:r>
+              <a:rPr lang="en-US" altLang="ko-KR" b="1" dirty="0">
+                <a:solidFill>
+                  <a:srgbClr val="7F0055"/>
+                </a:solidFill>
+                <a:latin typeface="Consolas" panose="020B0609020204030204" pitchFamily="49" charset="0"/>
+              </a:rPr>
+              <a:t>new</a:t>
+            </a:r>
+            <a:r>
+              <a:rPr lang="en-US" altLang="ko-KR" b="1" dirty="0">
+                <a:solidFill>
+                  <a:srgbClr val="000000"/>
+                </a:solidFill>
+                <a:latin typeface="Consolas" panose="020B0609020204030204" pitchFamily="49" charset="0"/>
+              </a:rPr>
+              <a:t> </a:t>
+            </a:r>
+            <a:r>
+              <a:rPr lang="en-US" altLang="ko-KR" b="1" dirty="0" err="1">
+                <a:solidFill>
+                  <a:srgbClr val="000000"/>
+                </a:solidFill>
+                <a:latin typeface="Consolas" panose="020B0609020204030204" pitchFamily="49" charset="0"/>
+              </a:rPr>
+              <a:t>PriorityQueue</a:t>
+            </a:r>
+            <a:r>
+              <a:rPr lang="en-US" altLang="ko-KR" b="1" dirty="0">
+                <a:solidFill>
+                  <a:srgbClr val="000000"/>
+                </a:solidFill>
+                <a:latin typeface="Consolas" panose="020B0609020204030204" pitchFamily="49" charset="0"/>
+              </a:rPr>
+              <a:t>&lt;&gt;();</a:t>
+            </a:r>
+          </a:p>
+          <a:p>
+            <a:endParaRPr lang="ko-KR" altLang="en-US" dirty="0">
+              <a:latin typeface="Consolas" panose="020B0609020204030204" pitchFamily="49" charset="0"/>
+            </a:endParaRPr>
+          </a:p>
+          <a:p>
+            <a:r>
+              <a:rPr lang="en-US" altLang="ko-KR" b="1" dirty="0">
+                <a:solidFill>
+                  <a:srgbClr val="7F0055"/>
+                </a:solidFill>
+                <a:latin typeface="Consolas" panose="020B0609020204030204" pitchFamily="49" charset="0"/>
+              </a:rPr>
+              <a:t>for</a:t>
+            </a:r>
+            <a:r>
+              <a:rPr lang="en-US" altLang="ko-KR" b="1" dirty="0">
+                <a:solidFill>
+                  <a:srgbClr val="000000"/>
+                </a:solidFill>
+                <a:latin typeface="Consolas" panose="020B0609020204030204" pitchFamily="49" charset="0"/>
+              </a:rPr>
+              <a:t> (</a:t>
+            </a:r>
+            <a:r>
+              <a:rPr lang="en-US" altLang="ko-KR" b="1" dirty="0" err="1">
+                <a:solidFill>
+                  <a:srgbClr val="7F0055"/>
+                </a:solidFill>
+                <a:latin typeface="Consolas" panose="020B0609020204030204" pitchFamily="49" charset="0"/>
+              </a:rPr>
+              <a:t>int</a:t>
+            </a:r>
+            <a:r>
+              <a:rPr lang="en-US" altLang="ko-KR" b="1" dirty="0">
+                <a:solidFill>
+                  <a:srgbClr val="000000"/>
+                </a:solidFill>
+                <a:latin typeface="Consolas" panose="020B0609020204030204" pitchFamily="49" charset="0"/>
+              </a:rPr>
+              <a:t> </a:t>
+            </a:r>
+            <a:r>
+              <a:rPr lang="en-US" altLang="ko-KR" b="1" dirty="0">
+                <a:solidFill>
+                  <a:srgbClr val="6A3E3E"/>
+                </a:solidFill>
+                <a:latin typeface="Consolas" panose="020B0609020204030204" pitchFamily="49" charset="0"/>
+              </a:rPr>
+              <a:t>j</a:t>
+            </a:r>
+            <a:r>
+              <a:rPr lang="en-US" altLang="ko-KR" b="1" dirty="0">
+                <a:solidFill>
+                  <a:srgbClr val="000000"/>
+                </a:solidFill>
+                <a:latin typeface="Consolas" panose="020B0609020204030204" pitchFamily="49" charset="0"/>
+              </a:rPr>
+              <a:t> = 0; </a:t>
+            </a:r>
+            <a:r>
+              <a:rPr lang="en-US" altLang="ko-KR" b="1" dirty="0">
+                <a:solidFill>
+                  <a:srgbClr val="6A3E3E"/>
+                </a:solidFill>
+                <a:latin typeface="Consolas" panose="020B0609020204030204" pitchFamily="49" charset="0"/>
+              </a:rPr>
+              <a:t>j</a:t>
+            </a:r>
+            <a:r>
+              <a:rPr lang="en-US" altLang="ko-KR" b="1" dirty="0">
+                <a:solidFill>
+                  <a:srgbClr val="000000"/>
+                </a:solidFill>
+                <a:latin typeface="Consolas" panose="020B0609020204030204" pitchFamily="49" charset="0"/>
+              </a:rPr>
+              <a:t> &lt; </a:t>
+            </a:r>
+            <a:r>
+              <a:rPr lang="en-US" altLang="ko-KR" b="1" i="1" dirty="0">
+                <a:solidFill>
+                  <a:srgbClr val="0000C0"/>
+                </a:solidFill>
+                <a:latin typeface="Consolas" panose="020B0609020204030204" pitchFamily="49" charset="0"/>
+              </a:rPr>
+              <a:t>N</a:t>
+            </a:r>
+            <a:r>
+              <a:rPr lang="en-US" altLang="ko-KR" b="1" i="1" dirty="0">
+                <a:solidFill>
+                  <a:srgbClr val="000000"/>
+                </a:solidFill>
+                <a:latin typeface="Consolas" panose="020B0609020204030204" pitchFamily="49" charset="0"/>
+              </a:rPr>
+              <a:t>; </a:t>
+            </a:r>
+            <a:r>
+              <a:rPr lang="en-US" altLang="ko-KR" b="1" i="1" dirty="0" err="1">
+                <a:solidFill>
+                  <a:srgbClr val="6A3E3E"/>
+                </a:solidFill>
+                <a:latin typeface="Consolas" panose="020B0609020204030204" pitchFamily="49" charset="0"/>
+              </a:rPr>
+              <a:t>j</a:t>
+            </a:r>
+            <a:r>
+              <a:rPr lang="en-US" altLang="ko-KR" b="1" i="1" dirty="0" err="1">
+                <a:solidFill>
+                  <a:srgbClr val="000000"/>
+                </a:solidFill>
+                <a:latin typeface="Consolas" panose="020B0609020204030204" pitchFamily="49" charset="0"/>
+              </a:rPr>
+              <a:t>++</a:t>
+            </a:r>
+            <a:r>
+              <a:rPr lang="en-US" altLang="ko-KR" b="1" i="1" dirty="0">
+                <a:solidFill>
+                  <a:srgbClr val="000000"/>
+                </a:solidFill>
+                <a:latin typeface="Consolas" panose="020B0609020204030204" pitchFamily="49" charset="0"/>
+              </a:rPr>
+              <a:t>) {</a:t>
+            </a:r>
+          </a:p>
+          <a:p>
+            <a:r>
+              <a:rPr lang="nn-NO" altLang="ko-KR" b="1" dirty="0">
+                <a:solidFill>
+                  <a:srgbClr val="7F0055"/>
+                </a:solidFill>
+                <a:latin typeface="Consolas" panose="020B0609020204030204" pitchFamily="49" charset="0"/>
+              </a:rPr>
+              <a:t>for</a:t>
+            </a:r>
+            <a:r>
+              <a:rPr lang="nn-NO" altLang="ko-KR" b="1" dirty="0">
+                <a:solidFill>
+                  <a:srgbClr val="000000"/>
+                </a:solidFill>
+                <a:latin typeface="Consolas" panose="020B0609020204030204" pitchFamily="49" charset="0"/>
+              </a:rPr>
+              <a:t> (</a:t>
+            </a:r>
+            <a:r>
+              <a:rPr lang="nn-NO" altLang="ko-KR" b="1" dirty="0">
+                <a:solidFill>
+                  <a:srgbClr val="7F0055"/>
+                </a:solidFill>
+                <a:latin typeface="Consolas" panose="020B0609020204030204" pitchFamily="49" charset="0"/>
+              </a:rPr>
+              <a:t>int</a:t>
+            </a:r>
+            <a:r>
+              <a:rPr lang="nn-NO" altLang="ko-KR" b="1" dirty="0">
+                <a:solidFill>
+                  <a:srgbClr val="000000"/>
+                </a:solidFill>
+                <a:latin typeface="Consolas" panose="020B0609020204030204" pitchFamily="49" charset="0"/>
+              </a:rPr>
+              <a:t> </a:t>
+            </a:r>
+            <a:r>
+              <a:rPr lang="nn-NO" altLang="ko-KR" b="1" dirty="0">
+                <a:solidFill>
+                  <a:srgbClr val="6A3E3E"/>
+                </a:solidFill>
+                <a:latin typeface="Consolas" panose="020B0609020204030204" pitchFamily="49" charset="0"/>
+              </a:rPr>
+              <a:t>i</a:t>
+            </a:r>
+            <a:r>
+              <a:rPr lang="nn-NO" altLang="ko-KR" b="1" dirty="0">
+                <a:solidFill>
+                  <a:srgbClr val="000000"/>
+                </a:solidFill>
+                <a:latin typeface="Consolas" panose="020B0609020204030204" pitchFamily="49" charset="0"/>
+              </a:rPr>
+              <a:t> = 0; </a:t>
+            </a:r>
+            <a:r>
+              <a:rPr lang="nn-NO" altLang="ko-KR" b="1" dirty="0">
+                <a:solidFill>
+                  <a:srgbClr val="6A3E3E"/>
+                </a:solidFill>
+                <a:latin typeface="Consolas" panose="020B0609020204030204" pitchFamily="49" charset="0"/>
+              </a:rPr>
+              <a:t>i</a:t>
+            </a:r>
+            <a:r>
+              <a:rPr lang="nn-NO" altLang="ko-KR" b="1" dirty="0">
+                <a:solidFill>
+                  <a:srgbClr val="000000"/>
+                </a:solidFill>
+                <a:latin typeface="Consolas" panose="020B0609020204030204" pitchFamily="49" charset="0"/>
+              </a:rPr>
+              <a:t> &lt; </a:t>
+            </a:r>
+            <a:r>
+              <a:rPr lang="nn-NO" altLang="ko-KR" b="1" i="1" dirty="0">
+                <a:solidFill>
+                  <a:srgbClr val="0000C0"/>
+                </a:solidFill>
+                <a:latin typeface="Consolas" panose="020B0609020204030204" pitchFamily="49" charset="0"/>
+              </a:rPr>
+              <a:t>N</a:t>
+            </a:r>
+            <a:r>
+              <a:rPr lang="nn-NO" altLang="ko-KR" b="1" i="1" dirty="0">
+                <a:solidFill>
+                  <a:srgbClr val="000000"/>
+                </a:solidFill>
+                <a:latin typeface="Consolas" panose="020B0609020204030204" pitchFamily="49" charset="0"/>
+              </a:rPr>
+              <a:t>; </a:t>
+            </a:r>
+            <a:r>
+              <a:rPr lang="nn-NO" altLang="ko-KR" b="1" i="1" dirty="0">
+                <a:solidFill>
+                  <a:srgbClr val="6A3E3E"/>
+                </a:solidFill>
+                <a:latin typeface="Consolas" panose="020B0609020204030204" pitchFamily="49" charset="0"/>
+              </a:rPr>
+              <a:t>i</a:t>
+            </a:r>
+            <a:r>
+              <a:rPr lang="nn-NO" altLang="ko-KR" b="1" i="1" dirty="0">
+                <a:solidFill>
+                  <a:srgbClr val="000000"/>
+                </a:solidFill>
+                <a:latin typeface="Consolas" panose="020B0609020204030204" pitchFamily="49" charset="0"/>
+              </a:rPr>
+              <a:t>++) {</a:t>
+            </a:r>
+          </a:p>
+          <a:p>
+            <a:r>
+              <a:rPr lang="en-US" altLang="ko-KR" b="1" dirty="0">
+                <a:solidFill>
+                  <a:srgbClr val="7F0055"/>
+                </a:solidFill>
+                <a:latin typeface="Consolas" panose="020B0609020204030204" pitchFamily="49" charset="0"/>
+              </a:rPr>
+              <a:t>if</a:t>
+            </a:r>
+            <a:r>
+              <a:rPr lang="en-US" altLang="ko-KR" b="1" dirty="0">
+                <a:solidFill>
+                  <a:srgbClr val="000000"/>
+                </a:solidFill>
+                <a:latin typeface="Consolas" panose="020B0609020204030204" pitchFamily="49" charset="0"/>
+              </a:rPr>
+              <a:t> (</a:t>
+            </a:r>
+            <a:r>
+              <a:rPr lang="en-US" altLang="ko-KR" b="1" i="1" dirty="0">
+                <a:solidFill>
+                  <a:srgbClr val="0000C0"/>
+                </a:solidFill>
+                <a:latin typeface="Consolas" panose="020B0609020204030204" pitchFamily="49" charset="0"/>
+              </a:rPr>
+              <a:t>map</a:t>
+            </a:r>
+            <a:r>
+              <a:rPr lang="en-US" altLang="ko-KR" b="1" i="1" dirty="0">
+                <a:solidFill>
+                  <a:srgbClr val="000000"/>
+                </a:solidFill>
+                <a:latin typeface="Consolas" panose="020B0609020204030204" pitchFamily="49" charset="0"/>
+              </a:rPr>
+              <a:t>[</a:t>
+            </a:r>
+            <a:r>
+              <a:rPr lang="en-US" altLang="ko-KR" b="1" i="1" dirty="0" err="1">
+                <a:solidFill>
+                  <a:srgbClr val="6A3E3E"/>
+                </a:solidFill>
+                <a:latin typeface="Consolas" panose="020B0609020204030204" pitchFamily="49" charset="0"/>
+              </a:rPr>
+              <a:t>i</a:t>
+            </a:r>
+            <a:r>
+              <a:rPr lang="en-US" altLang="ko-KR" b="1" i="1" dirty="0">
+                <a:solidFill>
+                  <a:srgbClr val="000000"/>
+                </a:solidFill>
+                <a:latin typeface="Consolas" panose="020B0609020204030204" pitchFamily="49" charset="0"/>
+              </a:rPr>
+              <a:t>][</a:t>
+            </a:r>
+            <a:r>
+              <a:rPr lang="en-US" altLang="ko-KR" b="1" i="1" dirty="0">
+                <a:solidFill>
+                  <a:srgbClr val="6A3E3E"/>
+                </a:solidFill>
+                <a:latin typeface="Consolas" panose="020B0609020204030204" pitchFamily="49" charset="0"/>
+              </a:rPr>
+              <a:t>j</a:t>
+            </a:r>
+            <a:r>
+              <a:rPr lang="en-US" altLang="ko-KR" b="1" i="1" dirty="0">
+                <a:solidFill>
+                  <a:srgbClr val="000000"/>
+                </a:solidFill>
+                <a:latin typeface="Consolas" panose="020B0609020204030204" pitchFamily="49" charset="0"/>
+              </a:rPr>
+              <a:t>] == 1 &amp;&amp; !</a:t>
+            </a:r>
+            <a:r>
+              <a:rPr lang="en-US" altLang="ko-KR" b="1" i="1" dirty="0">
+                <a:solidFill>
+                  <a:srgbClr val="0000C0"/>
+                </a:solidFill>
+                <a:latin typeface="Consolas" panose="020B0609020204030204" pitchFamily="49" charset="0"/>
+              </a:rPr>
+              <a:t>visit</a:t>
+            </a:r>
+            <a:r>
+              <a:rPr lang="en-US" altLang="ko-KR" b="1" i="1" dirty="0">
+                <a:solidFill>
+                  <a:srgbClr val="000000"/>
+                </a:solidFill>
+                <a:latin typeface="Consolas" panose="020B0609020204030204" pitchFamily="49" charset="0"/>
+              </a:rPr>
+              <a:t>[</a:t>
+            </a:r>
+            <a:r>
+              <a:rPr lang="en-US" altLang="ko-KR" b="1" i="1" dirty="0" err="1">
+                <a:solidFill>
+                  <a:srgbClr val="6A3E3E"/>
+                </a:solidFill>
+                <a:latin typeface="Consolas" panose="020B0609020204030204" pitchFamily="49" charset="0"/>
+              </a:rPr>
+              <a:t>i</a:t>
+            </a:r>
+            <a:r>
+              <a:rPr lang="en-US" altLang="ko-KR" b="1" i="1" dirty="0">
+                <a:solidFill>
+                  <a:srgbClr val="000000"/>
+                </a:solidFill>
+                <a:latin typeface="Consolas" panose="020B0609020204030204" pitchFamily="49" charset="0"/>
+              </a:rPr>
+              <a:t>][</a:t>
+            </a:r>
+            <a:r>
+              <a:rPr lang="en-US" altLang="ko-KR" b="1" i="1" dirty="0">
+                <a:solidFill>
+                  <a:srgbClr val="6A3E3E"/>
+                </a:solidFill>
+                <a:latin typeface="Consolas" panose="020B0609020204030204" pitchFamily="49" charset="0"/>
+              </a:rPr>
+              <a:t>j</a:t>
+            </a:r>
+            <a:r>
+              <a:rPr lang="en-US" altLang="ko-KR" b="1" i="1" dirty="0">
+                <a:solidFill>
+                  <a:srgbClr val="000000"/>
+                </a:solidFill>
+                <a:latin typeface="Consolas" panose="020B0609020204030204" pitchFamily="49" charset="0"/>
+              </a:rPr>
+              <a:t>]) {</a:t>
+            </a:r>
+          </a:p>
+          <a:p>
+            <a:r>
+              <a:rPr lang="en-US" altLang="ko-KR" i="1" dirty="0" err="1">
+                <a:solidFill>
+                  <a:srgbClr val="000000"/>
+                </a:solidFill>
+                <a:latin typeface="Consolas" panose="020B0609020204030204" pitchFamily="49" charset="0"/>
+              </a:rPr>
+              <a:t>dfs</a:t>
+            </a:r>
+            <a:r>
+              <a:rPr lang="en-US" altLang="ko-KR" i="1" dirty="0">
+                <a:solidFill>
+                  <a:srgbClr val="000000"/>
+                </a:solidFill>
+                <a:latin typeface="Consolas" panose="020B0609020204030204" pitchFamily="49" charset="0"/>
+              </a:rPr>
+              <a:t>(</a:t>
+            </a:r>
+            <a:r>
+              <a:rPr lang="en-US" altLang="ko-KR" i="1" dirty="0" err="1">
+                <a:solidFill>
+                  <a:srgbClr val="6A3E3E"/>
+                </a:solidFill>
+                <a:latin typeface="Consolas" panose="020B0609020204030204" pitchFamily="49" charset="0"/>
+              </a:rPr>
+              <a:t>i</a:t>
+            </a:r>
+            <a:r>
+              <a:rPr lang="en-US" altLang="ko-KR" i="1" dirty="0">
+                <a:solidFill>
+                  <a:srgbClr val="000000"/>
+                </a:solidFill>
+                <a:latin typeface="Consolas" panose="020B0609020204030204" pitchFamily="49" charset="0"/>
+              </a:rPr>
+              <a:t>, </a:t>
+            </a:r>
+            <a:r>
+              <a:rPr lang="en-US" altLang="ko-KR" i="1" dirty="0">
+                <a:solidFill>
+                  <a:srgbClr val="6A3E3E"/>
+                </a:solidFill>
+                <a:latin typeface="Consolas" panose="020B0609020204030204" pitchFamily="49" charset="0"/>
+              </a:rPr>
+              <a:t>j</a:t>
+            </a:r>
+            <a:r>
+              <a:rPr lang="en-US" altLang="ko-KR" i="1" dirty="0">
+                <a:solidFill>
+                  <a:srgbClr val="000000"/>
+                </a:solidFill>
+                <a:latin typeface="Consolas" panose="020B0609020204030204" pitchFamily="49" charset="0"/>
+              </a:rPr>
+              <a:t>);</a:t>
+            </a:r>
+          </a:p>
+          <a:p>
+            <a:r>
+              <a:rPr lang="en-US" altLang="ko-KR" dirty="0" err="1">
+                <a:solidFill>
+                  <a:srgbClr val="6A3E3E"/>
+                </a:solidFill>
+                <a:latin typeface="Consolas" panose="020B0609020204030204" pitchFamily="49" charset="0"/>
+              </a:rPr>
+              <a:t>queue</a:t>
+            </a:r>
+            <a:r>
+              <a:rPr lang="en-US" altLang="ko-KR" dirty="0" err="1">
+                <a:solidFill>
+                  <a:srgbClr val="000000"/>
+                </a:solidFill>
+                <a:latin typeface="Consolas" panose="020B0609020204030204" pitchFamily="49" charset="0"/>
+              </a:rPr>
+              <a:t>.offer</a:t>
+            </a:r>
+            <a:r>
+              <a:rPr lang="en-US" altLang="ko-KR" dirty="0">
+                <a:solidFill>
+                  <a:srgbClr val="000000"/>
+                </a:solidFill>
+                <a:latin typeface="Consolas" panose="020B0609020204030204" pitchFamily="49" charset="0"/>
+              </a:rPr>
+              <a:t>(</a:t>
+            </a:r>
+            <a:r>
+              <a:rPr lang="en-US" altLang="ko-KR" i="1" dirty="0" err="1">
+                <a:solidFill>
+                  <a:srgbClr val="0000C0"/>
+                </a:solidFill>
+                <a:latin typeface="Consolas" panose="020B0609020204030204" pitchFamily="49" charset="0"/>
+              </a:rPr>
+              <a:t>cnt</a:t>
+            </a:r>
+            <a:r>
+              <a:rPr lang="en-US" altLang="ko-KR" i="1" dirty="0">
+                <a:solidFill>
+                  <a:srgbClr val="000000"/>
+                </a:solidFill>
+                <a:latin typeface="Consolas" panose="020B0609020204030204" pitchFamily="49" charset="0"/>
+              </a:rPr>
+              <a:t>);</a:t>
+            </a:r>
+          </a:p>
+          <a:p>
+            <a:endParaRPr lang="ko-KR" altLang="en-US" dirty="0">
+              <a:latin typeface="Consolas" panose="020B0609020204030204" pitchFamily="49" charset="0"/>
+            </a:endParaRPr>
+          </a:p>
+          <a:p>
+            <a:r>
+              <a:rPr lang="en-US" altLang="ko-KR" i="1" dirty="0" err="1">
+                <a:solidFill>
+                  <a:srgbClr val="0000C0"/>
+                </a:solidFill>
+                <a:latin typeface="Consolas" panose="020B0609020204030204" pitchFamily="49" charset="0"/>
+              </a:rPr>
+              <a:t>cnt</a:t>
+            </a:r>
+            <a:r>
+              <a:rPr lang="en-US" altLang="ko-KR" i="1" dirty="0">
+                <a:solidFill>
+                  <a:srgbClr val="000000"/>
+                </a:solidFill>
+                <a:latin typeface="Consolas" panose="020B0609020204030204" pitchFamily="49" charset="0"/>
+              </a:rPr>
+              <a:t> = 0;</a:t>
+            </a:r>
+          </a:p>
+          <a:p>
+            <a:r>
+              <a:rPr lang="en-US" altLang="ko-KR" i="1" dirty="0" err="1">
+                <a:solidFill>
+                  <a:srgbClr val="0000C0"/>
+                </a:solidFill>
+                <a:latin typeface="Consolas" panose="020B0609020204030204" pitchFamily="49" charset="0"/>
+              </a:rPr>
+              <a:t>idx</a:t>
+            </a:r>
+            <a:r>
+              <a:rPr lang="en-US" altLang="ko-KR" i="1" dirty="0">
+                <a:solidFill>
+                  <a:srgbClr val="000000"/>
+                </a:solidFill>
+                <a:latin typeface="Consolas" panose="020B0609020204030204" pitchFamily="49" charset="0"/>
+              </a:rPr>
+              <a:t>++;</a:t>
+            </a:r>
+          </a:p>
+          <a:p>
+            <a:r>
+              <a:rPr lang="en-US" altLang="ko-KR" dirty="0">
+                <a:solidFill>
+                  <a:srgbClr val="000000"/>
+                </a:solidFill>
+                <a:latin typeface="Consolas" panose="020B0609020204030204" pitchFamily="49" charset="0"/>
+              </a:rPr>
+              <a:t>}</a:t>
+            </a:r>
+          </a:p>
+          <a:p>
+            <a:r>
+              <a:rPr lang="en-US" altLang="ko-KR" dirty="0">
+                <a:solidFill>
+                  <a:srgbClr val="000000"/>
+                </a:solidFill>
+                <a:latin typeface="Consolas" panose="020B0609020204030204" pitchFamily="49" charset="0"/>
+              </a:rPr>
+              <a:t>}</a:t>
+            </a:r>
+            <a:endParaRPr lang="ko-KR" altLang="en-US" dirty="0"/>
+          </a:p>
+        </p:txBody>
+      </p:sp>
+    </p:spTree>
+    <p:extLst>
+      <p:ext uri="{BB962C8B-B14F-4D97-AF65-F5344CB8AC3E}">
+        <p14:creationId xmlns:p14="http://schemas.microsoft.com/office/powerpoint/2010/main" val="2162344267"/>
       </p:ext>
     </p:extLst>
   </p:cSld>

--- a/백준 2667 문제 풀이.pptx
+++ b/백준 2667 문제 풀이.pptx
@@ -6,8 +6,12 @@
   </p:sldMasterIdLst>
   <p:sldIdLst>
     <p:sldId id="256" r:id="rId2"/>
-    <p:sldId id="257" r:id="rId3"/>
-    <p:sldId id="258" r:id="rId4"/>
+    <p:sldId id="262" r:id="rId3"/>
+    <p:sldId id="257" r:id="rId4"/>
+    <p:sldId id="260" r:id="rId5"/>
+    <p:sldId id="261" r:id="rId6"/>
+    <p:sldId id="258" r:id="rId7"/>
+    <p:sldId id="259" r:id="rId8"/>
   </p:sldIdLst>
   <p:sldSz cx="12192000" cy="6858000"/>
   <p:notesSz cx="6858000" cy="9144000"/>
@@ -156,10 +160,9 @@
           </a:lstStyle>
           <a:p>
             <a:r>
-              <a:rPr lang="ko-KR" altLang="en-US" smtClean="0"/>
+              <a:rPr lang="ko-KR" altLang="en-US"/>
               <a:t>마스터 제목 스타일 편집</a:t>
             </a:r>
-            <a:endParaRPr lang="ko-KR" altLang="en-US"/>
           </a:p>
         </p:txBody>
       </p:sp>
@@ -221,10 +224,9 @@
           </a:lstStyle>
           <a:p>
             <a:r>
-              <a:rPr lang="ko-KR" altLang="en-US" smtClean="0"/>
+              <a:rPr lang="ko-KR" altLang="en-US"/>
               <a:t>클릭하여 마스터 부제목 스타일 편집</a:t>
             </a:r>
-            <a:endParaRPr lang="ko-KR" altLang="en-US"/>
           </a:p>
         </p:txBody>
       </p:sp>
@@ -339,10 +341,9 @@
           <a:lstStyle/>
           <a:p>
             <a:r>
-              <a:rPr lang="ko-KR" altLang="en-US" smtClean="0"/>
+              <a:rPr lang="ko-KR" altLang="en-US"/>
               <a:t>마스터 제목 스타일 편집</a:t>
             </a:r>
-            <a:endParaRPr lang="ko-KR" altLang="en-US"/>
           </a:p>
         </p:txBody>
       </p:sp>
@@ -363,38 +364,37 @@
           <a:p>
             <a:pPr lvl="0"/>
             <a:r>
-              <a:rPr lang="ko-KR" altLang="en-US" smtClean="0"/>
+              <a:rPr lang="ko-KR" altLang="en-US"/>
               <a:t>마스터 텍스트 스타일 편집</a:t>
             </a:r>
           </a:p>
           <a:p>
             <a:pPr lvl="1"/>
             <a:r>
-              <a:rPr lang="ko-KR" altLang="en-US" smtClean="0"/>
+              <a:rPr lang="ko-KR" altLang="en-US"/>
               <a:t>둘째 수준</a:t>
             </a:r>
           </a:p>
           <a:p>
             <a:pPr lvl="2"/>
             <a:r>
-              <a:rPr lang="ko-KR" altLang="en-US" smtClean="0"/>
+              <a:rPr lang="ko-KR" altLang="en-US"/>
               <a:t>셋째 수준</a:t>
             </a:r>
           </a:p>
           <a:p>
             <a:pPr lvl="3"/>
             <a:r>
-              <a:rPr lang="ko-KR" altLang="en-US" smtClean="0"/>
+              <a:rPr lang="ko-KR" altLang="en-US"/>
               <a:t>넷째 수준</a:t>
             </a:r>
           </a:p>
           <a:p>
             <a:pPr lvl="4"/>
             <a:r>
-              <a:rPr lang="ko-KR" altLang="en-US" smtClean="0"/>
+              <a:rPr lang="ko-KR" altLang="en-US"/>
               <a:t>다섯째 수준</a:t>
             </a:r>
-            <a:endParaRPr lang="ko-KR" altLang="en-US"/>
           </a:p>
         </p:txBody>
       </p:sp>
@@ -514,10 +514,9 @@
           <a:lstStyle/>
           <a:p>
             <a:r>
-              <a:rPr lang="ko-KR" altLang="en-US" smtClean="0"/>
+              <a:rPr lang="ko-KR" altLang="en-US"/>
               <a:t>마스터 제목 스타일 편집</a:t>
             </a:r>
-            <a:endParaRPr lang="ko-KR" altLang="en-US"/>
           </a:p>
         </p:txBody>
       </p:sp>
@@ -543,38 +542,37 @@
           <a:p>
             <a:pPr lvl="0"/>
             <a:r>
-              <a:rPr lang="ko-KR" altLang="en-US" smtClean="0"/>
+              <a:rPr lang="ko-KR" altLang="en-US"/>
               <a:t>마스터 텍스트 스타일 편집</a:t>
             </a:r>
           </a:p>
           <a:p>
             <a:pPr lvl="1"/>
             <a:r>
-              <a:rPr lang="ko-KR" altLang="en-US" smtClean="0"/>
+              <a:rPr lang="ko-KR" altLang="en-US"/>
               <a:t>둘째 수준</a:t>
             </a:r>
           </a:p>
           <a:p>
             <a:pPr lvl="2"/>
             <a:r>
-              <a:rPr lang="ko-KR" altLang="en-US" smtClean="0"/>
+              <a:rPr lang="ko-KR" altLang="en-US"/>
               <a:t>셋째 수준</a:t>
             </a:r>
           </a:p>
           <a:p>
             <a:pPr lvl="3"/>
             <a:r>
-              <a:rPr lang="ko-KR" altLang="en-US" smtClean="0"/>
+              <a:rPr lang="ko-KR" altLang="en-US"/>
               <a:t>넷째 수준</a:t>
             </a:r>
           </a:p>
           <a:p>
             <a:pPr lvl="4"/>
             <a:r>
-              <a:rPr lang="ko-KR" altLang="en-US" smtClean="0"/>
+              <a:rPr lang="ko-KR" altLang="en-US"/>
               <a:t>다섯째 수준</a:t>
             </a:r>
-            <a:endParaRPr lang="ko-KR" altLang="en-US"/>
           </a:p>
         </p:txBody>
       </p:sp>
@@ -689,10 +687,9 @@
           <a:lstStyle/>
           <a:p>
             <a:r>
-              <a:rPr lang="ko-KR" altLang="en-US" smtClean="0"/>
+              <a:rPr lang="ko-KR" altLang="en-US"/>
               <a:t>마스터 제목 스타일 편집</a:t>
             </a:r>
-            <a:endParaRPr lang="ko-KR" altLang="en-US"/>
           </a:p>
         </p:txBody>
       </p:sp>
@@ -713,38 +710,37 @@
           <a:p>
             <a:pPr lvl="0"/>
             <a:r>
-              <a:rPr lang="ko-KR" altLang="en-US" smtClean="0"/>
+              <a:rPr lang="ko-KR" altLang="en-US"/>
               <a:t>마스터 텍스트 스타일 편집</a:t>
             </a:r>
           </a:p>
           <a:p>
             <a:pPr lvl="1"/>
             <a:r>
-              <a:rPr lang="ko-KR" altLang="en-US" smtClean="0"/>
+              <a:rPr lang="ko-KR" altLang="en-US"/>
               <a:t>둘째 수준</a:t>
             </a:r>
           </a:p>
           <a:p>
             <a:pPr lvl="2"/>
             <a:r>
-              <a:rPr lang="ko-KR" altLang="en-US" smtClean="0"/>
+              <a:rPr lang="ko-KR" altLang="en-US"/>
               <a:t>셋째 수준</a:t>
             </a:r>
           </a:p>
           <a:p>
             <a:pPr lvl="3"/>
             <a:r>
-              <a:rPr lang="ko-KR" altLang="en-US" smtClean="0"/>
+              <a:rPr lang="ko-KR" altLang="en-US"/>
               <a:t>넷째 수준</a:t>
             </a:r>
           </a:p>
           <a:p>
             <a:pPr lvl="4"/>
             <a:r>
-              <a:rPr lang="ko-KR" altLang="en-US" smtClean="0"/>
+              <a:rPr lang="ko-KR" altLang="en-US"/>
               <a:t>다섯째 수준</a:t>
             </a:r>
-            <a:endParaRPr lang="ko-KR" altLang="en-US"/>
           </a:p>
         </p:txBody>
       </p:sp>
@@ -868,10 +864,9 @@
           </a:lstStyle>
           <a:p>
             <a:r>
-              <a:rPr lang="ko-KR" altLang="en-US" smtClean="0"/>
+              <a:rPr lang="ko-KR" altLang="en-US"/>
               <a:t>마스터 제목 스타일 편집</a:t>
             </a:r>
-            <a:endParaRPr lang="ko-KR" altLang="en-US"/>
           </a:p>
         </p:txBody>
       </p:sp>
@@ -988,7 +983,7 @@
           <a:p>
             <a:pPr lvl="0"/>
             <a:r>
-              <a:rPr lang="ko-KR" altLang="en-US" smtClean="0"/>
+              <a:rPr lang="ko-KR" altLang="en-US"/>
               <a:t>마스터 텍스트 스타일 편집</a:t>
             </a:r>
           </a:p>
@@ -1105,10 +1100,9 @@
           <a:lstStyle/>
           <a:p>
             <a:r>
-              <a:rPr lang="ko-KR" altLang="en-US" smtClean="0"/>
+              <a:rPr lang="ko-KR" altLang="en-US"/>
               <a:t>마스터 제목 스타일 편집</a:t>
             </a:r>
-            <a:endParaRPr lang="ko-KR" altLang="en-US"/>
           </a:p>
         </p:txBody>
       </p:sp>
@@ -1134,38 +1128,37 @@
           <a:p>
             <a:pPr lvl="0"/>
             <a:r>
-              <a:rPr lang="ko-KR" altLang="en-US" smtClean="0"/>
+              <a:rPr lang="ko-KR" altLang="en-US"/>
               <a:t>마스터 텍스트 스타일 편집</a:t>
             </a:r>
           </a:p>
           <a:p>
             <a:pPr lvl="1"/>
             <a:r>
-              <a:rPr lang="ko-KR" altLang="en-US" smtClean="0"/>
+              <a:rPr lang="ko-KR" altLang="en-US"/>
               <a:t>둘째 수준</a:t>
             </a:r>
           </a:p>
           <a:p>
             <a:pPr lvl="2"/>
             <a:r>
-              <a:rPr lang="ko-KR" altLang="en-US" smtClean="0"/>
+              <a:rPr lang="ko-KR" altLang="en-US"/>
               <a:t>셋째 수준</a:t>
             </a:r>
           </a:p>
           <a:p>
             <a:pPr lvl="3"/>
             <a:r>
-              <a:rPr lang="ko-KR" altLang="en-US" smtClean="0"/>
+              <a:rPr lang="ko-KR" altLang="en-US"/>
               <a:t>넷째 수준</a:t>
             </a:r>
           </a:p>
           <a:p>
             <a:pPr lvl="4"/>
             <a:r>
-              <a:rPr lang="ko-KR" altLang="en-US" smtClean="0"/>
+              <a:rPr lang="ko-KR" altLang="en-US"/>
               <a:t>다섯째 수준</a:t>
             </a:r>
-            <a:endParaRPr lang="ko-KR" altLang="en-US"/>
           </a:p>
         </p:txBody>
       </p:sp>
@@ -1191,38 +1184,37 @@
           <a:p>
             <a:pPr lvl="0"/>
             <a:r>
-              <a:rPr lang="ko-KR" altLang="en-US" smtClean="0"/>
+              <a:rPr lang="ko-KR" altLang="en-US"/>
               <a:t>마스터 텍스트 스타일 편집</a:t>
             </a:r>
           </a:p>
           <a:p>
             <a:pPr lvl="1"/>
             <a:r>
-              <a:rPr lang="ko-KR" altLang="en-US" smtClean="0"/>
+              <a:rPr lang="ko-KR" altLang="en-US"/>
               <a:t>둘째 수준</a:t>
             </a:r>
           </a:p>
           <a:p>
             <a:pPr lvl="2"/>
             <a:r>
-              <a:rPr lang="ko-KR" altLang="en-US" smtClean="0"/>
+              <a:rPr lang="ko-KR" altLang="en-US"/>
               <a:t>셋째 수준</a:t>
             </a:r>
           </a:p>
           <a:p>
             <a:pPr lvl="3"/>
             <a:r>
-              <a:rPr lang="ko-KR" altLang="en-US" smtClean="0"/>
+              <a:rPr lang="ko-KR" altLang="en-US"/>
               <a:t>넷째 수준</a:t>
             </a:r>
           </a:p>
           <a:p>
             <a:pPr lvl="4"/>
             <a:r>
-              <a:rPr lang="ko-KR" altLang="en-US" smtClean="0"/>
+              <a:rPr lang="ko-KR" altLang="en-US"/>
               <a:t>다섯째 수준</a:t>
             </a:r>
-            <a:endParaRPr lang="ko-KR" altLang="en-US"/>
           </a:p>
         </p:txBody>
       </p:sp>
@@ -1342,10 +1334,9 @@
           <a:lstStyle/>
           <a:p>
             <a:r>
-              <a:rPr lang="ko-KR" altLang="en-US" smtClean="0"/>
+              <a:rPr lang="ko-KR" altLang="en-US"/>
               <a:t>마스터 제목 스타일 편집</a:t>
             </a:r>
-            <a:endParaRPr lang="ko-KR" altLang="en-US"/>
           </a:p>
         </p:txBody>
       </p:sp>
@@ -1408,7 +1399,7 @@
           <a:p>
             <a:pPr lvl="0"/>
             <a:r>
-              <a:rPr lang="ko-KR" altLang="en-US" smtClean="0"/>
+              <a:rPr lang="ko-KR" altLang="en-US"/>
               <a:t>마스터 텍스트 스타일 편집</a:t>
             </a:r>
           </a:p>
@@ -1436,38 +1427,37 @@
           <a:p>
             <a:pPr lvl="0"/>
             <a:r>
-              <a:rPr lang="ko-KR" altLang="en-US" smtClean="0"/>
+              <a:rPr lang="ko-KR" altLang="en-US"/>
               <a:t>마스터 텍스트 스타일 편집</a:t>
             </a:r>
           </a:p>
           <a:p>
             <a:pPr lvl="1"/>
             <a:r>
-              <a:rPr lang="ko-KR" altLang="en-US" smtClean="0"/>
+              <a:rPr lang="ko-KR" altLang="en-US"/>
               <a:t>둘째 수준</a:t>
             </a:r>
           </a:p>
           <a:p>
             <a:pPr lvl="2"/>
             <a:r>
-              <a:rPr lang="ko-KR" altLang="en-US" smtClean="0"/>
+              <a:rPr lang="ko-KR" altLang="en-US"/>
               <a:t>셋째 수준</a:t>
             </a:r>
           </a:p>
           <a:p>
             <a:pPr lvl="3"/>
             <a:r>
-              <a:rPr lang="ko-KR" altLang="en-US" smtClean="0"/>
+              <a:rPr lang="ko-KR" altLang="en-US"/>
               <a:t>넷째 수준</a:t>
             </a:r>
           </a:p>
           <a:p>
             <a:pPr lvl="4"/>
             <a:r>
-              <a:rPr lang="ko-KR" altLang="en-US" smtClean="0"/>
+              <a:rPr lang="ko-KR" altLang="en-US"/>
               <a:t>다섯째 수준</a:t>
             </a:r>
-            <a:endParaRPr lang="ko-KR" altLang="en-US"/>
           </a:p>
         </p:txBody>
       </p:sp>
@@ -1530,7 +1520,7 @@
           <a:p>
             <a:pPr lvl="0"/>
             <a:r>
-              <a:rPr lang="ko-KR" altLang="en-US" smtClean="0"/>
+              <a:rPr lang="ko-KR" altLang="en-US"/>
               <a:t>마스터 텍스트 스타일 편집</a:t>
             </a:r>
           </a:p>
@@ -1558,38 +1548,37 @@
           <a:p>
             <a:pPr lvl="0"/>
             <a:r>
-              <a:rPr lang="ko-KR" altLang="en-US" smtClean="0"/>
+              <a:rPr lang="ko-KR" altLang="en-US"/>
               <a:t>마스터 텍스트 스타일 편집</a:t>
             </a:r>
           </a:p>
           <a:p>
             <a:pPr lvl="1"/>
             <a:r>
-              <a:rPr lang="ko-KR" altLang="en-US" smtClean="0"/>
+              <a:rPr lang="ko-KR" altLang="en-US"/>
               <a:t>둘째 수준</a:t>
             </a:r>
           </a:p>
           <a:p>
             <a:pPr lvl="2"/>
             <a:r>
-              <a:rPr lang="ko-KR" altLang="en-US" smtClean="0"/>
+              <a:rPr lang="ko-KR" altLang="en-US"/>
               <a:t>셋째 수준</a:t>
             </a:r>
           </a:p>
           <a:p>
             <a:pPr lvl="3"/>
             <a:r>
-              <a:rPr lang="ko-KR" altLang="en-US" smtClean="0"/>
+              <a:rPr lang="ko-KR" altLang="en-US"/>
               <a:t>넷째 수준</a:t>
             </a:r>
           </a:p>
           <a:p>
             <a:pPr lvl="4"/>
             <a:r>
-              <a:rPr lang="ko-KR" altLang="en-US" smtClean="0"/>
+              <a:rPr lang="ko-KR" altLang="en-US"/>
               <a:t>다섯째 수준</a:t>
             </a:r>
-            <a:endParaRPr lang="ko-KR" altLang="en-US"/>
           </a:p>
         </p:txBody>
       </p:sp>
@@ -1704,10 +1693,9 @@
           <a:lstStyle/>
           <a:p>
             <a:r>
-              <a:rPr lang="ko-KR" altLang="en-US" smtClean="0"/>
+              <a:rPr lang="ko-KR" altLang="en-US"/>
               <a:t>마스터 제목 스타일 편집</a:t>
             </a:r>
-            <a:endParaRPr lang="ko-KR" altLang="en-US"/>
           </a:p>
         </p:txBody>
       </p:sp>
@@ -1926,10 +1914,9 @@
           </a:lstStyle>
           <a:p>
             <a:r>
-              <a:rPr lang="ko-KR" altLang="en-US" smtClean="0"/>
+              <a:rPr lang="ko-KR" altLang="en-US"/>
               <a:t>마스터 제목 스타일 편집</a:t>
             </a:r>
-            <a:endParaRPr lang="ko-KR" altLang="en-US"/>
           </a:p>
         </p:txBody>
       </p:sp>
@@ -1983,38 +1970,37 @@
           <a:p>
             <a:pPr lvl="0"/>
             <a:r>
-              <a:rPr lang="ko-KR" altLang="en-US" smtClean="0"/>
+              <a:rPr lang="ko-KR" altLang="en-US"/>
               <a:t>마스터 텍스트 스타일 편집</a:t>
             </a:r>
           </a:p>
           <a:p>
             <a:pPr lvl="1"/>
             <a:r>
-              <a:rPr lang="ko-KR" altLang="en-US" smtClean="0"/>
+              <a:rPr lang="ko-KR" altLang="en-US"/>
               <a:t>둘째 수준</a:t>
             </a:r>
           </a:p>
           <a:p>
             <a:pPr lvl="2"/>
             <a:r>
-              <a:rPr lang="ko-KR" altLang="en-US" smtClean="0"/>
+              <a:rPr lang="ko-KR" altLang="en-US"/>
               <a:t>셋째 수준</a:t>
             </a:r>
           </a:p>
           <a:p>
             <a:pPr lvl="3"/>
             <a:r>
-              <a:rPr lang="ko-KR" altLang="en-US" smtClean="0"/>
+              <a:rPr lang="ko-KR" altLang="en-US"/>
               <a:t>넷째 수준</a:t>
             </a:r>
           </a:p>
           <a:p>
             <a:pPr lvl="4"/>
             <a:r>
-              <a:rPr lang="ko-KR" altLang="en-US" smtClean="0"/>
+              <a:rPr lang="ko-KR" altLang="en-US"/>
               <a:t>다섯째 수준</a:t>
             </a:r>
-            <a:endParaRPr lang="ko-KR" altLang="en-US"/>
           </a:p>
         </p:txBody>
       </p:sp>
@@ -2077,7 +2063,7 @@
           <a:p>
             <a:pPr lvl="0"/>
             <a:r>
-              <a:rPr lang="ko-KR" altLang="en-US" smtClean="0"/>
+              <a:rPr lang="ko-KR" altLang="en-US"/>
               <a:t>마스터 텍스트 스타일 편집</a:t>
             </a:r>
           </a:p>
@@ -2203,10 +2189,9 @@
           </a:lstStyle>
           <a:p>
             <a:r>
-              <a:rPr lang="ko-KR" altLang="en-US" smtClean="0"/>
+              <a:rPr lang="ko-KR" altLang="en-US"/>
               <a:t>마스터 제목 스타일 편집</a:t>
             </a:r>
-            <a:endParaRPr lang="ko-KR" altLang="en-US"/>
           </a:p>
         </p:txBody>
       </p:sp>
@@ -2330,7 +2315,7 @@
           <a:p>
             <a:pPr lvl="0"/>
             <a:r>
-              <a:rPr lang="ko-KR" altLang="en-US" smtClean="0"/>
+              <a:rPr lang="ko-KR" altLang="en-US"/>
               <a:t>마스터 텍스트 스타일 편집</a:t>
             </a:r>
           </a:p>
@@ -2462,10 +2447,9 @@
           <a:lstStyle/>
           <a:p>
             <a:r>
-              <a:rPr lang="ko-KR" altLang="en-US" smtClean="0"/>
+              <a:rPr lang="ko-KR" altLang="en-US"/>
               <a:t>마스터 제목 스타일 편집</a:t>
             </a:r>
-            <a:endParaRPr lang="ko-KR" altLang="en-US"/>
           </a:p>
         </p:txBody>
       </p:sp>
@@ -2496,38 +2480,37 @@
           <a:p>
             <a:pPr lvl="0"/>
             <a:r>
-              <a:rPr lang="ko-KR" altLang="en-US" smtClean="0"/>
+              <a:rPr lang="ko-KR" altLang="en-US"/>
               <a:t>마스터 텍스트 스타일 편집</a:t>
             </a:r>
           </a:p>
           <a:p>
             <a:pPr lvl="1"/>
             <a:r>
-              <a:rPr lang="ko-KR" altLang="en-US" smtClean="0"/>
+              <a:rPr lang="ko-KR" altLang="en-US"/>
               <a:t>둘째 수준</a:t>
             </a:r>
           </a:p>
           <a:p>
             <a:pPr lvl="2"/>
             <a:r>
-              <a:rPr lang="ko-KR" altLang="en-US" smtClean="0"/>
+              <a:rPr lang="ko-KR" altLang="en-US"/>
               <a:t>셋째 수준</a:t>
             </a:r>
           </a:p>
           <a:p>
             <a:pPr lvl="3"/>
             <a:r>
-              <a:rPr lang="ko-KR" altLang="en-US" smtClean="0"/>
+              <a:rPr lang="ko-KR" altLang="en-US"/>
               <a:t>넷째 수준</a:t>
             </a:r>
           </a:p>
           <a:p>
             <a:pPr lvl="4"/>
             <a:r>
-              <a:rPr lang="ko-KR" altLang="en-US" smtClean="0"/>
+              <a:rPr lang="ko-KR" altLang="en-US"/>
               <a:t>다섯째 수준</a:t>
             </a:r>
-            <a:endParaRPr lang="ko-KR" altLang="en-US"/>
           </a:p>
         </p:txBody>
       </p:sp>
@@ -3063,7 +3046,7 @@
           <a:lstStyle/>
           <a:p>
             <a:r>
-              <a:rPr lang="ko-KR" altLang="en-US" sz="8800" dirty="0" smtClean="0">
+              <a:rPr lang="ko-KR" altLang="en-US" sz="8800" dirty="0">
                 <a:gradFill flip="none" rotWithShape="1">
                   <a:gsLst>
                     <a:gs pos="0">
@@ -3096,141 +3079,6 @@
               </a:rPr>
               <a:t>백준 </a:t>
             </a:r>
-            <a:r>
-              <a:rPr lang="en-US" altLang="ko-KR" sz="8800" dirty="0" smtClean="0">
-                <a:gradFill flip="none" rotWithShape="1">
-                  <a:gsLst>
-                    <a:gs pos="0">
-                      <a:srgbClr val="FF0000"/>
-                    </a:gs>
-                    <a:gs pos="18000">
-                      <a:srgbClr val="FFC000"/>
-                    </a:gs>
-                    <a:gs pos="78895">
-                      <a:srgbClr val="0070C0"/>
-                    </a:gs>
-                    <a:gs pos="65000">
-                      <a:srgbClr val="92D050"/>
-                    </a:gs>
-                    <a:gs pos="39000">
-                      <a:srgbClr val="FFFF00"/>
-                    </a:gs>
-                    <a:gs pos="100000">
-                      <a:srgbClr val="7030A0"/>
-                    </a:gs>
-                  </a:gsLst>
-                  <a:path path="circle">
-                    <a:fillToRect l="50000" t="50000" r="50000" b="50000"/>
-                  </a:path>
-                  <a:tileRect/>
-                </a:gradFill>
-                <a:effectLst>
-                  <a:reflection blurRad="6350" stA="60000" endA="900" endPos="60000" dist="60007" dir="5400000" sy="-100000" algn="bl" rotWithShape="0"/>
-                </a:effectLst>
-              </a:rPr>
-              <a:t>2667 </a:t>
-            </a:r>
-            <a:r>
-              <a:rPr lang="ko-KR" altLang="en-US" sz="8800" dirty="0" smtClean="0">
-                <a:gradFill flip="none" rotWithShape="1">
-                  <a:gsLst>
-                    <a:gs pos="0">
-                      <a:srgbClr val="FF0000"/>
-                    </a:gs>
-                    <a:gs pos="18000">
-                      <a:srgbClr val="FFC000"/>
-                    </a:gs>
-                    <a:gs pos="78895">
-                      <a:srgbClr val="0070C0"/>
-                    </a:gs>
-                    <a:gs pos="65000">
-                      <a:srgbClr val="92D050"/>
-                    </a:gs>
-                    <a:gs pos="39000">
-                      <a:srgbClr val="FFFF00"/>
-                    </a:gs>
-                    <a:gs pos="100000">
-                      <a:srgbClr val="7030A0"/>
-                    </a:gs>
-                  </a:gsLst>
-                  <a:path path="circle">
-                    <a:fillToRect l="50000" t="50000" r="50000" b="50000"/>
-                  </a:path>
-                  <a:tileRect/>
-                </a:gradFill>
-                <a:effectLst>
-                  <a:reflection blurRad="6350" stA="60000" endA="900" endPos="60000" dist="60007" dir="5400000" sy="-100000" algn="bl" rotWithShape="0"/>
-                </a:effectLst>
-              </a:rPr>
-              <a:t>문제 풀</a:t>
-            </a:r>
-            <a:r>
-              <a:rPr lang="en-US" altLang="ko-KR" sz="8800" dirty="0" smtClean="0">
-                <a:gradFill flip="none" rotWithShape="1">
-                  <a:gsLst>
-                    <a:gs pos="0">
-                      <a:srgbClr val="FF0000"/>
-                    </a:gs>
-                    <a:gs pos="18000">
-                      <a:srgbClr val="FFC000"/>
-                    </a:gs>
-                    <a:gs pos="78895">
-                      <a:srgbClr val="0070C0"/>
-                    </a:gs>
-                    <a:gs pos="65000">
-                      <a:srgbClr val="92D050"/>
-                    </a:gs>
-                    <a:gs pos="39000">
-                      <a:srgbClr val="FFFF00"/>
-                    </a:gs>
-                    <a:gs pos="100000">
-                      <a:srgbClr val="7030A0"/>
-                    </a:gs>
-                  </a:gsLst>
-                  <a:path path="circle">
-                    <a:fillToRect l="50000" t="50000" r="50000" b="50000"/>
-                  </a:path>
-                  <a:tileRect/>
-                </a:gradFill>
-                <a:effectLst>
-                  <a:reflection blurRad="6350" stA="60000" endA="900" endPos="60000" dist="60007" dir="5400000" sy="-100000" algn="bl" rotWithShape="0"/>
-                </a:effectLst>
-              </a:rPr>
-              <a:t/>
-            </a:r>
-            <a:br>
-              <a:rPr lang="en-US" altLang="ko-KR" sz="8800" dirty="0" smtClean="0">
-                <a:gradFill flip="none" rotWithShape="1">
-                  <a:gsLst>
-                    <a:gs pos="0">
-                      <a:srgbClr val="FF0000"/>
-                    </a:gs>
-                    <a:gs pos="18000">
-                      <a:srgbClr val="FFC000"/>
-                    </a:gs>
-                    <a:gs pos="78895">
-                      <a:srgbClr val="0070C0"/>
-                    </a:gs>
-                    <a:gs pos="65000">
-                      <a:srgbClr val="92D050"/>
-                    </a:gs>
-                    <a:gs pos="39000">
-                      <a:srgbClr val="FFFF00"/>
-                    </a:gs>
-                    <a:gs pos="100000">
-                      <a:srgbClr val="7030A0"/>
-                    </a:gs>
-                  </a:gsLst>
-                  <a:path path="circle">
-                    <a:fillToRect l="50000" t="50000" r="50000" b="50000"/>
-                  </a:path>
-                  <a:tileRect/>
-                </a:gradFill>
-                <a:effectLst>
-                  <a:reflection blurRad="6350" stA="60000" endA="900" endPos="60000" dist="60007" dir="5400000" sy="-100000" algn="bl" rotWithShape="0"/>
-                </a:effectLst>
-              </a:rPr>
-            </a:br>
             <a:r>
               <a:rPr lang="en-US" altLang="ko-KR" sz="8800" dirty="0">
                 <a:gradFill flip="none" rotWithShape="1">
@@ -3263,10 +3111,10 @@
                   <a:reflection blurRad="6350" stA="60000" endA="900" endPos="60000" dist="60007" dir="5400000" sy="-100000" algn="bl" rotWithShape="0"/>
                 </a:effectLst>
               </a:rPr>
-              <a:t> </a:t>
-            </a:r>
-            <a:r>
-              <a:rPr lang="en-US" altLang="ko-KR" sz="8800" dirty="0" smtClean="0">
+              <a:t>2667 </a:t>
+            </a:r>
+            <a:r>
+              <a:rPr lang="ko-KR" altLang="en-US" sz="8800" dirty="0">
                 <a:gradFill flip="none" rotWithShape="1">
                   <a:gsLst>
                     <a:gs pos="0">
@@ -3297,10 +3145,10 @@
                   <a:reflection blurRad="6350" stA="60000" endA="900" endPos="60000" dist="60007" dir="5400000" sy="-100000" algn="bl" rotWithShape="0"/>
                 </a:effectLst>
               </a:rPr>
-              <a:t>                    </a:t>
-            </a:r>
-            <a:r>
-              <a:rPr lang="ko-KR" altLang="en-US" sz="8800" dirty="0" smtClean="0">
+              <a:t>문제 풀</a:t>
+            </a:r>
+            <a:br>
+              <a:rPr lang="en-US" altLang="ko-KR" sz="8800" dirty="0">
                 <a:gradFill flip="none" rotWithShape="1">
                   <a:gsLst>
                     <a:gs pos="0">
@@ -3331,39 +3179,75 @@
                   <a:reflection blurRad="6350" stA="60000" endA="900" endPos="60000" dist="60007" dir="5400000" sy="-100000" algn="bl" rotWithShape="0"/>
                 </a:effectLst>
               </a:rPr>
+            </a:br>
+            <a:r>
+              <a:rPr lang="en-US" altLang="ko-KR" sz="8800" dirty="0">
+                <a:gradFill flip="none" rotWithShape="1">
+                  <a:gsLst>
+                    <a:gs pos="0">
+                      <a:srgbClr val="FF0000"/>
+                    </a:gs>
+                    <a:gs pos="18000">
+                      <a:srgbClr val="FFC000"/>
+                    </a:gs>
+                    <a:gs pos="78895">
+                      <a:srgbClr val="0070C0"/>
+                    </a:gs>
+                    <a:gs pos="65000">
+                      <a:srgbClr val="92D050"/>
+                    </a:gs>
+                    <a:gs pos="39000">
+                      <a:srgbClr val="FFFF00"/>
+                    </a:gs>
+                    <a:gs pos="100000">
+                      <a:srgbClr val="7030A0"/>
+                    </a:gs>
+                  </a:gsLst>
+                  <a:path path="circle">
+                    <a:fillToRect l="50000" t="50000" r="50000" b="50000"/>
+                  </a:path>
+                  <a:tileRect/>
+                </a:gradFill>
+                <a:effectLst>
+                  <a:reflection blurRad="6350" stA="60000" endA="900" endPos="60000" dist="60007" dir="5400000" sy="-100000" algn="bl" rotWithShape="0"/>
+                </a:effectLst>
+              </a:rPr>
+              <a:t>                     </a:t>
+            </a:r>
+            <a:r>
+              <a:rPr lang="ko-KR" altLang="en-US" sz="8800" dirty="0">
+                <a:gradFill flip="none" rotWithShape="1">
+                  <a:gsLst>
+                    <a:gs pos="0">
+                      <a:srgbClr val="FF0000"/>
+                    </a:gs>
+                    <a:gs pos="18000">
+                      <a:srgbClr val="FFC000"/>
+                    </a:gs>
+                    <a:gs pos="78895">
+                      <a:srgbClr val="0070C0"/>
+                    </a:gs>
+                    <a:gs pos="65000">
+                      <a:srgbClr val="92D050"/>
+                    </a:gs>
+                    <a:gs pos="39000">
+                      <a:srgbClr val="FFFF00"/>
+                    </a:gs>
+                    <a:gs pos="100000">
+                      <a:srgbClr val="7030A0"/>
+                    </a:gs>
+                  </a:gsLst>
+                  <a:path path="circle">
+                    <a:fillToRect l="50000" t="50000" r="50000" b="50000"/>
+                  </a:path>
+                  <a:tileRect/>
+                </a:gradFill>
+                <a:effectLst>
+                  <a:reflection blurRad="6350" stA="60000" endA="900" endPos="60000" dist="60007" dir="5400000" sy="-100000" algn="bl" rotWithShape="0"/>
+                </a:effectLst>
+              </a:rPr>
               <a:t>이</a:t>
             </a:r>
-            <a:endParaRPr lang="ko-KR" altLang="en-US" sz="8800" dirty="0">
-              <a:gradFill flip="none" rotWithShape="1">
-                <a:gsLst>
-                  <a:gs pos="0">
-                    <a:srgbClr val="FF0000"/>
-                  </a:gs>
-                  <a:gs pos="18000">
-                    <a:srgbClr val="FFC000"/>
-                  </a:gs>
-                  <a:gs pos="78895">
-                    <a:srgbClr val="0070C0"/>
-                  </a:gs>
-                  <a:gs pos="65000">
-                    <a:srgbClr val="92D050"/>
-                  </a:gs>
-                  <a:gs pos="39000">
-                    <a:srgbClr val="FFFF00"/>
-                  </a:gs>
-                  <a:gs pos="100000">
-                    <a:srgbClr val="7030A0"/>
-                  </a:gs>
-                </a:gsLst>
-                <a:path path="circle">
-                  <a:fillToRect l="50000" t="50000" r="50000" b="50000"/>
-                </a:path>
-                <a:tileRect/>
-              </a:gradFill>
-              <a:effectLst>
-                <a:reflection blurRad="6350" stA="60000" endA="900" endPos="60000" dist="60007" dir="5400000" sy="-100000" algn="bl" rotWithShape="0"/>
-              </a:effectLst>
-            </a:endParaRPr>
           </a:p>
         </p:txBody>
       </p:sp>
@@ -3397,6 +3281,148 @@
           <a:chExt cx="0" cy="0"/>
         </a:xfrm>
       </p:grpSpPr>
+      <p:pic>
+        <p:nvPicPr>
+          <p:cNvPr id="1026" name="Picture 2">
+            <a:extLst>
+              <a:ext uri="{FF2B5EF4-FFF2-40B4-BE49-F238E27FC236}">
+                <a16:creationId xmlns:a16="http://schemas.microsoft.com/office/drawing/2014/main" id="{68B64394-2E0A-DBCD-889F-9F8A8407E3B8}"/>
+              </a:ext>
+            </a:extLst>
+          </p:cNvPr>
+          <p:cNvPicPr>
+            <a:picLocks noChangeAspect="1" noChangeArrowheads="1"/>
+          </p:cNvPicPr>
+          <p:nvPr/>
+        </p:nvPicPr>
+        <p:blipFill>
+          <a:blip r:embed="rId2">
+            <a:extLst>
+              <a:ext uri="{28A0092B-C50C-407E-A947-70E740481C1C}">
+                <a14:useLocalDpi xmlns:a14="http://schemas.microsoft.com/office/drawing/2010/main" val="0"/>
+              </a:ext>
+            </a:extLst>
+          </a:blip>
+          <a:srcRect/>
+          <a:stretch>
+            <a:fillRect/>
+          </a:stretch>
+        </p:blipFill>
+        <p:spPr bwMode="auto">
+          <a:xfrm>
+            <a:off x="3589338" y="4311133"/>
+            <a:ext cx="3895725" cy="1828800"/>
+          </a:xfrm>
+          <a:prstGeom prst="rect">
+            <a:avLst/>
+          </a:prstGeom>
+          <a:noFill/>
+          <a:extLst>
+            <a:ext uri="{909E8E84-426E-40DD-AFC4-6F175D3DCCD1}">
+              <a14:hiddenFill xmlns:a14="http://schemas.microsoft.com/office/drawing/2010/main">
+                <a:solidFill>
+                  <a:srgbClr val="FFFFFF"/>
+                </a:solidFill>
+              </a14:hiddenFill>
+            </a:ext>
+          </a:extLst>
+        </p:spPr>
+      </p:pic>
+      <p:sp>
+        <p:nvSpPr>
+          <p:cNvPr id="3" name="TextBox 2">
+            <a:extLst>
+              <a:ext uri="{FF2B5EF4-FFF2-40B4-BE49-F238E27FC236}">
+                <a16:creationId xmlns:a16="http://schemas.microsoft.com/office/drawing/2014/main" id="{1DDBCB57-8723-5103-D48D-487368BB049F}"/>
+              </a:ext>
+            </a:extLst>
+          </p:cNvPr>
+          <p:cNvSpPr txBox="1"/>
+          <p:nvPr/>
+        </p:nvSpPr>
+        <p:spPr>
+          <a:xfrm>
+            <a:off x="190500" y="145534"/>
+            <a:ext cx="6096000" cy="369332"/>
+          </a:xfrm>
+          <a:prstGeom prst="rect">
+            <a:avLst/>
+          </a:prstGeom>
+          <a:noFill/>
+        </p:spPr>
+        <p:txBody>
+          <a:bodyPr wrap="square">
+            <a:spAutoFit/>
+          </a:bodyPr>
+          <a:lstStyle/>
+          <a:p>
+            <a:r>
+              <a:rPr lang="ko-KR" altLang="en-US" dirty="0"/>
+              <a:t>https://www.acmicpc.net/problem/2667</a:t>
+            </a:r>
+          </a:p>
+        </p:txBody>
+      </p:sp>
+      <p:pic>
+        <p:nvPicPr>
+          <p:cNvPr id="5" name="그림 4">
+            <a:extLst>
+              <a:ext uri="{FF2B5EF4-FFF2-40B4-BE49-F238E27FC236}">
+                <a16:creationId xmlns:a16="http://schemas.microsoft.com/office/drawing/2014/main" id="{A50EE8CA-2BA4-0000-6606-71781D5E3D5F}"/>
+              </a:ext>
+            </a:extLst>
+          </p:cNvPr>
+          <p:cNvPicPr>
+            <a:picLocks noChangeAspect="1"/>
+          </p:cNvPicPr>
+          <p:nvPr/>
+        </p:nvPicPr>
+        <p:blipFill>
+          <a:blip r:embed="rId3"/>
+          <a:stretch>
+            <a:fillRect/>
+          </a:stretch>
+        </p:blipFill>
+        <p:spPr>
+          <a:xfrm>
+            <a:off x="475465" y="945945"/>
+            <a:ext cx="11241069" cy="2934109"/>
+          </a:xfrm>
+          <a:prstGeom prst="rect">
+            <a:avLst/>
+          </a:prstGeom>
+        </p:spPr>
+      </p:pic>
+    </p:spTree>
+    <p:extLst>
+      <p:ext uri="{BB962C8B-B14F-4D97-AF65-F5344CB8AC3E}">
+        <p14:creationId xmlns:p14="http://schemas.microsoft.com/office/powerpoint/2010/main" val="4206884293"/>
+      </p:ext>
+    </p:extLst>
+  </p:cSld>
+  <p:clrMapOvr>
+    <a:masterClrMapping/>
+  </p:clrMapOvr>
+</p:sld>
+</file>
+
+<file path=ppt/slides/slide3.xml><?xml version="1.0" encoding="utf-8"?>
+<p:sld xmlns:a="http://schemas.openxmlformats.org/drawingml/2006/main" xmlns:r="http://schemas.openxmlformats.org/officeDocument/2006/relationships" xmlns:p="http://schemas.openxmlformats.org/presentationml/2006/main">
+  <p:cSld>
+    <p:spTree>
+      <p:nvGrpSpPr>
+        <p:cNvPr id="1" name=""/>
+        <p:cNvGrpSpPr/>
+        <p:nvPr/>
+      </p:nvGrpSpPr>
+      <p:grpSpPr>
+        <a:xfrm>
+          <a:off x="0" y="0"/>
+          <a:ext cx="0" cy="0"/>
+          <a:chOff x="0" y="0"/>
+          <a:chExt cx="0" cy="0"/>
+        </a:xfrm>
+      </p:grpSpPr>
       <p:sp>
         <p:nvSpPr>
           <p:cNvPr id="2" name="제목 1"/>
@@ -3413,10 +3439,9 @@
           <a:lstStyle/>
           <a:p>
             <a:r>
-              <a:rPr lang="ko-KR" altLang="en-US" dirty="0" smtClean="0"/>
+              <a:rPr lang="ko-KR" altLang="en-US" dirty="0"/>
               <a:t>시행착오</a:t>
             </a:r>
-            <a:endParaRPr lang="ko-KR" altLang="en-US" dirty="0"/>
           </a:p>
         </p:txBody>
       </p:sp>
@@ -3436,56 +3461,52 @@
           <a:lstStyle/>
           <a:p>
             <a:r>
-              <a:rPr lang="en-US" altLang="ko-KR" dirty="0" smtClean="0"/>
+              <a:rPr lang="en-US" altLang="ko-KR" dirty="0"/>
               <a:t>21</a:t>
             </a:r>
             <a:r>
-              <a:rPr lang="ko-KR" altLang="en-US" dirty="0" smtClean="0"/>
+              <a:rPr lang="ko-KR" altLang="en-US" dirty="0"/>
               <a:t>일 월요일에 했던 </a:t>
             </a:r>
             <a:r>
-              <a:rPr lang="en-US" altLang="ko-KR" dirty="0" smtClean="0"/>
+              <a:rPr lang="en-US" altLang="ko-KR" dirty="0"/>
               <a:t>Flood Fill </a:t>
             </a:r>
             <a:r>
-              <a:rPr lang="ko-KR" altLang="en-US" dirty="0" smtClean="0"/>
+              <a:rPr lang="ko-KR" altLang="en-US" dirty="0"/>
               <a:t>알고리즘을 사용해보고 싶었다</a:t>
             </a:r>
-            <a:endParaRPr lang="en-US" altLang="ko-KR" dirty="0" smtClean="0"/>
-          </a:p>
-          <a:p>
-            <a:r>
-              <a:rPr lang="en-US" altLang="ko-KR" dirty="0" err="1" smtClean="0"/>
+            <a:endParaRPr lang="en-US" altLang="ko-KR" dirty="0"/>
+          </a:p>
+          <a:p>
+            <a:r>
+              <a:rPr lang="en-US" altLang="ko-KR" dirty="0" err="1"/>
               <a:t>FloodFill</a:t>
             </a:r>
             <a:r>
-              <a:rPr lang="en-US" altLang="ko-KR" dirty="0" smtClean="0"/>
+              <a:rPr lang="en-US" altLang="ko-KR" dirty="0"/>
               <a:t> </a:t>
             </a:r>
             <a:r>
-              <a:rPr lang="ko-KR" altLang="en-US" dirty="0" err="1" smtClean="0"/>
+              <a:rPr lang="ko-KR" altLang="en-US" dirty="0" err="1"/>
               <a:t>하던중에</a:t>
             </a:r>
-            <a:endParaRPr lang="en-US" altLang="ko-KR" dirty="0" smtClean="0"/>
-          </a:p>
-          <a:p>
-            <a:r>
-              <a:rPr lang="ko-KR" altLang="en-US" dirty="0" smtClean="0"/>
+            <a:endParaRPr lang="en-US" altLang="ko-KR" dirty="0"/>
+          </a:p>
+          <a:p>
+            <a:r>
+              <a:rPr lang="ko-KR" altLang="en-US" dirty="0"/>
               <a:t>도저히 어떻게 짜는지 몰라서 패스</a:t>
             </a:r>
-            <a:endParaRPr lang="en-US" altLang="ko-KR" dirty="0" smtClean="0"/>
-          </a:p>
-          <a:p>
-            <a:r>
-              <a:rPr lang="ko-KR" altLang="en-US" dirty="0" smtClean="0"/>
-              <a:t>그냥 맨날 하는 방식으로 </a:t>
-            </a:r>
-            <a:r>
-              <a:rPr lang="ko-KR" altLang="en-US" dirty="0" smtClean="0"/>
-              <a:t>풀었다</a:t>
-            </a:r>
-            <a:r>
-              <a:rPr lang="en-US" altLang="ko-KR" dirty="0" smtClean="0"/>
+            <a:endParaRPr lang="en-US" altLang="ko-KR" dirty="0"/>
+          </a:p>
+          <a:p>
+            <a:r>
+              <a:rPr lang="ko-KR" altLang="en-US" dirty="0"/>
+              <a:t>그냥 맨날 하는 방식으로 풀었다</a:t>
+            </a:r>
+            <a:r>
+              <a:rPr lang="en-US" altLang="ko-KR" dirty="0"/>
               <a:t>.</a:t>
             </a:r>
             <a:endParaRPr lang="ko-KR" altLang="en-US" dirty="0"/>
@@ -3565,7 +3586,7 @@
 </p:sld>
 </file>
 
-<file path=ppt/slides/slide3.xml><?xml version="1.0" encoding="utf-8"?>
+<file path=ppt/slides/slide4.xml><?xml version="1.0" encoding="utf-8"?>
 <p:sld xmlns:a="http://schemas.openxmlformats.org/drawingml/2006/main" xmlns:r="http://schemas.openxmlformats.org/officeDocument/2006/relationships" xmlns:p="http://schemas.openxmlformats.org/presentationml/2006/main">
   <p:cSld>
     <p:spTree>
@@ -3584,7 +3605,2660 @@
       </p:grpSpPr>
       <p:sp>
         <p:nvSpPr>
-          <p:cNvPr id="2" name="제목 1"/>
+          <p:cNvPr id="7" name="TextBox 6">
+            <a:extLst>
+              <a:ext uri="{FF2B5EF4-FFF2-40B4-BE49-F238E27FC236}">
+                <a16:creationId xmlns:a16="http://schemas.microsoft.com/office/drawing/2014/main" id="{611CB002-04B0-8315-EF60-2DAC38834027}"/>
+              </a:ext>
+            </a:extLst>
+          </p:cNvPr>
+          <p:cNvSpPr txBox="1"/>
+          <p:nvPr/>
+        </p:nvSpPr>
+        <p:spPr>
+          <a:xfrm>
+            <a:off x="3048000" y="199747"/>
+            <a:ext cx="6096000" cy="7017306"/>
+          </a:xfrm>
+          <a:prstGeom prst="rect">
+            <a:avLst/>
+          </a:prstGeom>
+          <a:noFill/>
+        </p:spPr>
+        <p:txBody>
+          <a:bodyPr wrap="square">
+            <a:spAutoFit/>
+          </a:bodyPr>
+          <a:lstStyle/>
+          <a:p>
+            <a:pPr marL="0" marR="0">
+              <a:spcBef>
+                <a:spcPts val="0"/>
+              </a:spcBef>
+              <a:spcAft>
+                <a:spcPts val="0"/>
+              </a:spcAft>
+            </a:pPr>
+            <a:r>
+              <a:rPr lang="en-US" altLang="ko-KR" sz="1800" b="1" dirty="0">
+                <a:solidFill>
+                  <a:srgbClr val="7F0055"/>
+                </a:solidFill>
+                <a:effectLst/>
+                <a:latin typeface="Consolas" panose="020B0609020204030204" pitchFamily="49" charset="0"/>
+              </a:rPr>
+              <a:t>public</a:t>
+            </a:r>
+            <a:r>
+              <a:rPr lang="en-US" altLang="ko-KR" sz="1800" dirty="0">
+                <a:solidFill>
+                  <a:srgbClr val="000000"/>
+                </a:solidFill>
+                <a:effectLst/>
+                <a:latin typeface="Consolas" panose="020B0609020204030204" pitchFamily="49" charset="0"/>
+              </a:rPr>
+              <a:t> </a:t>
+            </a:r>
+            <a:r>
+              <a:rPr lang="en-US" altLang="ko-KR" sz="1800" b="1" dirty="0">
+                <a:solidFill>
+                  <a:srgbClr val="7F0055"/>
+                </a:solidFill>
+                <a:effectLst/>
+                <a:latin typeface="Consolas" panose="020B0609020204030204" pitchFamily="49" charset="0"/>
+              </a:rPr>
+              <a:t>class</a:t>
+            </a:r>
+            <a:r>
+              <a:rPr lang="en-US" altLang="ko-KR" sz="1800" dirty="0">
+                <a:solidFill>
+                  <a:srgbClr val="000000"/>
+                </a:solidFill>
+                <a:effectLst/>
+                <a:latin typeface="Consolas" panose="020B0609020204030204" pitchFamily="49" charset="0"/>
+              </a:rPr>
+              <a:t> BOJ_2667_num {</a:t>
+            </a:r>
+          </a:p>
+          <a:p>
+            <a:pPr marL="0" marR="0">
+              <a:spcBef>
+                <a:spcPts val="0"/>
+              </a:spcBef>
+              <a:spcAft>
+                <a:spcPts val="0"/>
+              </a:spcAft>
+            </a:pPr>
+            <a:r>
+              <a:rPr lang="en-US" altLang="ko-KR" sz="1800" b="1" dirty="0">
+                <a:solidFill>
+                  <a:srgbClr val="7F0055"/>
+                </a:solidFill>
+                <a:effectLst/>
+                <a:latin typeface="Consolas" panose="020B0609020204030204" pitchFamily="49" charset="0"/>
+              </a:rPr>
+              <a:t>static</a:t>
+            </a:r>
+            <a:r>
+              <a:rPr lang="en-US" altLang="ko-KR" sz="1800" dirty="0">
+                <a:solidFill>
+                  <a:srgbClr val="000000"/>
+                </a:solidFill>
+                <a:effectLst/>
+                <a:latin typeface="Consolas" panose="020B0609020204030204" pitchFamily="49" charset="0"/>
+              </a:rPr>
+              <a:t> </a:t>
+            </a:r>
+            <a:r>
+              <a:rPr lang="en-US" altLang="ko-KR" sz="1800" b="1" dirty="0">
+                <a:solidFill>
+                  <a:srgbClr val="7F0055"/>
+                </a:solidFill>
+                <a:effectLst/>
+                <a:latin typeface="Consolas" panose="020B0609020204030204" pitchFamily="49" charset="0"/>
+              </a:rPr>
+              <a:t>int</a:t>
+            </a:r>
+            <a:r>
+              <a:rPr lang="en-US" altLang="ko-KR" sz="1800" dirty="0">
+                <a:solidFill>
+                  <a:srgbClr val="000000"/>
+                </a:solidFill>
+                <a:effectLst/>
+                <a:latin typeface="Consolas" panose="020B0609020204030204" pitchFamily="49" charset="0"/>
+              </a:rPr>
+              <a:t> </a:t>
+            </a:r>
+            <a:r>
+              <a:rPr lang="en-US" altLang="ko-KR" sz="1800" i="1" dirty="0">
+                <a:solidFill>
+                  <a:srgbClr val="0000C0"/>
+                </a:solidFill>
+                <a:effectLst/>
+                <a:latin typeface="Consolas" panose="020B0609020204030204" pitchFamily="49" charset="0"/>
+              </a:rPr>
+              <a:t>N</a:t>
+            </a:r>
+            <a:r>
+              <a:rPr lang="en-US" altLang="ko-KR" sz="1800" dirty="0">
+                <a:solidFill>
+                  <a:srgbClr val="000000"/>
+                </a:solidFill>
+                <a:effectLst/>
+                <a:latin typeface="Consolas" panose="020B0609020204030204" pitchFamily="49" charset="0"/>
+              </a:rPr>
+              <a:t>, </a:t>
+            </a:r>
+            <a:r>
+              <a:rPr lang="en-US" altLang="ko-KR" sz="1800" i="1" dirty="0" err="1">
+                <a:solidFill>
+                  <a:srgbClr val="0000C0"/>
+                </a:solidFill>
+                <a:effectLst/>
+                <a:latin typeface="Consolas" panose="020B0609020204030204" pitchFamily="49" charset="0"/>
+              </a:rPr>
+              <a:t>cnt</a:t>
+            </a:r>
+            <a:r>
+              <a:rPr lang="en-US" altLang="ko-KR" sz="1800" dirty="0">
+                <a:solidFill>
+                  <a:srgbClr val="000000"/>
+                </a:solidFill>
+                <a:effectLst/>
+                <a:latin typeface="Consolas" panose="020B0609020204030204" pitchFamily="49" charset="0"/>
+              </a:rPr>
+              <a:t>, </a:t>
+            </a:r>
+            <a:r>
+              <a:rPr lang="en-US" altLang="ko-KR" sz="1800" i="1" dirty="0" err="1">
+                <a:solidFill>
+                  <a:srgbClr val="0000C0"/>
+                </a:solidFill>
+                <a:effectLst/>
+                <a:latin typeface="Consolas" panose="020B0609020204030204" pitchFamily="49" charset="0"/>
+              </a:rPr>
+              <a:t>idx</a:t>
+            </a:r>
+            <a:r>
+              <a:rPr lang="en-US" altLang="ko-KR" sz="1800" dirty="0">
+                <a:solidFill>
+                  <a:srgbClr val="000000"/>
+                </a:solidFill>
+                <a:effectLst/>
+                <a:latin typeface="Consolas" panose="020B0609020204030204" pitchFamily="49" charset="0"/>
+              </a:rPr>
+              <a:t>;</a:t>
+            </a:r>
+          </a:p>
+          <a:p>
+            <a:pPr marL="0" marR="0">
+              <a:spcBef>
+                <a:spcPts val="0"/>
+              </a:spcBef>
+              <a:spcAft>
+                <a:spcPts val="0"/>
+              </a:spcAft>
+            </a:pPr>
+            <a:r>
+              <a:rPr lang="en-US" altLang="ko-KR" sz="1800" b="1" dirty="0">
+                <a:solidFill>
+                  <a:srgbClr val="7F0055"/>
+                </a:solidFill>
+                <a:effectLst/>
+                <a:latin typeface="Consolas" panose="020B0609020204030204" pitchFamily="49" charset="0"/>
+              </a:rPr>
+              <a:t>static</a:t>
+            </a:r>
+            <a:r>
+              <a:rPr lang="en-US" altLang="ko-KR" sz="1800" dirty="0">
+                <a:solidFill>
+                  <a:srgbClr val="000000"/>
+                </a:solidFill>
+                <a:effectLst/>
+                <a:latin typeface="Consolas" panose="020B0609020204030204" pitchFamily="49" charset="0"/>
+              </a:rPr>
+              <a:t> </a:t>
+            </a:r>
+            <a:r>
+              <a:rPr lang="en-US" altLang="ko-KR" sz="1800" b="1" dirty="0">
+                <a:solidFill>
+                  <a:srgbClr val="7F0055"/>
+                </a:solidFill>
+                <a:effectLst/>
+                <a:latin typeface="Consolas" panose="020B0609020204030204" pitchFamily="49" charset="0"/>
+              </a:rPr>
+              <a:t>int</a:t>
+            </a:r>
+            <a:r>
+              <a:rPr lang="en-US" altLang="ko-KR" sz="1800" dirty="0">
+                <a:solidFill>
+                  <a:srgbClr val="000000"/>
+                </a:solidFill>
+                <a:effectLst/>
+                <a:latin typeface="Consolas" panose="020B0609020204030204" pitchFamily="49" charset="0"/>
+              </a:rPr>
+              <a:t>[][] </a:t>
+            </a:r>
+            <a:r>
+              <a:rPr lang="en-US" altLang="ko-KR" sz="1800" i="1" dirty="0">
+                <a:solidFill>
+                  <a:srgbClr val="0000C0"/>
+                </a:solidFill>
+                <a:effectLst/>
+                <a:latin typeface="Consolas" panose="020B0609020204030204" pitchFamily="49" charset="0"/>
+              </a:rPr>
+              <a:t>map</a:t>
+            </a:r>
+            <a:r>
+              <a:rPr lang="en-US" altLang="ko-KR" sz="1800" dirty="0">
+                <a:solidFill>
+                  <a:srgbClr val="000000"/>
+                </a:solidFill>
+                <a:effectLst/>
+                <a:latin typeface="Consolas" panose="020B0609020204030204" pitchFamily="49" charset="0"/>
+              </a:rPr>
+              <a:t>;</a:t>
+            </a:r>
+          </a:p>
+          <a:p>
+            <a:pPr marL="0" marR="0">
+              <a:spcBef>
+                <a:spcPts val="0"/>
+              </a:spcBef>
+              <a:spcAft>
+                <a:spcPts val="0"/>
+              </a:spcAft>
+            </a:pPr>
+            <a:r>
+              <a:rPr lang="en-US" altLang="ko-KR" sz="1800" b="1" dirty="0">
+                <a:solidFill>
+                  <a:srgbClr val="7F0055"/>
+                </a:solidFill>
+                <a:effectLst/>
+                <a:latin typeface="Consolas" panose="020B0609020204030204" pitchFamily="49" charset="0"/>
+              </a:rPr>
+              <a:t>static</a:t>
+            </a:r>
+            <a:r>
+              <a:rPr lang="en-US" altLang="ko-KR" sz="1800" dirty="0">
+                <a:solidFill>
+                  <a:srgbClr val="000000"/>
+                </a:solidFill>
+                <a:effectLst/>
+                <a:latin typeface="Consolas" panose="020B0609020204030204" pitchFamily="49" charset="0"/>
+              </a:rPr>
+              <a:t> </a:t>
+            </a:r>
+            <a:r>
+              <a:rPr lang="en-US" altLang="ko-KR" sz="1800" b="1" dirty="0" err="1">
+                <a:solidFill>
+                  <a:srgbClr val="7F0055"/>
+                </a:solidFill>
+                <a:effectLst/>
+                <a:latin typeface="Consolas" panose="020B0609020204030204" pitchFamily="49" charset="0"/>
+              </a:rPr>
+              <a:t>boolean</a:t>
+            </a:r>
+            <a:r>
+              <a:rPr lang="en-US" altLang="ko-KR" sz="1800" dirty="0">
+                <a:solidFill>
+                  <a:srgbClr val="000000"/>
+                </a:solidFill>
+                <a:effectLst/>
+                <a:latin typeface="Consolas" panose="020B0609020204030204" pitchFamily="49" charset="0"/>
+              </a:rPr>
+              <a:t>[][] </a:t>
+            </a:r>
+            <a:r>
+              <a:rPr lang="en-US" altLang="ko-KR" sz="1800" i="1" dirty="0">
+                <a:solidFill>
+                  <a:srgbClr val="0000C0"/>
+                </a:solidFill>
+                <a:effectLst/>
+                <a:latin typeface="Consolas" panose="020B0609020204030204" pitchFamily="49" charset="0"/>
+              </a:rPr>
+              <a:t>visit</a:t>
+            </a:r>
+            <a:r>
+              <a:rPr lang="en-US" altLang="ko-KR" sz="1800" dirty="0">
+                <a:solidFill>
+                  <a:srgbClr val="000000"/>
+                </a:solidFill>
+                <a:effectLst/>
+                <a:latin typeface="Consolas" panose="020B0609020204030204" pitchFamily="49" charset="0"/>
+              </a:rPr>
+              <a:t>;</a:t>
+            </a:r>
+          </a:p>
+          <a:p>
+            <a:pPr marL="0" marR="0">
+              <a:spcBef>
+                <a:spcPts val="0"/>
+              </a:spcBef>
+              <a:spcAft>
+                <a:spcPts val="0"/>
+              </a:spcAft>
+            </a:pPr>
+            <a:r>
+              <a:rPr lang="en-US" altLang="ko-KR" sz="1800" b="1" dirty="0">
+                <a:solidFill>
+                  <a:srgbClr val="7F0055"/>
+                </a:solidFill>
+                <a:effectLst/>
+                <a:latin typeface="Consolas" panose="020B0609020204030204" pitchFamily="49" charset="0"/>
+              </a:rPr>
+              <a:t>static</a:t>
+            </a:r>
+            <a:r>
+              <a:rPr lang="en-US" altLang="ko-KR" sz="1800" dirty="0">
+                <a:solidFill>
+                  <a:srgbClr val="000000"/>
+                </a:solidFill>
+                <a:effectLst/>
+                <a:latin typeface="Consolas" panose="020B0609020204030204" pitchFamily="49" charset="0"/>
+              </a:rPr>
+              <a:t> </a:t>
+            </a:r>
+            <a:r>
+              <a:rPr lang="en-US" altLang="ko-KR" sz="1800" b="1" dirty="0">
+                <a:solidFill>
+                  <a:srgbClr val="7F0055"/>
+                </a:solidFill>
+                <a:effectLst/>
+                <a:latin typeface="Consolas" panose="020B0609020204030204" pitchFamily="49" charset="0"/>
+              </a:rPr>
+              <a:t>int</a:t>
+            </a:r>
+            <a:r>
+              <a:rPr lang="en-US" altLang="ko-KR" sz="1800" dirty="0">
+                <a:solidFill>
+                  <a:srgbClr val="000000"/>
+                </a:solidFill>
+                <a:effectLst/>
+                <a:latin typeface="Consolas" panose="020B0609020204030204" pitchFamily="49" charset="0"/>
+              </a:rPr>
+              <a:t>[] </a:t>
+            </a:r>
+            <a:r>
+              <a:rPr lang="en-US" altLang="ko-KR" sz="1800" i="1" dirty="0">
+                <a:solidFill>
+                  <a:srgbClr val="0000C0"/>
+                </a:solidFill>
+                <a:effectLst/>
+                <a:latin typeface="Consolas" panose="020B0609020204030204" pitchFamily="49" charset="0"/>
+              </a:rPr>
+              <a:t>dx</a:t>
+            </a:r>
+            <a:r>
+              <a:rPr lang="en-US" altLang="ko-KR" sz="1800" dirty="0">
+                <a:solidFill>
+                  <a:srgbClr val="000000"/>
+                </a:solidFill>
+                <a:effectLst/>
+                <a:latin typeface="Consolas" panose="020B0609020204030204" pitchFamily="49" charset="0"/>
+              </a:rPr>
+              <a:t> = { 0, 0, 1, -1 };</a:t>
+            </a:r>
+          </a:p>
+          <a:p>
+            <a:pPr marL="0" marR="0">
+              <a:spcBef>
+                <a:spcPts val="0"/>
+              </a:spcBef>
+              <a:spcAft>
+                <a:spcPts val="0"/>
+              </a:spcAft>
+            </a:pPr>
+            <a:r>
+              <a:rPr lang="en-US" altLang="ko-KR" sz="1800" b="1" dirty="0">
+                <a:solidFill>
+                  <a:srgbClr val="7F0055"/>
+                </a:solidFill>
+                <a:effectLst/>
+                <a:latin typeface="Consolas" panose="020B0609020204030204" pitchFamily="49" charset="0"/>
+              </a:rPr>
+              <a:t>static</a:t>
+            </a:r>
+            <a:r>
+              <a:rPr lang="en-US" altLang="ko-KR" sz="1800" dirty="0">
+                <a:solidFill>
+                  <a:srgbClr val="000000"/>
+                </a:solidFill>
+                <a:effectLst/>
+                <a:latin typeface="Consolas" panose="020B0609020204030204" pitchFamily="49" charset="0"/>
+              </a:rPr>
+              <a:t> </a:t>
+            </a:r>
+            <a:r>
+              <a:rPr lang="en-US" altLang="ko-KR" sz="1800" b="1" dirty="0">
+                <a:solidFill>
+                  <a:srgbClr val="7F0055"/>
+                </a:solidFill>
+                <a:effectLst/>
+                <a:latin typeface="Consolas" panose="020B0609020204030204" pitchFamily="49" charset="0"/>
+              </a:rPr>
+              <a:t>int</a:t>
+            </a:r>
+            <a:r>
+              <a:rPr lang="en-US" altLang="ko-KR" sz="1800" dirty="0">
+                <a:solidFill>
+                  <a:srgbClr val="000000"/>
+                </a:solidFill>
+                <a:effectLst/>
+                <a:latin typeface="Consolas" panose="020B0609020204030204" pitchFamily="49" charset="0"/>
+              </a:rPr>
+              <a:t>[] </a:t>
+            </a:r>
+            <a:r>
+              <a:rPr lang="en-US" altLang="ko-KR" sz="1800" i="1" dirty="0" err="1">
+                <a:solidFill>
+                  <a:srgbClr val="0000C0"/>
+                </a:solidFill>
+                <a:effectLst/>
+                <a:latin typeface="Consolas" panose="020B0609020204030204" pitchFamily="49" charset="0"/>
+              </a:rPr>
+              <a:t>dy</a:t>
+            </a:r>
+            <a:r>
+              <a:rPr lang="en-US" altLang="ko-KR" sz="1800" dirty="0">
+                <a:solidFill>
+                  <a:srgbClr val="000000"/>
+                </a:solidFill>
+                <a:effectLst/>
+                <a:latin typeface="Consolas" panose="020B0609020204030204" pitchFamily="49" charset="0"/>
+              </a:rPr>
+              <a:t> = { 1, -1, 0, 0 };</a:t>
+            </a:r>
+          </a:p>
+          <a:p>
+            <a:pPr marL="0" marR="0">
+              <a:spcBef>
+                <a:spcPts val="0"/>
+              </a:spcBef>
+              <a:spcAft>
+                <a:spcPts val="0"/>
+              </a:spcAft>
+            </a:pPr>
+            <a:r>
+              <a:rPr lang="en-US" altLang="ko-KR" sz="1800" b="1" dirty="0">
+                <a:solidFill>
+                  <a:srgbClr val="7F0055"/>
+                </a:solidFill>
+                <a:effectLst/>
+                <a:latin typeface="Consolas" panose="020B0609020204030204" pitchFamily="49" charset="0"/>
+              </a:rPr>
+              <a:t>static</a:t>
+            </a:r>
+            <a:r>
+              <a:rPr lang="en-US" altLang="ko-KR" sz="1800" dirty="0">
+                <a:solidFill>
+                  <a:srgbClr val="000000"/>
+                </a:solidFill>
+                <a:effectLst/>
+                <a:latin typeface="Consolas" panose="020B0609020204030204" pitchFamily="49" charset="0"/>
+              </a:rPr>
+              <a:t> StringBuilder </a:t>
+            </a:r>
+            <a:r>
+              <a:rPr lang="en-US" altLang="ko-KR" sz="1800" i="1" dirty="0">
+                <a:solidFill>
+                  <a:srgbClr val="0000C0"/>
+                </a:solidFill>
+                <a:effectLst/>
+                <a:latin typeface="Consolas" panose="020B0609020204030204" pitchFamily="49" charset="0"/>
+              </a:rPr>
+              <a:t>sb</a:t>
+            </a:r>
+            <a:r>
+              <a:rPr lang="en-US" altLang="ko-KR" sz="1800" dirty="0">
+                <a:solidFill>
+                  <a:srgbClr val="000000"/>
+                </a:solidFill>
+                <a:effectLst/>
+                <a:latin typeface="Consolas" panose="020B0609020204030204" pitchFamily="49" charset="0"/>
+              </a:rPr>
+              <a:t> = </a:t>
+            </a:r>
+            <a:r>
+              <a:rPr lang="en-US" altLang="ko-KR" sz="1800" b="1" dirty="0">
+                <a:solidFill>
+                  <a:srgbClr val="7F0055"/>
+                </a:solidFill>
+                <a:effectLst/>
+                <a:latin typeface="Consolas" panose="020B0609020204030204" pitchFamily="49" charset="0"/>
+              </a:rPr>
+              <a:t>new</a:t>
+            </a:r>
+            <a:r>
+              <a:rPr lang="en-US" altLang="ko-KR" sz="1800" dirty="0">
+                <a:solidFill>
+                  <a:srgbClr val="000000"/>
+                </a:solidFill>
+                <a:effectLst/>
+                <a:latin typeface="Consolas" panose="020B0609020204030204" pitchFamily="49" charset="0"/>
+              </a:rPr>
+              <a:t> StringBuilder();</a:t>
+            </a:r>
+          </a:p>
+          <a:p>
+            <a:pPr marL="0" marR="0">
+              <a:spcBef>
+                <a:spcPts val="0"/>
+              </a:spcBef>
+              <a:spcAft>
+                <a:spcPts val="0"/>
+              </a:spcAft>
+            </a:pPr>
+            <a:br>
+              <a:rPr lang="en-US" altLang="ko-KR" sz="1800" dirty="0">
+                <a:solidFill>
+                  <a:srgbClr val="000000"/>
+                </a:solidFill>
+                <a:effectLst/>
+                <a:latin typeface="Consolas" panose="020B0609020204030204" pitchFamily="49" charset="0"/>
+              </a:rPr>
+            </a:br>
+            <a:endParaRPr lang="en-US" altLang="ko-KR" sz="1800" dirty="0">
+              <a:solidFill>
+                <a:srgbClr val="000000"/>
+              </a:solidFill>
+              <a:effectLst/>
+              <a:latin typeface="Consolas" panose="020B0609020204030204" pitchFamily="49" charset="0"/>
+            </a:endParaRPr>
+          </a:p>
+          <a:p>
+            <a:pPr marL="0" marR="0">
+              <a:spcBef>
+                <a:spcPts val="0"/>
+              </a:spcBef>
+              <a:spcAft>
+                <a:spcPts val="0"/>
+              </a:spcAft>
+            </a:pPr>
+            <a:r>
+              <a:rPr lang="en-US" altLang="ko-KR" sz="1800" b="1" dirty="0">
+                <a:solidFill>
+                  <a:srgbClr val="7F0055"/>
+                </a:solidFill>
+                <a:effectLst/>
+                <a:latin typeface="Consolas" panose="020B0609020204030204" pitchFamily="49" charset="0"/>
+              </a:rPr>
+              <a:t>public</a:t>
+            </a:r>
+            <a:r>
+              <a:rPr lang="en-US" altLang="ko-KR" sz="1800" dirty="0">
+                <a:solidFill>
+                  <a:srgbClr val="000000"/>
+                </a:solidFill>
+                <a:effectLst/>
+                <a:latin typeface="Consolas" panose="020B0609020204030204" pitchFamily="49" charset="0"/>
+              </a:rPr>
+              <a:t> </a:t>
+            </a:r>
+            <a:r>
+              <a:rPr lang="en-US" altLang="ko-KR" sz="1800" b="1" dirty="0">
+                <a:solidFill>
+                  <a:srgbClr val="7F0055"/>
+                </a:solidFill>
+                <a:effectLst/>
+                <a:latin typeface="Consolas" panose="020B0609020204030204" pitchFamily="49" charset="0"/>
+              </a:rPr>
+              <a:t>static</a:t>
+            </a:r>
+            <a:r>
+              <a:rPr lang="en-US" altLang="ko-KR" sz="1800" dirty="0">
+                <a:solidFill>
+                  <a:srgbClr val="000000"/>
+                </a:solidFill>
+                <a:effectLst/>
+                <a:latin typeface="Consolas" panose="020B0609020204030204" pitchFamily="49" charset="0"/>
+              </a:rPr>
+              <a:t> </a:t>
+            </a:r>
+            <a:r>
+              <a:rPr lang="en-US" altLang="ko-KR" sz="1800" b="1" dirty="0">
+                <a:solidFill>
+                  <a:srgbClr val="7F0055"/>
+                </a:solidFill>
+                <a:effectLst/>
+                <a:latin typeface="Consolas" panose="020B0609020204030204" pitchFamily="49" charset="0"/>
+              </a:rPr>
+              <a:t>void</a:t>
+            </a:r>
+            <a:r>
+              <a:rPr lang="en-US" altLang="ko-KR" sz="1800" dirty="0">
+                <a:solidFill>
+                  <a:srgbClr val="000000"/>
+                </a:solidFill>
+                <a:effectLst/>
+                <a:latin typeface="Consolas" panose="020B0609020204030204" pitchFamily="49" charset="0"/>
+              </a:rPr>
+              <a:t> main(String[] </a:t>
+            </a:r>
+            <a:r>
+              <a:rPr lang="en-US" altLang="ko-KR" sz="1800" dirty="0" err="1">
+                <a:solidFill>
+                  <a:srgbClr val="6A3E3E"/>
+                </a:solidFill>
+                <a:effectLst/>
+                <a:latin typeface="Consolas" panose="020B0609020204030204" pitchFamily="49" charset="0"/>
+              </a:rPr>
+              <a:t>args</a:t>
+            </a:r>
+            <a:r>
+              <a:rPr lang="en-US" altLang="ko-KR" sz="1800" dirty="0">
+                <a:solidFill>
+                  <a:srgbClr val="000000"/>
+                </a:solidFill>
+                <a:effectLst/>
+                <a:latin typeface="Consolas" panose="020B0609020204030204" pitchFamily="49" charset="0"/>
+              </a:rPr>
+              <a:t>) </a:t>
+            </a:r>
+            <a:r>
+              <a:rPr lang="en-US" altLang="ko-KR" sz="1800" b="1" dirty="0">
+                <a:solidFill>
+                  <a:srgbClr val="7F0055"/>
+                </a:solidFill>
+                <a:effectLst/>
+                <a:latin typeface="Consolas" panose="020B0609020204030204" pitchFamily="49" charset="0"/>
+              </a:rPr>
+              <a:t>throws</a:t>
+            </a:r>
+            <a:r>
+              <a:rPr lang="en-US" altLang="ko-KR" sz="1800" dirty="0">
+                <a:solidFill>
+                  <a:srgbClr val="000000"/>
+                </a:solidFill>
+                <a:effectLst/>
+                <a:latin typeface="Consolas" panose="020B0609020204030204" pitchFamily="49" charset="0"/>
+              </a:rPr>
+              <a:t> </a:t>
+            </a:r>
+            <a:r>
+              <a:rPr lang="en-US" altLang="ko-KR" sz="1800" dirty="0" err="1">
+                <a:solidFill>
+                  <a:srgbClr val="000000"/>
+                </a:solidFill>
+                <a:effectLst/>
+                <a:latin typeface="Consolas" panose="020B0609020204030204" pitchFamily="49" charset="0"/>
+              </a:rPr>
+              <a:t>IOException</a:t>
+            </a:r>
+            <a:r>
+              <a:rPr lang="en-US" altLang="ko-KR" sz="1800" dirty="0">
+                <a:solidFill>
+                  <a:srgbClr val="000000"/>
+                </a:solidFill>
+                <a:effectLst/>
+                <a:latin typeface="Consolas" panose="020B0609020204030204" pitchFamily="49" charset="0"/>
+              </a:rPr>
+              <a:t> {</a:t>
+            </a:r>
+          </a:p>
+          <a:p>
+            <a:pPr marL="0" marR="0">
+              <a:spcBef>
+                <a:spcPts val="0"/>
+              </a:spcBef>
+              <a:spcAft>
+                <a:spcPts val="0"/>
+              </a:spcAft>
+            </a:pPr>
+            <a:r>
+              <a:rPr lang="en-US" altLang="ko-KR" sz="1800" dirty="0" err="1">
+                <a:solidFill>
+                  <a:srgbClr val="000000"/>
+                </a:solidFill>
+                <a:effectLst/>
+                <a:latin typeface="Consolas" panose="020B0609020204030204" pitchFamily="49" charset="0"/>
+              </a:rPr>
+              <a:t>BufferedReader</a:t>
+            </a:r>
+            <a:r>
+              <a:rPr lang="en-US" altLang="ko-KR" sz="1800" dirty="0">
+                <a:solidFill>
+                  <a:srgbClr val="000000"/>
+                </a:solidFill>
+                <a:effectLst/>
+                <a:latin typeface="Consolas" panose="020B0609020204030204" pitchFamily="49" charset="0"/>
+              </a:rPr>
+              <a:t> </a:t>
+            </a:r>
+            <a:r>
+              <a:rPr lang="en-US" altLang="ko-KR" sz="1800" dirty="0" err="1">
+                <a:solidFill>
+                  <a:srgbClr val="6A3E3E"/>
+                </a:solidFill>
+                <a:effectLst/>
+                <a:latin typeface="Consolas" panose="020B0609020204030204" pitchFamily="49" charset="0"/>
+              </a:rPr>
+              <a:t>br</a:t>
+            </a:r>
+            <a:r>
+              <a:rPr lang="en-US" altLang="ko-KR" sz="1800" dirty="0">
+                <a:solidFill>
+                  <a:srgbClr val="000000"/>
+                </a:solidFill>
+                <a:effectLst/>
+                <a:latin typeface="Consolas" panose="020B0609020204030204" pitchFamily="49" charset="0"/>
+              </a:rPr>
+              <a:t> = </a:t>
+            </a:r>
+            <a:r>
+              <a:rPr lang="en-US" altLang="ko-KR" sz="1800" b="1" dirty="0">
+                <a:solidFill>
+                  <a:srgbClr val="7F0055"/>
+                </a:solidFill>
+                <a:effectLst/>
+                <a:latin typeface="Consolas" panose="020B0609020204030204" pitchFamily="49" charset="0"/>
+              </a:rPr>
+              <a:t>new</a:t>
+            </a:r>
+            <a:r>
+              <a:rPr lang="en-US" altLang="ko-KR" sz="1800" dirty="0">
+                <a:solidFill>
+                  <a:srgbClr val="000000"/>
+                </a:solidFill>
+                <a:effectLst/>
+                <a:latin typeface="Consolas" panose="020B0609020204030204" pitchFamily="49" charset="0"/>
+              </a:rPr>
+              <a:t> </a:t>
+            </a:r>
+            <a:r>
+              <a:rPr lang="en-US" altLang="ko-KR" sz="1800" dirty="0" err="1">
+                <a:solidFill>
+                  <a:srgbClr val="000000"/>
+                </a:solidFill>
+                <a:effectLst/>
+                <a:latin typeface="Consolas" panose="020B0609020204030204" pitchFamily="49" charset="0"/>
+              </a:rPr>
+              <a:t>BufferedReader</a:t>
+            </a:r>
+            <a:r>
+              <a:rPr lang="en-US" altLang="ko-KR" sz="1800" dirty="0">
+                <a:solidFill>
+                  <a:srgbClr val="000000"/>
+                </a:solidFill>
+                <a:effectLst/>
+                <a:latin typeface="Consolas" panose="020B0609020204030204" pitchFamily="49" charset="0"/>
+              </a:rPr>
+              <a:t>(</a:t>
+            </a:r>
+            <a:r>
+              <a:rPr lang="en-US" altLang="ko-KR" sz="1800" b="1" dirty="0">
+                <a:solidFill>
+                  <a:srgbClr val="7F0055"/>
+                </a:solidFill>
+                <a:effectLst/>
+                <a:latin typeface="Consolas" panose="020B0609020204030204" pitchFamily="49" charset="0"/>
+              </a:rPr>
+              <a:t>new</a:t>
+            </a:r>
+            <a:r>
+              <a:rPr lang="en-US" altLang="ko-KR" sz="1800" dirty="0">
+                <a:solidFill>
+                  <a:srgbClr val="000000"/>
+                </a:solidFill>
+                <a:effectLst/>
+                <a:latin typeface="Consolas" panose="020B0609020204030204" pitchFamily="49" charset="0"/>
+              </a:rPr>
+              <a:t> </a:t>
+            </a:r>
+            <a:r>
+              <a:rPr lang="en-US" altLang="ko-KR" sz="1800" dirty="0" err="1">
+                <a:solidFill>
+                  <a:srgbClr val="000000"/>
+                </a:solidFill>
+                <a:effectLst/>
+                <a:latin typeface="Consolas" panose="020B0609020204030204" pitchFamily="49" charset="0"/>
+              </a:rPr>
+              <a:t>InputStreamReader</a:t>
+            </a:r>
+            <a:r>
+              <a:rPr lang="en-US" altLang="ko-KR" sz="1800" dirty="0">
+                <a:solidFill>
+                  <a:srgbClr val="000000"/>
+                </a:solidFill>
+                <a:effectLst/>
+                <a:latin typeface="Consolas" panose="020B0609020204030204" pitchFamily="49" charset="0"/>
+              </a:rPr>
+              <a:t>(System.</a:t>
+            </a:r>
+            <a:r>
+              <a:rPr lang="en-US" altLang="ko-KR" sz="1800" b="1" i="1" dirty="0">
+                <a:solidFill>
+                  <a:srgbClr val="0000C0"/>
+                </a:solidFill>
+                <a:effectLst/>
+                <a:latin typeface="Consolas" panose="020B0609020204030204" pitchFamily="49" charset="0"/>
+              </a:rPr>
+              <a:t>in</a:t>
+            </a:r>
+            <a:r>
+              <a:rPr lang="en-US" altLang="ko-KR" sz="1800" dirty="0">
+                <a:solidFill>
+                  <a:srgbClr val="000000"/>
+                </a:solidFill>
+                <a:effectLst/>
+                <a:latin typeface="Consolas" panose="020B0609020204030204" pitchFamily="49" charset="0"/>
+              </a:rPr>
+              <a:t>));</a:t>
+            </a:r>
+          </a:p>
+          <a:p>
+            <a:pPr marL="0" marR="0">
+              <a:spcBef>
+                <a:spcPts val="0"/>
+              </a:spcBef>
+              <a:spcAft>
+                <a:spcPts val="0"/>
+              </a:spcAft>
+            </a:pPr>
+            <a:br>
+              <a:rPr lang="en-US" altLang="ko-KR" sz="1800" dirty="0">
+                <a:solidFill>
+                  <a:srgbClr val="000000"/>
+                </a:solidFill>
+                <a:effectLst/>
+                <a:latin typeface="Consolas" panose="020B0609020204030204" pitchFamily="49" charset="0"/>
+              </a:rPr>
+            </a:br>
+            <a:endParaRPr lang="en-US" altLang="ko-KR" sz="1800" dirty="0">
+              <a:solidFill>
+                <a:srgbClr val="000000"/>
+              </a:solidFill>
+              <a:effectLst/>
+              <a:latin typeface="Consolas" panose="020B0609020204030204" pitchFamily="49" charset="0"/>
+            </a:endParaRPr>
+          </a:p>
+          <a:p>
+            <a:pPr marL="0" marR="0">
+              <a:spcBef>
+                <a:spcPts val="0"/>
+              </a:spcBef>
+              <a:spcAft>
+                <a:spcPts val="0"/>
+              </a:spcAft>
+            </a:pPr>
+            <a:r>
+              <a:rPr lang="en-US" altLang="ko-KR" sz="1800" i="1" dirty="0">
+                <a:solidFill>
+                  <a:srgbClr val="0000C0"/>
+                </a:solidFill>
+                <a:effectLst/>
+                <a:latin typeface="Consolas" panose="020B0609020204030204" pitchFamily="49" charset="0"/>
+              </a:rPr>
+              <a:t>N</a:t>
+            </a:r>
+            <a:r>
+              <a:rPr lang="en-US" altLang="ko-KR" sz="1800" dirty="0">
+                <a:solidFill>
+                  <a:srgbClr val="000000"/>
+                </a:solidFill>
+                <a:effectLst/>
+                <a:latin typeface="Consolas" panose="020B0609020204030204" pitchFamily="49" charset="0"/>
+              </a:rPr>
+              <a:t> = </a:t>
+            </a:r>
+            <a:r>
+              <a:rPr lang="en-US" altLang="ko-KR" sz="1800" dirty="0" err="1">
+                <a:solidFill>
+                  <a:srgbClr val="000000"/>
+                </a:solidFill>
+                <a:effectLst/>
+                <a:latin typeface="Consolas" panose="020B0609020204030204" pitchFamily="49" charset="0"/>
+              </a:rPr>
+              <a:t>Integer.</a:t>
+            </a:r>
+            <a:r>
+              <a:rPr lang="en-US" altLang="ko-KR" sz="1800" i="1" dirty="0" err="1">
+                <a:solidFill>
+                  <a:srgbClr val="000000"/>
+                </a:solidFill>
+                <a:effectLst/>
+                <a:latin typeface="Consolas" panose="020B0609020204030204" pitchFamily="49" charset="0"/>
+              </a:rPr>
+              <a:t>parseInt</a:t>
+            </a:r>
+            <a:r>
+              <a:rPr lang="en-US" altLang="ko-KR" sz="1800" dirty="0">
+                <a:solidFill>
+                  <a:srgbClr val="000000"/>
+                </a:solidFill>
+                <a:effectLst/>
+                <a:latin typeface="Consolas" panose="020B0609020204030204" pitchFamily="49" charset="0"/>
+              </a:rPr>
+              <a:t>(</a:t>
+            </a:r>
+            <a:r>
+              <a:rPr lang="en-US" altLang="ko-KR" sz="1800" dirty="0" err="1">
+                <a:solidFill>
+                  <a:srgbClr val="6A3E3E"/>
+                </a:solidFill>
+                <a:effectLst/>
+                <a:latin typeface="Consolas" panose="020B0609020204030204" pitchFamily="49" charset="0"/>
+              </a:rPr>
+              <a:t>br</a:t>
+            </a:r>
+            <a:r>
+              <a:rPr lang="en-US" altLang="ko-KR" sz="1800" dirty="0" err="1">
+                <a:solidFill>
+                  <a:srgbClr val="000000"/>
+                </a:solidFill>
+                <a:effectLst/>
+                <a:latin typeface="Consolas" panose="020B0609020204030204" pitchFamily="49" charset="0"/>
+              </a:rPr>
+              <a:t>.readLine</a:t>
+            </a:r>
+            <a:r>
+              <a:rPr lang="en-US" altLang="ko-KR" sz="1800" dirty="0">
+                <a:solidFill>
+                  <a:srgbClr val="000000"/>
+                </a:solidFill>
+                <a:effectLst/>
+                <a:latin typeface="Consolas" panose="020B0609020204030204" pitchFamily="49" charset="0"/>
+              </a:rPr>
+              <a:t>());</a:t>
+            </a:r>
+          </a:p>
+          <a:p>
+            <a:pPr marL="0" marR="0">
+              <a:spcBef>
+                <a:spcPts val="0"/>
+              </a:spcBef>
+              <a:spcAft>
+                <a:spcPts val="0"/>
+              </a:spcAft>
+            </a:pPr>
+            <a:r>
+              <a:rPr lang="en-US" altLang="ko-KR" sz="1800" i="1" dirty="0">
+                <a:solidFill>
+                  <a:srgbClr val="0000C0"/>
+                </a:solidFill>
+                <a:effectLst/>
+                <a:latin typeface="Consolas" panose="020B0609020204030204" pitchFamily="49" charset="0"/>
+              </a:rPr>
+              <a:t>map</a:t>
+            </a:r>
+            <a:r>
+              <a:rPr lang="en-US" altLang="ko-KR" sz="1800" dirty="0">
+                <a:solidFill>
+                  <a:srgbClr val="000000"/>
+                </a:solidFill>
+                <a:effectLst/>
+                <a:latin typeface="Consolas" panose="020B0609020204030204" pitchFamily="49" charset="0"/>
+              </a:rPr>
+              <a:t> = </a:t>
+            </a:r>
+            <a:r>
+              <a:rPr lang="en-US" altLang="ko-KR" sz="1800" b="1" dirty="0">
+                <a:solidFill>
+                  <a:srgbClr val="7F0055"/>
+                </a:solidFill>
+                <a:effectLst/>
+                <a:latin typeface="Consolas" panose="020B0609020204030204" pitchFamily="49" charset="0"/>
+              </a:rPr>
+              <a:t>new</a:t>
+            </a:r>
+            <a:r>
+              <a:rPr lang="en-US" altLang="ko-KR" sz="1800" dirty="0">
+                <a:solidFill>
+                  <a:srgbClr val="000000"/>
+                </a:solidFill>
+                <a:effectLst/>
+                <a:latin typeface="Consolas" panose="020B0609020204030204" pitchFamily="49" charset="0"/>
+              </a:rPr>
+              <a:t> </a:t>
+            </a:r>
+            <a:r>
+              <a:rPr lang="en-US" altLang="ko-KR" sz="1800" b="1" dirty="0">
+                <a:solidFill>
+                  <a:srgbClr val="7F0055"/>
+                </a:solidFill>
+                <a:effectLst/>
+                <a:latin typeface="Consolas" panose="020B0609020204030204" pitchFamily="49" charset="0"/>
+              </a:rPr>
+              <a:t>int</a:t>
+            </a:r>
+            <a:r>
+              <a:rPr lang="en-US" altLang="ko-KR" sz="1800" dirty="0">
+                <a:solidFill>
+                  <a:srgbClr val="000000"/>
+                </a:solidFill>
+                <a:effectLst/>
+                <a:latin typeface="Consolas" panose="020B0609020204030204" pitchFamily="49" charset="0"/>
+              </a:rPr>
+              <a:t>[</a:t>
+            </a:r>
+            <a:r>
+              <a:rPr lang="en-US" altLang="ko-KR" sz="1800" i="1" dirty="0">
+                <a:solidFill>
+                  <a:srgbClr val="0000C0"/>
+                </a:solidFill>
+                <a:effectLst/>
+                <a:latin typeface="Consolas" panose="020B0609020204030204" pitchFamily="49" charset="0"/>
+              </a:rPr>
+              <a:t>N</a:t>
+            </a:r>
+            <a:r>
+              <a:rPr lang="en-US" altLang="ko-KR" sz="1800" dirty="0">
+                <a:solidFill>
+                  <a:srgbClr val="000000"/>
+                </a:solidFill>
+                <a:effectLst/>
+                <a:latin typeface="Consolas" panose="020B0609020204030204" pitchFamily="49" charset="0"/>
+              </a:rPr>
+              <a:t>][</a:t>
+            </a:r>
+            <a:r>
+              <a:rPr lang="en-US" altLang="ko-KR" sz="1800" i="1" dirty="0">
+                <a:solidFill>
+                  <a:srgbClr val="0000C0"/>
+                </a:solidFill>
+                <a:effectLst/>
+                <a:latin typeface="Consolas" panose="020B0609020204030204" pitchFamily="49" charset="0"/>
+              </a:rPr>
+              <a:t>N</a:t>
+            </a:r>
+            <a:r>
+              <a:rPr lang="en-US" altLang="ko-KR" sz="1800" dirty="0">
+                <a:solidFill>
+                  <a:srgbClr val="000000"/>
+                </a:solidFill>
+                <a:effectLst/>
+                <a:latin typeface="Consolas" panose="020B0609020204030204" pitchFamily="49" charset="0"/>
+              </a:rPr>
+              <a:t>];</a:t>
+            </a:r>
+          </a:p>
+          <a:p>
+            <a:pPr marL="0" marR="0">
+              <a:spcBef>
+                <a:spcPts val="0"/>
+              </a:spcBef>
+              <a:spcAft>
+                <a:spcPts val="0"/>
+              </a:spcAft>
+            </a:pPr>
+            <a:r>
+              <a:rPr lang="en-US" altLang="ko-KR" sz="1800" i="1" dirty="0">
+                <a:solidFill>
+                  <a:srgbClr val="0000C0"/>
+                </a:solidFill>
+                <a:effectLst/>
+                <a:latin typeface="Consolas" panose="020B0609020204030204" pitchFamily="49" charset="0"/>
+              </a:rPr>
+              <a:t>visit</a:t>
+            </a:r>
+            <a:r>
+              <a:rPr lang="en-US" altLang="ko-KR" sz="1800" dirty="0">
+                <a:solidFill>
+                  <a:srgbClr val="000000"/>
+                </a:solidFill>
+                <a:effectLst/>
+                <a:latin typeface="Consolas" panose="020B0609020204030204" pitchFamily="49" charset="0"/>
+              </a:rPr>
+              <a:t> = </a:t>
+            </a:r>
+            <a:r>
+              <a:rPr lang="en-US" altLang="ko-KR" sz="1800" b="1" dirty="0">
+                <a:solidFill>
+                  <a:srgbClr val="7F0055"/>
+                </a:solidFill>
+                <a:effectLst/>
+                <a:latin typeface="Consolas" panose="020B0609020204030204" pitchFamily="49" charset="0"/>
+              </a:rPr>
+              <a:t>new</a:t>
+            </a:r>
+            <a:r>
+              <a:rPr lang="en-US" altLang="ko-KR" sz="1800" dirty="0">
+                <a:solidFill>
+                  <a:srgbClr val="000000"/>
+                </a:solidFill>
+                <a:effectLst/>
+                <a:latin typeface="Consolas" panose="020B0609020204030204" pitchFamily="49" charset="0"/>
+              </a:rPr>
+              <a:t> </a:t>
+            </a:r>
+            <a:r>
+              <a:rPr lang="en-US" altLang="ko-KR" sz="1800" b="1" dirty="0" err="1">
+                <a:solidFill>
+                  <a:srgbClr val="7F0055"/>
+                </a:solidFill>
+                <a:effectLst/>
+                <a:latin typeface="Consolas" panose="020B0609020204030204" pitchFamily="49" charset="0"/>
+              </a:rPr>
+              <a:t>boolean</a:t>
+            </a:r>
+            <a:r>
+              <a:rPr lang="en-US" altLang="ko-KR" sz="1800" dirty="0">
+                <a:solidFill>
+                  <a:srgbClr val="000000"/>
+                </a:solidFill>
+                <a:effectLst/>
+                <a:latin typeface="Consolas" panose="020B0609020204030204" pitchFamily="49" charset="0"/>
+              </a:rPr>
+              <a:t>[</a:t>
+            </a:r>
+            <a:r>
+              <a:rPr lang="en-US" altLang="ko-KR" sz="1800" i="1" dirty="0">
+                <a:solidFill>
+                  <a:srgbClr val="0000C0"/>
+                </a:solidFill>
+                <a:effectLst/>
+                <a:latin typeface="Consolas" panose="020B0609020204030204" pitchFamily="49" charset="0"/>
+              </a:rPr>
+              <a:t>N</a:t>
+            </a:r>
+            <a:r>
+              <a:rPr lang="en-US" altLang="ko-KR" sz="1800" dirty="0">
+                <a:solidFill>
+                  <a:srgbClr val="000000"/>
+                </a:solidFill>
+                <a:effectLst/>
+                <a:latin typeface="Consolas" panose="020B0609020204030204" pitchFamily="49" charset="0"/>
+              </a:rPr>
+              <a:t>][</a:t>
+            </a:r>
+            <a:r>
+              <a:rPr lang="en-US" altLang="ko-KR" sz="1800" i="1" dirty="0">
+                <a:solidFill>
+                  <a:srgbClr val="0000C0"/>
+                </a:solidFill>
+                <a:effectLst/>
+                <a:latin typeface="Consolas" panose="020B0609020204030204" pitchFamily="49" charset="0"/>
+              </a:rPr>
+              <a:t>N</a:t>
+            </a:r>
+            <a:r>
+              <a:rPr lang="en-US" altLang="ko-KR" sz="1800" dirty="0">
+                <a:solidFill>
+                  <a:srgbClr val="000000"/>
+                </a:solidFill>
+                <a:effectLst/>
+                <a:latin typeface="Consolas" panose="020B0609020204030204" pitchFamily="49" charset="0"/>
+              </a:rPr>
+              <a:t>];</a:t>
+            </a:r>
+          </a:p>
+          <a:p>
+            <a:pPr marL="0" marR="0">
+              <a:spcBef>
+                <a:spcPts val="0"/>
+              </a:spcBef>
+              <a:spcAft>
+                <a:spcPts val="0"/>
+              </a:spcAft>
+            </a:pPr>
+            <a:r>
+              <a:rPr lang="en-US" altLang="ko-KR" sz="1800" i="1" dirty="0" err="1">
+                <a:solidFill>
+                  <a:srgbClr val="0000C0"/>
+                </a:solidFill>
+                <a:effectLst/>
+                <a:latin typeface="Consolas" panose="020B0609020204030204" pitchFamily="49" charset="0"/>
+              </a:rPr>
+              <a:t>idx</a:t>
+            </a:r>
+            <a:r>
+              <a:rPr lang="en-US" altLang="ko-KR" sz="1800" dirty="0">
+                <a:solidFill>
+                  <a:srgbClr val="000000"/>
+                </a:solidFill>
+                <a:effectLst/>
+                <a:latin typeface="Consolas" panose="020B0609020204030204" pitchFamily="49" charset="0"/>
+              </a:rPr>
+              <a:t> = 0;</a:t>
+            </a:r>
+          </a:p>
+          <a:p>
+            <a:pPr marL="0" marR="0">
+              <a:spcBef>
+                <a:spcPts val="0"/>
+              </a:spcBef>
+              <a:spcAft>
+                <a:spcPts val="0"/>
+              </a:spcAft>
+            </a:pPr>
+            <a:r>
+              <a:rPr lang="en-US" altLang="ko-KR" sz="1800" b="1" dirty="0">
+                <a:solidFill>
+                  <a:srgbClr val="7F0055"/>
+                </a:solidFill>
+                <a:effectLst/>
+                <a:latin typeface="Consolas" panose="020B0609020204030204" pitchFamily="49" charset="0"/>
+              </a:rPr>
+              <a:t>for</a:t>
+            </a:r>
+            <a:r>
+              <a:rPr lang="en-US" altLang="ko-KR" sz="1800" dirty="0">
+                <a:solidFill>
+                  <a:srgbClr val="000000"/>
+                </a:solidFill>
+                <a:effectLst/>
+                <a:latin typeface="Consolas" panose="020B0609020204030204" pitchFamily="49" charset="0"/>
+              </a:rPr>
+              <a:t> (</a:t>
+            </a:r>
+            <a:r>
+              <a:rPr lang="en-US" altLang="ko-KR" sz="1800" b="1" dirty="0">
+                <a:solidFill>
+                  <a:srgbClr val="7F0055"/>
+                </a:solidFill>
+                <a:effectLst/>
+                <a:latin typeface="Consolas" panose="020B0609020204030204" pitchFamily="49" charset="0"/>
+              </a:rPr>
+              <a:t>int</a:t>
+            </a:r>
+            <a:r>
+              <a:rPr lang="en-US" altLang="ko-KR" sz="1800" dirty="0">
+                <a:solidFill>
+                  <a:srgbClr val="000000"/>
+                </a:solidFill>
+                <a:effectLst/>
+                <a:latin typeface="Consolas" panose="020B0609020204030204" pitchFamily="49" charset="0"/>
+              </a:rPr>
+              <a:t> </a:t>
+            </a:r>
+            <a:r>
+              <a:rPr lang="en-US" altLang="ko-KR" sz="1800" dirty="0" err="1">
+                <a:solidFill>
+                  <a:srgbClr val="6A3E3E"/>
+                </a:solidFill>
+                <a:effectLst/>
+                <a:latin typeface="Consolas" panose="020B0609020204030204" pitchFamily="49" charset="0"/>
+              </a:rPr>
+              <a:t>i</a:t>
+            </a:r>
+            <a:r>
+              <a:rPr lang="en-US" altLang="ko-KR" sz="1800" dirty="0">
+                <a:solidFill>
+                  <a:srgbClr val="000000"/>
+                </a:solidFill>
+                <a:effectLst/>
+                <a:latin typeface="Consolas" panose="020B0609020204030204" pitchFamily="49" charset="0"/>
+              </a:rPr>
+              <a:t> = 0; </a:t>
+            </a:r>
+            <a:r>
+              <a:rPr lang="en-US" altLang="ko-KR" sz="1800" dirty="0" err="1">
+                <a:solidFill>
+                  <a:srgbClr val="6A3E3E"/>
+                </a:solidFill>
+                <a:effectLst/>
+                <a:latin typeface="Consolas" panose="020B0609020204030204" pitchFamily="49" charset="0"/>
+              </a:rPr>
+              <a:t>i</a:t>
+            </a:r>
+            <a:r>
+              <a:rPr lang="en-US" altLang="ko-KR" sz="1800" dirty="0">
+                <a:solidFill>
+                  <a:srgbClr val="000000"/>
+                </a:solidFill>
+                <a:effectLst/>
+                <a:latin typeface="Consolas" panose="020B0609020204030204" pitchFamily="49" charset="0"/>
+              </a:rPr>
+              <a:t> &lt; </a:t>
+            </a:r>
+            <a:r>
+              <a:rPr lang="en-US" altLang="ko-KR" sz="1800" i="1" dirty="0">
+                <a:solidFill>
+                  <a:srgbClr val="0000C0"/>
+                </a:solidFill>
+                <a:effectLst/>
+                <a:latin typeface="Consolas" panose="020B0609020204030204" pitchFamily="49" charset="0"/>
+              </a:rPr>
+              <a:t>N</a:t>
+            </a:r>
+            <a:r>
+              <a:rPr lang="en-US" altLang="ko-KR" sz="1800" dirty="0">
+                <a:solidFill>
+                  <a:srgbClr val="000000"/>
+                </a:solidFill>
+                <a:effectLst/>
+                <a:latin typeface="Consolas" panose="020B0609020204030204" pitchFamily="49" charset="0"/>
+              </a:rPr>
+              <a:t>; </a:t>
+            </a:r>
+            <a:r>
+              <a:rPr lang="en-US" altLang="ko-KR" sz="1800" dirty="0" err="1">
+                <a:solidFill>
+                  <a:srgbClr val="6A3E3E"/>
+                </a:solidFill>
+                <a:effectLst/>
+                <a:latin typeface="Consolas" panose="020B0609020204030204" pitchFamily="49" charset="0"/>
+              </a:rPr>
+              <a:t>i</a:t>
+            </a:r>
+            <a:r>
+              <a:rPr lang="en-US" altLang="ko-KR" sz="1800" dirty="0">
+                <a:solidFill>
+                  <a:srgbClr val="000000"/>
+                </a:solidFill>
+                <a:effectLst/>
+                <a:latin typeface="Consolas" panose="020B0609020204030204" pitchFamily="49" charset="0"/>
+              </a:rPr>
+              <a:t>++) {</a:t>
+            </a:r>
+          </a:p>
+          <a:p>
+            <a:pPr marL="0" marR="0">
+              <a:spcBef>
+                <a:spcPts val="0"/>
+              </a:spcBef>
+              <a:spcAft>
+                <a:spcPts val="0"/>
+              </a:spcAft>
+            </a:pPr>
+            <a:r>
+              <a:rPr lang="en-US" altLang="ko-KR" sz="1800" dirty="0">
+                <a:solidFill>
+                  <a:srgbClr val="000000"/>
+                </a:solidFill>
+                <a:effectLst/>
+                <a:latin typeface="Consolas" panose="020B0609020204030204" pitchFamily="49" charset="0"/>
+              </a:rPr>
+              <a:t>String </a:t>
+            </a:r>
+            <a:r>
+              <a:rPr lang="en-US" altLang="ko-KR" sz="1800" dirty="0">
+                <a:solidFill>
+                  <a:srgbClr val="6A3E3E"/>
+                </a:solidFill>
+                <a:effectLst/>
+                <a:latin typeface="Consolas" panose="020B0609020204030204" pitchFamily="49" charset="0"/>
+              </a:rPr>
+              <a:t>s</a:t>
+            </a:r>
+            <a:r>
+              <a:rPr lang="en-US" altLang="ko-KR" sz="1800" dirty="0">
+                <a:solidFill>
+                  <a:srgbClr val="000000"/>
+                </a:solidFill>
+                <a:effectLst/>
+                <a:latin typeface="Consolas" panose="020B0609020204030204" pitchFamily="49" charset="0"/>
+              </a:rPr>
+              <a:t> = </a:t>
+            </a:r>
+            <a:r>
+              <a:rPr lang="en-US" altLang="ko-KR" sz="1800" dirty="0" err="1">
+                <a:solidFill>
+                  <a:srgbClr val="6A3E3E"/>
+                </a:solidFill>
+                <a:effectLst/>
+                <a:latin typeface="Consolas" panose="020B0609020204030204" pitchFamily="49" charset="0"/>
+              </a:rPr>
+              <a:t>br</a:t>
+            </a:r>
+            <a:r>
+              <a:rPr lang="en-US" altLang="ko-KR" sz="1800" dirty="0" err="1">
+                <a:solidFill>
+                  <a:srgbClr val="000000"/>
+                </a:solidFill>
+                <a:effectLst/>
+                <a:latin typeface="Consolas" panose="020B0609020204030204" pitchFamily="49" charset="0"/>
+              </a:rPr>
+              <a:t>.readLine</a:t>
+            </a:r>
+            <a:r>
+              <a:rPr lang="en-US" altLang="ko-KR" sz="1800" dirty="0">
+                <a:solidFill>
+                  <a:srgbClr val="000000"/>
+                </a:solidFill>
+                <a:effectLst/>
+                <a:latin typeface="Consolas" panose="020B0609020204030204" pitchFamily="49" charset="0"/>
+              </a:rPr>
+              <a:t>();</a:t>
+            </a:r>
+          </a:p>
+          <a:p>
+            <a:pPr marL="0" marR="0">
+              <a:spcBef>
+                <a:spcPts val="0"/>
+              </a:spcBef>
+              <a:spcAft>
+                <a:spcPts val="0"/>
+              </a:spcAft>
+            </a:pPr>
+            <a:r>
+              <a:rPr lang="en-US" altLang="ko-KR" sz="1800" b="1" dirty="0">
+                <a:solidFill>
+                  <a:srgbClr val="7F0055"/>
+                </a:solidFill>
+                <a:effectLst/>
+                <a:latin typeface="Consolas" panose="020B0609020204030204" pitchFamily="49" charset="0"/>
+              </a:rPr>
+              <a:t>for</a:t>
+            </a:r>
+            <a:r>
+              <a:rPr lang="en-US" altLang="ko-KR" sz="1800" dirty="0">
+                <a:solidFill>
+                  <a:srgbClr val="000000"/>
+                </a:solidFill>
+                <a:effectLst/>
+                <a:latin typeface="Consolas" panose="020B0609020204030204" pitchFamily="49" charset="0"/>
+              </a:rPr>
+              <a:t> (</a:t>
+            </a:r>
+            <a:r>
+              <a:rPr lang="en-US" altLang="ko-KR" sz="1800" b="1" dirty="0">
+                <a:solidFill>
+                  <a:srgbClr val="7F0055"/>
+                </a:solidFill>
+                <a:effectLst/>
+                <a:latin typeface="Consolas" panose="020B0609020204030204" pitchFamily="49" charset="0"/>
+              </a:rPr>
+              <a:t>int</a:t>
+            </a:r>
+            <a:r>
+              <a:rPr lang="en-US" altLang="ko-KR" sz="1800" dirty="0">
+                <a:solidFill>
+                  <a:srgbClr val="000000"/>
+                </a:solidFill>
+                <a:effectLst/>
+                <a:latin typeface="Consolas" panose="020B0609020204030204" pitchFamily="49" charset="0"/>
+              </a:rPr>
+              <a:t> </a:t>
+            </a:r>
+            <a:r>
+              <a:rPr lang="en-US" altLang="ko-KR" sz="1800" dirty="0">
+                <a:solidFill>
+                  <a:srgbClr val="6A3E3E"/>
+                </a:solidFill>
+                <a:effectLst/>
+                <a:latin typeface="Consolas" panose="020B0609020204030204" pitchFamily="49" charset="0"/>
+              </a:rPr>
+              <a:t>j</a:t>
+            </a:r>
+            <a:r>
+              <a:rPr lang="en-US" altLang="ko-KR" sz="1800" dirty="0">
+                <a:solidFill>
+                  <a:srgbClr val="000000"/>
+                </a:solidFill>
+                <a:effectLst/>
+                <a:latin typeface="Consolas" panose="020B0609020204030204" pitchFamily="49" charset="0"/>
+              </a:rPr>
+              <a:t> = 0; </a:t>
+            </a:r>
+            <a:r>
+              <a:rPr lang="en-US" altLang="ko-KR" sz="1800" dirty="0">
+                <a:solidFill>
+                  <a:srgbClr val="6A3E3E"/>
+                </a:solidFill>
+                <a:effectLst/>
+                <a:latin typeface="Consolas" panose="020B0609020204030204" pitchFamily="49" charset="0"/>
+              </a:rPr>
+              <a:t>j</a:t>
+            </a:r>
+            <a:r>
+              <a:rPr lang="en-US" altLang="ko-KR" sz="1800" dirty="0">
+                <a:solidFill>
+                  <a:srgbClr val="000000"/>
+                </a:solidFill>
+                <a:effectLst/>
+                <a:latin typeface="Consolas" panose="020B0609020204030204" pitchFamily="49" charset="0"/>
+              </a:rPr>
+              <a:t> &lt; </a:t>
+            </a:r>
+            <a:r>
+              <a:rPr lang="en-US" altLang="ko-KR" sz="1800" i="1" dirty="0">
+                <a:solidFill>
+                  <a:srgbClr val="0000C0"/>
+                </a:solidFill>
+                <a:effectLst/>
+                <a:latin typeface="Consolas" panose="020B0609020204030204" pitchFamily="49" charset="0"/>
+              </a:rPr>
+              <a:t>N</a:t>
+            </a:r>
+            <a:r>
+              <a:rPr lang="en-US" altLang="ko-KR" sz="1800" dirty="0">
+                <a:solidFill>
+                  <a:srgbClr val="000000"/>
+                </a:solidFill>
+                <a:effectLst/>
+                <a:latin typeface="Consolas" panose="020B0609020204030204" pitchFamily="49" charset="0"/>
+              </a:rPr>
+              <a:t>; </a:t>
+            </a:r>
+            <a:r>
+              <a:rPr lang="en-US" altLang="ko-KR" sz="1800" dirty="0" err="1">
+                <a:solidFill>
+                  <a:srgbClr val="6A3E3E"/>
+                </a:solidFill>
+                <a:effectLst/>
+                <a:latin typeface="Consolas" panose="020B0609020204030204" pitchFamily="49" charset="0"/>
+              </a:rPr>
+              <a:t>j</a:t>
+            </a:r>
+            <a:r>
+              <a:rPr lang="en-US" altLang="ko-KR" sz="1800" dirty="0" err="1">
+                <a:solidFill>
+                  <a:srgbClr val="000000"/>
+                </a:solidFill>
+                <a:effectLst/>
+                <a:latin typeface="Consolas" panose="020B0609020204030204" pitchFamily="49" charset="0"/>
+              </a:rPr>
+              <a:t>++</a:t>
+            </a:r>
+            <a:r>
+              <a:rPr lang="en-US" altLang="ko-KR" sz="1800" dirty="0">
+                <a:solidFill>
+                  <a:srgbClr val="000000"/>
+                </a:solidFill>
+                <a:effectLst/>
+                <a:latin typeface="Consolas" panose="020B0609020204030204" pitchFamily="49" charset="0"/>
+              </a:rPr>
+              <a:t>) {</a:t>
+            </a:r>
+          </a:p>
+          <a:p>
+            <a:pPr marL="0" marR="0">
+              <a:spcBef>
+                <a:spcPts val="0"/>
+              </a:spcBef>
+              <a:spcAft>
+                <a:spcPts val="0"/>
+              </a:spcAft>
+            </a:pPr>
+            <a:r>
+              <a:rPr lang="en-US" altLang="ko-KR" sz="1800" i="1" dirty="0">
+                <a:solidFill>
+                  <a:srgbClr val="0000C0"/>
+                </a:solidFill>
+                <a:effectLst/>
+                <a:latin typeface="Consolas" panose="020B0609020204030204" pitchFamily="49" charset="0"/>
+              </a:rPr>
+              <a:t>map</a:t>
+            </a:r>
+            <a:r>
+              <a:rPr lang="en-US" altLang="ko-KR" sz="1800" dirty="0">
+                <a:solidFill>
+                  <a:srgbClr val="000000"/>
+                </a:solidFill>
+                <a:effectLst/>
+                <a:latin typeface="Consolas" panose="020B0609020204030204" pitchFamily="49" charset="0"/>
+              </a:rPr>
+              <a:t>[</a:t>
+            </a:r>
+            <a:r>
+              <a:rPr lang="en-US" altLang="ko-KR" sz="1800" dirty="0" err="1">
+                <a:solidFill>
+                  <a:srgbClr val="6A3E3E"/>
+                </a:solidFill>
+                <a:effectLst/>
+                <a:latin typeface="Consolas" panose="020B0609020204030204" pitchFamily="49" charset="0"/>
+              </a:rPr>
+              <a:t>i</a:t>
+            </a:r>
+            <a:r>
+              <a:rPr lang="en-US" altLang="ko-KR" sz="1800" dirty="0">
+                <a:solidFill>
+                  <a:srgbClr val="000000"/>
+                </a:solidFill>
+                <a:effectLst/>
+                <a:latin typeface="Consolas" panose="020B0609020204030204" pitchFamily="49" charset="0"/>
+              </a:rPr>
+              <a:t>][</a:t>
+            </a:r>
+            <a:r>
+              <a:rPr lang="en-US" altLang="ko-KR" sz="1800" dirty="0">
+                <a:solidFill>
+                  <a:srgbClr val="6A3E3E"/>
+                </a:solidFill>
+                <a:effectLst/>
+                <a:latin typeface="Consolas" panose="020B0609020204030204" pitchFamily="49" charset="0"/>
+              </a:rPr>
+              <a:t>j</a:t>
+            </a:r>
+            <a:r>
+              <a:rPr lang="en-US" altLang="ko-KR" sz="1800" dirty="0">
+                <a:solidFill>
+                  <a:srgbClr val="000000"/>
+                </a:solidFill>
+                <a:effectLst/>
+                <a:latin typeface="Consolas" panose="020B0609020204030204" pitchFamily="49" charset="0"/>
+              </a:rPr>
+              <a:t>] = </a:t>
+            </a:r>
+            <a:r>
+              <a:rPr lang="en-US" altLang="ko-KR" sz="1800" dirty="0" err="1">
+                <a:solidFill>
+                  <a:srgbClr val="6A3E3E"/>
+                </a:solidFill>
+                <a:effectLst/>
+                <a:latin typeface="Consolas" panose="020B0609020204030204" pitchFamily="49" charset="0"/>
+              </a:rPr>
+              <a:t>s</a:t>
+            </a:r>
+            <a:r>
+              <a:rPr lang="en-US" altLang="ko-KR" sz="1800" dirty="0" err="1">
+                <a:solidFill>
+                  <a:srgbClr val="000000"/>
+                </a:solidFill>
+                <a:effectLst/>
+                <a:latin typeface="Consolas" panose="020B0609020204030204" pitchFamily="49" charset="0"/>
+              </a:rPr>
+              <a:t>.charAt</a:t>
+            </a:r>
+            <a:r>
+              <a:rPr lang="en-US" altLang="ko-KR" sz="1800" dirty="0">
+                <a:solidFill>
+                  <a:srgbClr val="000000"/>
+                </a:solidFill>
+                <a:effectLst/>
+                <a:latin typeface="Consolas" panose="020B0609020204030204" pitchFamily="49" charset="0"/>
+              </a:rPr>
+              <a:t>(</a:t>
+            </a:r>
+            <a:r>
+              <a:rPr lang="en-US" altLang="ko-KR" sz="1800" dirty="0">
+                <a:solidFill>
+                  <a:srgbClr val="6A3E3E"/>
+                </a:solidFill>
+                <a:effectLst/>
+                <a:latin typeface="Consolas" panose="020B0609020204030204" pitchFamily="49" charset="0"/>
+              </a:rPr>
+              <a:t>j</a:t>
+            </a:r>
+            <a:r>
+              <a:rPr lang="en-US" altLang="ko-KR" sz="1800" dirty="0">
+                <a:solidFill>
+                  <a:srgbClr val="000000"/>
+                </a:solidFill>
+                <a:effectLst/>
+                <a:latin typeface="Consolas" panose="020B0609020204030204" pitchFamily="49" charset="0"/>
+              </a:rPr>
+              <a:t>) - </a:t>
+            </a:r>
+            <a:r>
+              <a:rPr lang="en-US" altLang="ko-KR" sz="1800" dirty="0">
+                <a:solidFill>
+                  <a:srgbClr val="2A00FF"/>
+                </a:solidFill>
+                <a:effectLst/>
+                <a:latin typeface="Consolas" panose="020B0609020204030204" pitchFamily="49" charset="0"/>
+              </a:rPr>
+              <a:t>'0'</a:t>
+            </a:r>
+            <a:r>
+              <a:rPr lang="en-US" altLang="ko-KR" sz="1800" dirty="0">
+                <a:solidFill>
+                  <a:srgbClr val="000000"/>
+                </a:solidFill>
+                <a:effectLst/>
+                <a:latin typeface="Consolas" panose="020B0609020204030204" pitchFamily="49" charset="0"/>
+              </a:rPr>
+              <a:t>;</a:t>
+            </a:r>
+          </a:p>
+          <a:p>
+            <a:pPr marL="0" marR="0">
+              <a:spcBef>
+                <a:spcPts val="0"/>
+              </a:spcBef>
+              <a:spcAft>
+                <a:spcPts val="0"/>
+              </a:spcAft>
+            </a:pPr>
+            <a:r>
+              <a:rPr lang="en-US" altLang="ko-KR" sz="1800" dirty="0">
+                <a:solidFill>
+                  <a:srgbClr val="000000"/>
+                </a:solidFill>
+                <a:effectLst/>
+                <a:latin typeface="Consolas" panose="020B0609020204030204" pitchFamily="49" charset="0"/>
+              </a:rPr>
+              <a:t>}</a:t>
+            </a:r>
+          </a:p>
+          <a:p>
+            <a:pPr marL="0" marR="0">
+              <a:spcBef>
+                <a:spcPts val="0"/>
+              </a:spcBef>
+              <a:spcAft>
+                <a:spcPts val="0"/>
+              </a:spcAft>
+            </a:pPr>
+            <a:r>
+              <a:rPr lang="en-US" altLang="ko-KR" sz="1800" dirty="0">
+                <a:solidFill>
+                  <a:srgbClr val="000000"/>
+                </a:solidFill>
+                <a:effectLst/>
+                <a:latin typeface="Consolas" panose="020B0609020204030204" pitchFamily="49" charset="0"/>
+              </a:rPr>
+              <a:t>}</a:t>
+            </a:r>
+          </a:p>
+        </p:txBody>
+      </p:sp>
+    </p:spTree>
+    <p:extLst>
+      <p:ext uri="{BB962C8B-B14F-4D97-AF65-F5344CB8AC3E}">
+        <p14:creationId xmlns:p14="http://schemas.microsoft.com/office/powerpoint/2010/main" val="4029943399"/>
+      </p:ext>
+    </p:extLst>
+  </p:cSld>
+  <p:clrMapOvr>
+    <a:masterClrMapping/>
+  </p:clrMapOvr>
+</p:sld>
+</file>
+
+<file path=ppt/slides/slide5.xml><?xml version="1.0" encoding="utf-8"?>
+<p:sld xmlns:a="http://schemas.openxmlformats.org/drawingml/2006/main" xmlns:r="http://schemas.openxmlformats.org/officeDocument/2006/relationships" xmlns:p="http://schemas.openxmlformats.org/presentationml/2006/main">
+  <p:cSld>
+    <p:spTree>
+      <p:nvGrpSpPr>
+        <p:cNvPr id="1" name=""/>
+        <p:cNvGrpSpPr/>
+        <p:nvPr/>
+      </p:nvGrpSpPr>
+      <p:grpSpPr>
+        <a:xfrm>
+          <a:off x="0" y="0"/>
+          <a:ext cx="0" cy="0"/>
+          <a:chOff x="0" y="0"/>
+          <a:chExt cx="0" cy="0"/>
+        </a:xfrm>
+      </p:grpSpPr>
+      <p:pic>
+        <p:nvPicPr>
+          <p:cNvPr id="3" name="그림 2">
+            <a:extLst>
+              <a:ext uri="{FF2B5EF4-FFF2-40B4-BE49-F238E27FC236}">
+                <a16:creationId xmlns:a16="http://schemas.microsoft.com/office/drawing/2014/main" id="{7A5C4658-CD25-E924-4A68-5EE7A7CF7403}"/>
+              </a:ext>
+            </a:extLst>
+          </p:cNvPr>
+          <p:cNvPicPr>
+            <a:picLocks noChangeAspect="1"/>
+          </p:cNvPicPr>
+          <p:nvPr/>
+        </p:nvPicPr>
+        <p:blipFill>
+          <a:blip r:embed="rId2"/>
+          <a:stretch>
+            <a:fillRect/>
+          </a:stretch>
+        </p:blipFill>
+        <p:spPr>
+          <a:xfrm>
+            <a:off x="604071" y="2704999"/>
+            <a:ext cx="10983858" cy="1448002"/>
+          </a:xfrm>
+          <a:prstGeom prst="rect">
+            <a:avLst/>
+          </a:prstGeom>
+        </p:spPr>
+      </p:pic>
+      <p:pic>
+        <p:nvPicPr>
+          <p:cNvPr id="5" name="그림 4">
+            <a:extLst>
+              <a:ext uri="{FF2B5EF4-FFF2-40B4-BE49-F238E27FC236}">
+                <a16:creationId xmlns:a16="http://schemas.microsoft.com/office/drawing/2014/main" id="{C5098D0F-8F41-EF4F-F30B-24B8FCEA95D5}"/>
+              </a:ext>
+            </a:extLst>
+          </p:cNvPr>
+          <p:cNvPicPr>
+            <a:picLocks noChangeAspect="1"/>
+          </p:cNvPicPr>
+          <p:nvPr/>
+        </p:nvPicPr>
+        <p:blipFill>
+          <a:blip r:embed="rId3"/>
+          <a:stretch>
+            <a:fillRect/>
+          </a:stretch>
+        </p:blipFill>
+        <p:spPr>
+          <a:xfrm>
+            <a:off x="2190205" y="7136266"/>
+            <a:ext cx="7811590" cy="1086002"/>
+          </a:xfrm>
+          <a:prstGeom prst="rect">
+            <a:avLst/>
+          </a:prstGeom>
+        </p:spPr>
+      </p:pic>
+    </p:spTree>
+    <p:extLst>
+      <p:ext uri="{BB962C8B-B14F-4D97-AF65-F5344CB8AC3E}">
+        <p14:creationId xmlns:p14="http://schemas.microsoft.com/office/powerpoint/2010/main" val="2797689473"/>
+      </p:ext>
+    </p:extLst>
+  </p:cSld>
+  <p:clrMapOvr>
+    <a:masterClrMapping/>
+  </p:clrMapOvr>
+  <p:timing>
+    <p:tnLst>
+      <p:par>
+        <p:cTn id="1" dur="indefinite" restart="never" nodeType="tmRoot">
+          <p:childTnLst>
+            <p:seq concurrent="1" nextAc="seek">
+              <p:cTn id="2" dur="indefinite" nodeType="mainSeq">
+                <p:childTnLst>
+                  <p:par>
+                    <p:cTn id="3" fill="hold">
+                      <p:stCondLst>
+                        <p:cond delay="indefinite"/>
+                      </p:stCondLst>
+                      <p:childTnLst>
+                        <p:par>
+                          <p:cTn id="4" fill="hold">
+                            <p:stCondLst>
+                              <p:cond delay="0"/>
+                            </p:stCondLst>
+                            <p:childTnLst>
+                              <p:par>
+                                <p:cTn id="5" presetID="42" presetClass="path" presetSubtype="0" accel="50000" decel="50000" fill="hold" nodeType="clickEffect">
+                                  <p:stCondLst>
+                                    <p:cond delay="0"/>
+                                  </p:stCondLst>
+                                  <p:childTnLst>
+                                    <p:animMotion origin="layout" path="M 0 0 L 0 -0.26782 " pathEditMode="relative" rAng="0" ptsTypes="AA">
+                                      <p:cBhvr>
+                                        <p:cTn id="6" dur="2000" fill="hold"/>
+                                        <p:tgtEl>
+                                          <p:spTgt spid="3"/>
+                                        </p:tgtEl>
+                                        <p:attrNameLst>
+                                          <p:attrName>ppt_x</p:attrName>
+                                          <p:attrName>ppt_y</p:attrName>
+                                        </p:attrNameLst>
+                                      </p:cBhvr>
+                                      <p:rCtr x="0" y="-13403"/>
+                                    </p:animMotion>
+                                  </p:childTnLst>
+                                </p:cTn>
+                              </p:par>
+                            </p:childTnLst>
+                          </p:cTn>
+                        </p:par>
+                      </p:childTnLst>
+                    </p:cTn>
+                  </p:par>
+                  <p:par>
+                    <p:cTn id="7" fill="hold">
+                      <p:stCondLst>
+                        <p:cond delay="indefinite"/>
+                      </p:stCondLst>
+                      <p:childTnLst>
+                        <p:par>
+                          <p:cTn id="8" fill="hold">
+                            <p:stCondLst>
+                              <p:cond delay="0"/>
+                            </p:stCondLst>
+                            <p:childTnLst>
+                              <p:par>
+                                <p:cTn id="9" presetID="42" presetClass="path" presetSubtype="0" accel="50000" decel="50000" fill="hold" nodeType="clickEffect">
+                                  <p:stCondLst>
+                                    <p:cond delay="0"/>
+                                  </p:stCondLst>
+                                  <p:childTnLst>
+                                    <p:animMotion origin="layout" path="M 0 4.07407E-6 L 0 -0.37338 " pathEditMode="relative" rAng="0" ptsTypes="AA">
+                                      <p:cBhvr>
+                                        <p:cTn id="10" dur="2000" fill="hold"/>
+                                        <p:tgtEl>
+                                          <p:spTgt spid="5"/>
+                                        </p:tgtEl>
+                                        <p:attrNameLst>
+                                          <p:attrName>ppt_x</p:attrName>
+                                          <p:attrName>ppt_y</p:attrName>
+                                        </p:attrNameLst>
+                                      </p:cBhvr>
+                                      <p:rCtr x="0" y="-18681"/>
+                                    </p:animMotion>
+                                  </p:childTnLst>
+                                </p:cTn>
+                              </p:par>
+                            </p:childTnLst>
+                          </p:cTn>
+                        </p:par>
+                      </p:childTnLst>
+                    </p:cTn>
+                  </p:par>
+                </p:childTnLst>
+              </p:cTn>
+              <p:prevCondLst>
+                <p:cond evt="onPrev" delay="0">
+                  <p:tgtEl>
+                    <p:sldTgt/>
+                  </p:tgtEl>
+                </p:cond>
+              </p:prevCondLst>
+              <p:nextCondLst>
+                <p:cond evt="onNext" delay="0">
+                  <p:tgtEl>
+                    <p:sldTgt/>
+                  </p:tgtEl>
+                </p:cond>
+              </p:nextCondLst>
+            </p:seq>
+          </p:childTnLst>
+        </p:cTn>
+      </p:par>
+    </p:tnLst>
+  </p:timing>
+</p:sld>
+</file>
+
+<file path=ppt/slides/slide6.xml><?xml version="1.0" encoding="utf-8"?>
+<p:sld xmlns:a="http://schemas.openxmlformats.org/drawingml/2006/main" xmlns:r="http://schemas.openxmlformats.org/officeDocument/2006/relationships" xmlns:p="http://schemas.openxmlformats.org/presentationml/2006/main">
+  <p:cSld>
+    <p:spTree>
+      <p:nvGrpSpPr>
+        <p:cNvPr id="1" name=""/>
+        <p:cNvGrpSpPr/>
+        <p:nvPr/>
+      </p:nvGrpSpPr>
+      <p:grpSpPr>
+        <a:xfrm>
+          <a:off x="0" y="0"/>
+          <a:ext cx="0" cy="0"/>
+          <a:chOff x="0" y="0"/>
+          <a:chExt cx="0" cy="0"/>
+        </a:xfrm>
+      </p:grpSpPr>
+      <p:sp>
+        <p:nvSpPr>
+          <p:cNvPr id="3" name="내용 개체 틀 2"/>
+          <p:cNvSpPr>
+            <a:spLocks noGrp="1"/>
+          </p:cNvSpPr>
+          <p:nvPr>
+            <p:ph idx="1"/>
+          </p:nvPr>
+        </p:nvSpPr>
+        <p:spPr>
+          <a:xfrm>
+            <a:off x="838200" y="682625"/>
+            <a:ext cx="10515600" cy="4351338"/>
+          </a:xfrm>
+        </p:spPr>
+        <p:txBody>
+          <a:bodyPr/>
+          <a:lstStyle/>
+          <a:p>
+            <a:r>
+              <a:rPr lang="ko-KR" altLang="en-US" dirty="0"/>
+              <a:t>우선순위 큐로 넣고 순서를 뽑아냈다</a:t>
+            </a:r>
+          </a:p>
+        </p:txBody>
+      </p:sp>
+      <p:sp>
+        <p:nvSpPr>
+          <p:cNvPr id="4" name="직사각형 3"/>
+          <p:cNvSpPr/>
+          <p:nvPr/>
+        </p:nvSpPr>
+        <p:spPr>
+          <a:xfrm>
+            <a:off x="838200" y="1340644"/>
+            <a:ext cx="6096000" cy="3693319"/>
+          </a:xfrm>
+          <a:prstGeom prst="rect">
+            <a:avLst/>
+          </a:prstGeom>
+        </p:spPr>
+        <p:txBody>
+          <a:bodyPr>
+            <a:spAutoFit/>
+          </a:bodyPr>
+          <a:lstStyle/>
+          <a:p>
+            <a:r>
+              <a:rPr lang="en-US" altLang="ko-KR" dirty="0" err="1">
+                <a:solidFill>
+                  <a:srgbClr val="000000"/>
+                </a:solidFill>
+                <a:latin typeface="Consolas" panose="020B0609020204030204" pitchFamily="49" charset="0"/>
+              </a:rPr>
+              <a:t>PriorityQueue</a:t>
+            </a:r>
+            <a:r>
+              <a:rPr lang="en-US" altLang="ko-KR" dirty="0">
+                <a:solidFill>
+                  <a:srgbClr val="000000"/>
+                </a:solidFill>
+                <a:latin typeface="Consolas" panose="020B0609020204030204" pitchFamily="49" charset="0"/>
+              </a:rPr>
+              <a:t>&lt;Integer&gt; </a:t>
+            </a:r>
+            <a:r>
+              <a:rPr lang="en-US" altLang="ko-KR" dirty="0">
+                <a:solidFill>
+                  <a:srgbClr val="6A3E3E"/>
+                </a:solidFill>
+                <a:latin typeface="Consolas" panose="020B0609020204030204" pitchFamily="49" charset="0"/>
+              </a:rPr>
+              <a:t>queue</a:t>
+            </a:r>
+            <a:r>
+              <a:rPr lang="en-US" altLang="ko-KR" dirty="0">
+                <a:solidFill>
+                  <a:srgbClr val="000000"/>
+                </a:solidFill>
+                <a:latin typeface="Consolas" panose="020B0609020204030204" pitchFamily="49" charset="0"/>
+              </a:rPr>
+              <a:t> = </a:t>
+            </a:r>
+            <a:r>
+              <a:rPr lang="en-US" altLang="ko-KR" b="1" dirty="0">
+                <a:solidFill>
+                  <a:srgbClr val="7F0055"/>
+                </a:solidFill>
+                <a:latin typeface="Consolas" panose="020B0609020204030204" pitchFamily="49" charset="0"/>
+              </a:rPr>
+              <a:t>new</a:t>
+            </a:r>
+            <a:r>
+              <a:rPr lang="en-US" altLang="ko-KR" b="1" dirty="0">
+                <a:solidFill>
+                  <a:srgbClr val="000000"/>
+                </a:solidFill>
+                <a:latin typeface="Consolas" panose="020B0609020204030204" pitchFamily="49" charset="0"/>
+              </a:rPr>
+              <a:t> </a:t>
+            </a:r>
+            <a:r>
+              <a:rPr lang="en-US" altLang="ko-KR" b="1" dirty="0" err="1">
+                <a:solidFill>
+                  <a:srgbClr val="000000"/>
+                </a:solidFill>
+                <a:latin typeface="Consolas" panose="020B0609020204030204" pitchFamily="49" charset="0"/>
+              </a:rPr>
+              <a:t>PriorityQueue</a:t>
+            </a:r>
+            <a:r>
+              <a:rPr lang="en-US" altLang="ko-KR" b="1" dirty="0">
+                <a:solidFill>
+                  <a:srgbClr val="000000"/>
+                </a:solidFill>
+                <a:latin typeface="Consolas" panose="020B0609020204030204" pitchFamily="49" charset="0"/>
+              </a:rPr>
+              <a:t>&lt;&gt;();</a:t>
+            </a:r>
+          </a:p>
+          <a:p>
+            <a:endParaRPr lang="ko-KR" altLang="en-US" dirty="0">
+              <a:latin typeface="Consolas" panose="020B0609020204030204" pitchFamily="49" charset="0"/>
+            </a:endParaRPr>
+          </a:p>
+          <a:p>
+            <a:r>
+              <a:rPr lang="en-US" altLang="ko-KR" b="1" dirty="0">
+                <a:solidFill>
+                  <a:srgbClr val="7F0055"/>
+                </a:solidFill>
+                <a:latin typeface="Consolas" panose="020B0609020204030204" pitchFamily="49" charset="0"/>
+              </a:rPr>
+              <a:t>for</a:t>
+            </a:r>
+            <a:r>
+              <a:rPr lang="en-US" altLang="ko-KR" b="1" dirty="0">
+                <a:solidFill>
+                  <a:srgbClr val="000000"/>
+                </a:solidFill>
+                <a:latin typeface="Consolas" panose="020B0609020204030204" pitchFamily="49" charset="0"/>
+              </a:rPr>
+              <a:t> (</a:t>
+            </a:r>
+            <a:r>
+              <a:rPr lang="en-US" altLang="ko-KR" b="1" dirty="0" err="1">
+                <a:solidFill>
+                  <a:srgbClr val="7F0055"/>
+                </a:solidFill>
+                <a:latin typeface="Consolas" panose="020B0609020204030204" pitchFamily="49" charset="0"/>
+              </a:rPr>
+              <a:t>int</a:t>
+            </a:r>
+            <a:r>
+              <a:rPr lang="en-US" altLang="ko-KR" b="1" dirty="0">
+                <a:solidFill>
+                  <a:srgbClr val="000000"/>
+                </a:solidFill>
+                <a:latin typeface="Consolas" panose="020B0609020204030204" pitchFamily="49" charset="0"/>
+              </a:rPr>
+              <a:t> </a:t>
+            </a:r>
+            <a:r>
+              <a:rPr lang="en-US" altLang="ko-KR" b="1" dirty="0">
+                <a:solidFill>
+                  <a:srgbClr val="6A3E3E"/>
+                </a:solidFill>
+                <a:latin typeface="Consolas" panose="020B0609020204030204" pitchFamily="49" charset="0"/>
+              </a:rPr>
+              <a:t>j</a:t>
+            </a:r>
+            <a:r>
+              <a:rPr lang="en-US" altLang="ko-KR" b="1" dirty="0">
+                <a:solidFill>
+                  <a:srgbClr val="000000"/>
+                </a:solidFill>
+                <a:latin typeface="Consolas" panose="020B0609020204030204" pitchFamily="49" charset="0"/>
+              </a:rPr>
+              <a:t> = 0; </a:t>
+            </a:r>
+            <a:r>
+              <a:rPr lang="en-US" altLang="ko-KR" b="1" dirty="0">
+                <a:solidFill>
+                  <a:srgbClr val="6A3E3E"/>
+                </a:solidFill>
+                <a:latin typeface="Consolas" panose="020B0609020204030204" pitchFamily="49" charset="0"/>
+              </a:rPr>
+              <a:t>j</a:t>
+            </a:r>
+            <a:r>
+              <a:rPr lang="en-US" altLang="ko-KR" b="1" dirty="0">
+                <a:solidFill>
+                  <a:srgbClr val="000000"/>
+                </a:solidFill>
+                <a:latin typeface="Consolas" panose="020B0609020204030204" pitchFamily="49" charset="0"/>
+              </a:rPr>
+              <a:t> &lt; </a:t>
+            </a:r>
+            <a:r>
+              <a:rPr lang="en-US" altLang="ko-KR" b="1" i="1" dirty="0">
+                <a:solidFill>
+                  <a:srgbClr val="0000C0"/>
+                </a:solidFill>
+                <a:latin typeface="Consolas" panose="020B0609020204030204" pitchFamily="49" charset="0"/>
+              </a:rPr>
+              <a:t>N</a:t>
+            </a:r>
+            <a:r>
+              <a:rPr lang="en-US" altLang="ko-KR" b="1" i="1" dirty="0">
+                <a:solidFill>
+                  <a:srgbClr val="000000"/>
+                </a:solidFill>
+                <a:latin typeface="Consolas" panose="020B0609020204030204" pitchFamily="49" charset="0"/>
+              </a:rPr>
+              <a:t>; </a:t>
+            </a:r>
+            <a:r>
+              <a:rPr lang="en-US" altLang="ko-KR" b="1" i="1" dirty="0" err="1">
+                <a:solidFill>
+                  <a:srgbClr val="6A3E3E"/>
+                </a:solidFill>
+                <a:latin typeface="Consolas" panose="020B0609020204030204" pitchFamily="49" charset="0"/>
+              </a:rPr>
+              <a:t>j</a:t>
+            </a:r>
+            <a:r>
+              <a:rPr lang="en-US" altLang="ko-KR" b="1" i="1" dirty="0" err="1">
+                <a:solidFill>
+                  <a:srgbClr val="000000"/>
+                </a:solidFill>
+                <a:latin typeface="Consolas" panose="020B0609020204030204" pitchFamily="49" charset="0"/>
+              </a:rPr>
+              <a:t>++</a:t>
+            </a:r>
+            <a:r>
+              <a:rPr lang="en-US" altLang="ko-KR" b="1" i="1" dirty="0">
+                <a:solidFill>
+                  <a:srgbClr val="000000"/>
+                </a:solidFill>
+                <a:latin typeface="Consolas" panose="020B0609020204030204" pitchFamily="49" charset="0"/>
+              </a:rPr>
+              <a:t>) {</a:t>
+            </a:r>
+          </a:p>
+          <a:p>
+            <a:r>
+              <a:rPr lang="nn-NO" altLang="ko-KR" b="1" dirty="0">
+                <a:solidFill>
+                  <a:srgbClr val="7F0055"/>
+                </a:solidFill>
+                <a:latin typeface="Consolas" panose="020B0609020204030204" pitchFamily="49" charset="0"/>
+              </a:rPr>
+              <a:t>for</a:t>
+            </a:r>
+            <a:r>
+              <a:rPr lang="nn-NO" altLang="ko-KR" b="1" dirty="0">
+                <a:solidFill>
+                  <a:srgbClr val="000000"/>
+                </a:solidFill>
+                <a:latin typeface="Consolas" panose="020B0609020204030204" pitchFamily="49" charset="0"/>
+              </a:rPr>
+              <a:t> (</a:t>
+            </a:r>
+            <a:r>
+              <a:rPr lang="nn-NO" altLang="ko-KR" b="1" dirty="0">
+                <a:solidFill>
+                  <a:srgbClr val="7F0055"/>
+                </a:solidFill>
+                <a:latin typeface="Consolas" panose="020B0609020204030204" pitchFamily="49" charset="0"/>
+              </a:rPr>
+              <a:t>int</a:t>
+            </a:r>
+            <a:r>
+              <a:rPr lang="nn-NO" altLang="ko-KR" b="1" dirty="0">
+                <a:solidFill>
+                  <a:srgbClr val="000000"/>
+                </a:solidFill>
+                <a:latin typeface="Consolas" panose="020B0609020204030204" pitchFamily="49" charset="0"/>
+              </a:rPr>
+              <a:t> </a:t>
+            </a:r>
+            <a:r>
+              <a:rPr lang="nn-NO" altLang="ko-KR" b="1" dirty="0">
+                <a:solidFill>
+                  <a:srgbClr val="6A3E3E"/>
+                </a:solidFill>
+                <a:latin typeface="Consolas" panose="020B0609020204030204" pitchFamily="49" charset="0"/>
+              </a:rPr>
+              <a:t>i</a:t>
+            </a:r>
+            <a:r>
+              <a:rPr lang="nn-NO" altLang="ko-KR" b="1" dirty="0">
+                <a:solidFill>
+                  <a:srgbClr val="000000"/>
+                </a:solidFill>
+                <a:latin typeface="Consolas" panose="020B0609020204030204" pitchFamily="49" charset="0"/>
+              </a:rPr>
+              <a:t> = 0; </a:t>
+            </a:r>
+            <a:r>
+              <a:rPr lang="nn-NO" altLang="ko-KR" b="1" dirty="0">
+                <a:solidFill>
+                  <a:srgbClr val="6A3E3E"/>
+                </a:solidFill>
+                <a:latin typeface="Consolas" panose="020B0609020204030204" pitchFamily="49" charset="0"/>
+              </a:rPr>
+              <a:t>i</a:t>
+            </a:r>
+            <a:r>
+              <a:rPr lang="nn-NO" altLang="ko-KR" b="1" dirty="0">
+                <a:solidFill>
+                  <a:srgbClr val="000000"/>
+                </a:solidFill>
+                <a:latin typeface="Consolas" panose="020B0609020204030204" pitchFamily="49" charset="0"/>
+              </a:rPr>
+              <a:t> &lt; </a:t>
+            </a:r>
+            <a:r>
+              <a:rPr lang="nn-NO" altLang="ko-KR" b="1" i="1" dirty="0">
+                <a:solidFill>
+                  <a:srgbClr val="0000C0"/>
+                </a:solidFill>
+                <a:latin typeface="Consolas" panose="020B0609020204030204" pitchFamily="49" charset="0"/>
+              </a:rPr>
+              <a:t>N</a:t>
+            </a:r>
+            <a:r>
+              <a:rPr lang="nn-NO" altLang="ko-KR" b="1" i="1" dirty="0">
+                <a:solidFill>
+                  <a:srgbClr val="000000"/>
+                </a:solidFill>
+                <a:latin typeface="Consolas" panose="020B0609020204030204" pitchFamily="49" charset="0"/>
+              </a:rPr>
+              <a:t>; </a:t>
+            </a:r>
+            <a:r>
+              <a:rPr lang="nn-NO" altLang="ko-KR" b="1" i="1" dirty="0">
+                <a:solidFill>
+                  <a:srgbClr val="6A3E3E"/>
+                </a:solidFill>
+                <a:latin typeface="Consolas" panose="020B0609020204030204" pitchFamily="49" charset="0"/>
+              </a:rPr>
+              <a:t>i</a:t>
+            </a:r>
+            <a:r>
+              <a:rPr lang="nn-NO" altLang="ko-KR" b="1" i="1" dirty="0">
+                <a:solidFill>
+                  <a:srgbClr val="000000"/>
+                </a:solidFill>
+                <a:latin typeface="Consolas" panose="020B0609020204030204" pitchFamily="49" charset="0"/>
+              </a:rPr>
+              <a:t>++) {</a:t>
+            </a:r>
+          </a:p>
+          <a:p>
+            <a:r>
+              <a:rPr lang="en-US" altLang="ko-KR" b="1" dirty="0">
+                <a:solidFill>
+                  <a:srgbClr val="7F0055"/>
+                </a:solidFill>
+                <a:latin typeface="Consolas" panose="020B0609020204030204" pitchFamily="49" charset="0"/>
+              </a:rPr>
+              <a:t>if</a:t>
+            </a:r>
+            <a:r>
+              <a:rPr lang="en-US" altLang="ko-KR" b="1" dirty="0">
+                <a:solidFill>
+                  <a:srgbClr val="000000"/>
+                </a:solidFill>
+                <a:latin typeface="Consolas" panose="020B0609020204030204" pitchFamily="49" charset="0"/>
+              </a:rPr>
+              <a:t> (</a:t>
+            </a:r>
+            <a:r>
+              <a:rPr lang="en-US" altLang="ko-KR" b="1" i="1" dirty="0">
+                <a:solidFill>
+                  <a:srgbClr val="0000C0"/>
+                </a:solidFill>
+                <a:latin typeface="Consolas" panose="020B0609020204030204" pitchFamily="49" charset="0"/>
+              </a:rPr>
+              <a:t>map</a:t>
+            </a:r>
+            <a:r>
+              <a:rPr lang="en-US" altLang="ko-KR" b="1" i="1" dirty="0">
+                <a:solidFill>
+                  <a:srgbClr val="000000"/>
+                </a:solidFill>
+                <a:latin typeface="Consolas" panose="020B0609020204030204" pitchFamily="49" charset="0"/>
+              </a:rPr>
+              <a:t>[</a:t>
+            </a:r>
+            <a:r>
+              <a:rPr lang="en-US" altLang="ko-KR" b="1" i="1" dirty="0" err="1">
+                <a:solidFill>
+                  <a:srgbClr val="6A3E3E"/>
+                </a:solidFill>
+                <a:latin typeface="Consolas" panose="020B0609020204030204" pitchFamily="49" charset="0"/>
+              </a:rPr>
+              <a:t>i</a:t>
+            </a:r>
+            <a:r>
+              <a:rPr lang="en-US" altLang="ko-KR" b="1" i="1" dirty="0">
+                <a:solidFill>
+                  <a:srgbClr val="000000"/>
+                </a:solidFill>
+                <a:latin typeface="Consolas" panose="020B0609020204030204" pitchFamily="49" charset="0"/>
+              </a:rPr>
+              <a:t>][</a:t>
+            </a:r>
+            <a:r>
+              <a:rPr lang="en-US" altLang="ko-KR" b="1" i="1" dirty="0">
+                <a:solidFill>
+                  <a:srgbClr val="6A3E3E"/>
+                </a:solidFill>
+                <a:latin typeface="Consolas" panose="020B0609020204030204" pitchFamily="49" charset="0"/>
+              </a:rPr>
+              <a:t>j</a:t>
+            </a:r>
+            <a:r>
+              <a:rPr lang="en-US" altLang="ko-KR" b="1" i="1" dirty="0">
+                <a:solidFill>
+                  <a:srgbClr val="000000"/>
+                </a:solidFill>
+                <a:latin typeface="Consolas" panose="020B0609020204030204" pitchFamily="49" charset="0"/>
+              </a:rPr>
+              <a:t>] == 1 &amp;&amp; !</a:t>
+            </a:r>
+            <a:r>
+              <a:rPr lang="en-US" altLang="ko-KR" b="1" i="1" dirty="0">
+                <a:solidFill>
+                  <a:srgbClr val="0000C0"/>
+                </a:solidFill>
+                <a:latin typeface="Consolas" panose="020B0609020204030204" pitchFamily="49" charset="0"/>
+              </a:rPr>
+              <a:t>visit</a:t>
+            </a:r>
+            <a:r>
+              <a:rPr lang="en-US" altLang="ko-KR" b="1" i="1" dirty="0">
+                <a:solidFill>
+                  <a:srgbClr val="000000"/>
+                </a:solidFill>
+                <a:latin typeface="Consolas" panose="020B0609020204030204" pitchFamily="49" charset="0"/>
+              </a:rPr>
+              <a:t>[</a:t>
+            </a:r>
+            <a:r>
+              <a:rPr lang="en-US" altLang="ko-KR" b="1" i="1" dirty="0" err="1">
+                <a:solidFill>
+                  <a:srgbClr val="6A3E3E"/>
+                </a:solidFill>
+                <a:latin typeface="Consolas" panose="020B0609020204030204" pitchFamily="49" charset="0"/>
+              </a:rPr>
+              <a:t>i</a:t>
+            </a:r>
+            <a:r>
+              <a:rPr lang="en-US" altLang="ko-KR" b="1" i="1" dirty="0">
+                <a:solidFill>
+                  <a:srgbClr val="000000"/>
+                </a:solidFill>
+                <a:latin typeface="Consolas" panose="020B0609020204030204" pitchFamily="49" charset="0"/>
+              </a:rPr>
+              <a:t>][</a:t>
+            </a:r>
+            <a:r>
+              <a:rPr lang="en-US" altLang="ko-KR" b="1" i="1" dirty="0">
+                <a:solidFill>
+                  <a:srgbClr val="6A3E3E"/>
+                </a:solidFill>
+                <a:latin typeface="Consolas" panose="020B0609020204030204" pitchFamily="49" charset="0"/>
+              </a:rPr>
+              <a:t>j</a:t>
+            </a:r>
+            <a:r>
+              <a:rPr lang="en-US" altLang="ko-KR" b="1" i="1" dirty="0">
+                <a:solidFill>
+                  <a:srgbClr val="000000"/>
+                </a:solidFill>
+                <a:latin typeface="Consolas" panose="020B0609020204030204" pitchFamily="49" charset="0"/>
+              </a:rPr>
+              <a:t>]) {</a:t>
+            </a:r>
+          </a:p>
+          <a:p>
+            <a:r>
+              <a:rPr lang="en-US" altLang="ko-KR" i="1" dirty="0" err="1">
+                <a:solidFill>
+                  <a:srgbClr val="000000"/>
+                </a:solidFill>
+                <a:latin typeface="Consolas" panose="020B0609020204030204" pitchFamily="49" charset="0"/>
+              </a:rPr>
+              <a:t>dfs</a:t>
+            </a:r>
+            <a:r>
+              <a:rPr lang="en-US" altLang="ko-KR" i="1" dirty="0">
+                <a:solidFill>
+                  <a:srgbClr val="000000"/>
+                </a:solidFill>
+                <a:latin typeface="Consolas" panose="020B0609020204030204" pitchFamily="49" charset="0"/>
+              </a:rPr>
+              <a:t>(</a:t>
+            </a:r>
+            <a:r>
+              <a:rPr lang="en-US" altLang="ko-KR" i="1" dirty="0" err="1">
+                <a:solidFill>
+                  <a:srgbClr val="6A3E3E"/>
+                </a:solidFill>
+                <a:latin typeface="Consolas" panose="020B0609020204030204" pitchFamily="49" charset="0"/>
+              </a:rPr>
+              <a:t>i</a:t>
+            </a:r>
+            <a:r>
+              <a:rPr lang="en-US" altLang="ko-KR" i="1" dirty="0">
+                <a:solidFill>
+                  <a:srgbClr val="000000"/>
+                </a:solidFill>
+                <a:latin typeface="Consolas" panose="020B0609020204030204" pitchFamily="49" charset="0"/>
+              </a:rPr>
+              <a:t>, </a:t>
+            </a:r>
+            <a:r>
+              <a:rPr lang="en-US" altLang="ko-KR" i="1" dirty="0">
+                <a:solidFill>
+                  <a:srgbClr val="6A3E3E"/>
+                </a:solidFill>
+                <a:latin typeface="Consolas" panose="020B0609020204030204" pitchFamily="49" charset="0"/>
+              </a:rPr>
+              <a:t>j</a:t>
+            </a:r>
+            <a:r>
+              <a:rPr lang="en-US" altLang="ko-KR" i="1" dirty="0">
+                <a:solidFill>
+                  <a:srgbClr val="000000"/>
+                </a:solidFill>
+                <a:latin typeface="Consolas" panose="020B0609020204030204" pitchFamily="49" charset="0"/>
+              </a:rPr>
+              <a:t>);</a:t>
+            </a:r>
+          </a:p>
+          <a:p>
+            <a:r>
+              <a:rPr lang="en-US" altLang="ko-KR" dirty="0" err="1">
+                <a:solidFill>
+                  <a:srgbClr val="6A3E3E"/>
+                </a:solidFill>
+                <a:latin typeface="Consolas" panose="020B0609020204030204" pitchFamily="49" charset="0"/>
+              </a:rPr>
+              <a:t>queue</a:t>
+            </a:r>
+            <a:r>
+              <a:rPr lang="en-US" altLang="ko-KR" dirty="0" err="1">
+                <a:solidFill>
+                  <a:srgbClr val="000000"/>
+                </a:solidFill>
+                <a:latin typeface="Consolas" panose="020B0609020204030204" pitchFamily="49" charset="0"/>
+              </a:rPr>
+              <a:t>.offer</a:t>
+            </a:r>
+            <a:r>
+              <a:rPr lang="en-US" altLang="ko-KR" dirty="0">
+                <a:solidFill>
+                  <a:srgbClr val="000000"/>
+                </a:solidFill>
+                <a:latin typeface="Consolas" panose="020B0609020204030204" pitchFamily="49" charset="0"/>
+              </a:rPr>
+              <a:t>(</a:t>
+            </a:r>
+            <a:r>
+              <a:rPr lang="en-US" altLang="ko-KR" i="1" dirty="0" err="1">
+                <a:solidFill>
+                  <a:srgbClr val="0000C0"/>
+                </a:solidFill>
+                <a:latin typeface="Consolas" panose="020B0609020204030204" pitchFamily="49" charset="0"/>
+              </a:rPr>
+              <a:t>cnt</a:t>
+            </a:r>
+            <a:r>
+              <a:rPr lang="en-US" altLang="ko-KR" i="1" dirty="0">
+                <a:solidFill>
+                  <a:srgbClr val="000000"/>
+                </a:solidFill>
+                <a:latin typeface="Consolas" panose="020B0609020204030204" pitchFamily="49" charset="0"/>
+              </a:rPr>
+              <a:t>);</a:t>
+            </a:r>
+          </a:p>
+          <a:p>
+            <a:endParaRPr lang="ko-KR" altLang="en-US" dirty="0">
+              <a:latin typeface="Consolas" panose="020B0609020204030204" pitchFamily="49" charset="0"/>
+            </a:endParaRPr>
+          </a:p>
+          <a:p>
+            <a:r>
+              <a:rPr lang="en-US" altLang="ko-KR" i="1" dirty="0" err="1">
+                <a:solidFill>
+                  <a:srgbClr val="0000C0"/>
+                </a:solidFill>
+                <a:latin typeface="Consolas" panose="020B0609020204030204" pitchFamily="49" charset="0"/>
+              </a:rPr>
+              <a:t>cnt</a:t>
+            </a:r>
+            <a:r>
+              <a:rPr lang="en-US" altLang="ko-KR" i="1" dirty="0">
+                <a:solidFill>
+                  <a:srgbClr val="000000"/>
+                </a:solidFill>
+                <a:latin typeface="Consolas" panose="020B0609020204030204" pitchFamily="49" charset="0"/>
+              </a:rPr>
+              <a:t> = 0;</a:t>
+            </a:r>
+          </a:p>
+          <a:p>
+            <a:r>
+              <a:rPr lang="en-US" altLang="ko-KR" i="1" dirty="0" err="1">
+                <a:solidFill>
+                  <a:srgbClr val="0000C0"/>
+                </a:solidFill>
+                <a:latin typeface="Consolas" panose="020B0609020204030204" pitchFamily="49" charset="0"/>
+              </a:rPr>
+              <a:t>idx</a:t>
+            </a:r>
+            <a:r>
+              <a:rPr lang="en-US" altLang="ko-KR" i="1" dirty="0">
+                <a:solidFill>
+                  <a:srgbClr val="000000"/>
+                </a:solidFill>
+                <a:latin typeface="Consolas" panose="020B0609020204030204" pitchFamily="49" charset="0"/>
+              </a:rPr>
+              <a:t>++;</a:t>
+            </a:r>
+          </a:p>
+          <a:p>
+            <a:r>
+              <a:rPr lang="en-US" altLang="ko-KR" dirty="0">
+                <a:solidFill>
+                  <a:srgbClr val="000000"/>
+                </a:solidFill>
+                <a:latin typeface="Consolas" panose="020B0609020204030204" pitchFamily="49" charset="0"/>
+              </a:rPr>
+              <a:t>}</a:t>
+            </a:r>
+          </a:p>
+          <a:p>
+            <a:r>
+              <a:rPr lang="en-US" altLang="ko-KR" dirty="0">
+                <a:solidFill>
+                  <a:srgbClr val="000000"/>
+                </a:solidFill>
+                <a:latin typeface="Consolas" panose="020B0609020204030204" pitchFamily="49" charset="0"/>
+              </a:rPr>
+              <a:t>}</a:t>
+            </a:r>
+            <a:endParaRPr lang="ko-KR" altLang="en-US" dirty="0"/>
+          </a:p>
+        </p:txBody>
+      </p:sp>
+    </p:spTree>
+    <p:extLst>
+      <p:ext uri="{BB962C8B-B14F-4D97-AF65-F5344CB8AC3E}">
+        <p14:creationId xmlns:p14="http://schemas.microsoft.com/office/powerpoint/2010/main" val="2162344267"/>
+      </p:ext>
+    </p:extLst>
+  </p:cSld>
+  <p:clrMapOvr>
+    <a:masterClrMapping/>
+  </p:clrMapOvr>
+</p:sld>
+</file>
+
+<file path=ppt/slides/slide7.xml><?xml version="1.0" encoding="utf-8"?>
+<p:sld xmlns:a="http://schemas.openxmlformats.org/drawingml/2006/main" xmlns:r="http://schemas.openxmlformats.org/officeDocument/2006/relationships" xmlns:p="http://schemas.openxmlformats.org/presentationml/2006/main">
+  <p:cSld>
+    <p:spTree>
+      <p:nvGrpSpPr>
+        <p:cNvPr id="1" name=""/>
+        <p:cNvGrpSpPr/>
+        <p:nvPr/>
+      </p:nvGrpSpPr>
+      <p:grpSpPr>
+        <a:xfrm>
+          <a:off x="0" y="0"/>
+          <a:ext cx="0" cy="0"/>
+          <a:chOff x="0" y="0"/>
+          <a:chExt cx="0" cy="0"/>
+        </a:xfrm>
+      </p:grpSpPr>
+      <p:sp>
+        <p:nvSpPr>
+          <p:cNvPr id="2" name="제목 1">
+            <a:extLst>
+              <a:ext uri="{FF2B5EF4-FFF2-40B4-BE49-F238E27FC236}">
+                <a16:creationId xmlns:a16="http://schemas.microsoft.com/office/drawing/2014/main" id="{8A26A952-DF85-72BA-C521-82BF92CD85F8}"/>
+              </a:ext>
+            </a:extLst>
+          </p:cNvPr>
           <p:cNvSpPr>
             <a:spLocks noGrp="1"/>
           </p:cNvSpPr>
@@ -3603,7 +6277,13 @@
       </p:sp>
       <p:sp>
         <p:nvSpPr>
-          <p:cNvPr id="3" name="내용 개체 틀 2"/>
+          <p:cNvPr id="3" name="내용 개체 틀 2">
+            <a:extLst>
+              <a:ext uri="{FF2B5EF4-FFF2-40B4-BE49-F238E27FC236}">
+                <a16:creationId xmlns:a16="http://schemas.microsoft.com/office/drawing/2014/main" id="{4E8808AF-A2AB-8678-B3FE-A91FC95CCE80}"/>
+              </a:ext>
+            </a:extLst>
+          </p:cNvPr>
           <p:cNvSpPr>
             <a:spLocks noGrp="1"/>
           </p:cNvSpPr>
@@ -3611,656 +6291,1140 @@
             <p:ph idx="1"/>
           </p:nvPr>
         </p:nvSpPr>
-        <p:spPr/>
+        <p:spPr>
+          <a:xfrm>
+            <a:off x="5808133" y="1825625"/>
+            <a:ext cx="5545666" cy="4351338"/>
+          </a:xfrm>
+        </p:spPr>
         <p:txBody>
           <a:bodyPr/>
           <a:lstStyle/>
           <a:p>
             <a:r>
-              <a:rPr lang="ko-KR" altLang="en-US" dirty="0" smtClean="0"/>
-              <a:t>우선순위 큐로 넣고 돌렸다</a:t>
-            </a:r>
-            <a:r>
-              <a:rPr lang="en-US" altLang="ko-KR" dirty="0" smtClean="0"/>
-              <a:t>.</a:t>
-            </a:r>
-            <a:endParaRPr lang="ko-KR" altLang="en-US" dirty="0"/>
+              <a:rPr lang="en-US" altLang="ko-KR" dirty="0"/>
+              <a:t>DFS</a:t>
+            </a:r>
+            <a:r>
+              <a:rPr lang="ko-KR" altLang="en-US" dirty="0"/>
+              <a:t>로 풀었다</a:t>
+            </a:r>
           </a:p>
         </p:txBody>
       </p:sp>
       <p:sp>
         <p:nvSpPr>
-          <p:cNvPr id="4" name="직사각형 3"/>
-          <p:cNvSpPr/>
+          <p:cNvPr id="5" name="TextBox 4">
+            <a:extLst>
+              <a:ext uri="{FF2B5EF4-FFF2-40B4-BE49-F238E27FC236}">
+                <a16:creationId xmlns:a16="http://schemas.microsoft.com/office/drawing/2014/main" id="{E4F4CCAB-E007-3C7F-7421-5F6DACA59EB5}"/>
+              </a:ext>
+            </a:extLst>
+          </p:cNvPr>
+          <p:cNvSpPr txBox="1"/>
           <p:nvPr/>
         </p:nvSpPr>
         <p:spPr>
           <a:xfrm>
-            <a:off x="838200" y="2483644"/>
-            <a:ext cx="6096000" cy="3693319"/>
+            <a:off x="838200" y="1929646"/>
+            <a:ext cx="6096000" cy="4247317"/>
           </a:xfrm>
           <a:prstGeom prst="rect">
             <a:avLst/>
           </a:prstGeom>
+          <a:noFill/>
         </p:spPr>
         <p:txBody>
-          <a:bodyPr>
+          <a:bodyPr wrap="square">
             <a:spAutoFit/>
           </a:bodyPr>
           <a:lstStyle/>
           <a:p>
-            <a:r>
-              <a:rPr lang="en-US" altLang="ko-KR" dirty="0" err="1">
-                <a:solidFill>
-                  <a:srgbClr val="000000"/>
-                </a:solidFill>
-                <a:latin typeface="Consolas" panose="020B0609020204030204" pitchFamily="49" charset="0"/>
-              </a:rPr>
-              <a:t>PriorityQueue</a:t>
-            </a:r>
-            <a:r>
-              <a:rPr lang="en-US" altLang="ko-KR" dirty="0">
-                <a:solidFill>
-                  <a:srgbClr val="000000"/>
-                </a:solidFill>
-                <a:latin typeface="Consolas" panose="020B0609020204030204" pitchFamily="49" charset="0"/>
-              </a:rPr>
-              <a:t>&lt;Integer&gt; </a:t>
-            </a:r>
-            <a:r>
-              <a:rPr lang="en-US" altLang="ko-KR" dirty="0">
+            <a:pPr marL="0" marR="0">
+              <a:spcBef>
+                <a:spcPts val="0"/>
+              </a:spcBef>
+              <a:spcAft>
+                <a:spcPts val="0"/>
+              </a:spcAft>
+            </a:pPr>
+            <a:r>
+              <a:rPr lang="en-US" altLang="ko-KR" sz="1800" b="1" dirty="0">
+                <a:solidFill>
+                  <a:srgbClr val="7F0055"/>
+                </a:solidFill>
+                <a:effectLst/>
+                <a:latin typeface="Consolas" panose="020B0609020204030204" pitchFamily="49" charset="0"/>
+              </a:rPr>
+              <a:t>static</a:t>
+            </a:r>
+            <a:r>
+              <a:rPr lang="en-US" altLang="ko-KR" sz="1800" dirty="0">
+                <a:solidFill>
+                  <a:srgbClr val="000000"/>
+                </a:solidFill>
+                <a:effectLst/>
+                <a:latin typeface="Consolas" panose="020B0609020204030204" pitchFamily="49" charset="0"/>
+              </a:rPr>
+              <a:t> </a:t>
+            </a:r>
+            <a:r>
+              <a:rPr lang="en-US" altLang="ko-KR" sz="1800" b="1" dirty="0">
+                <a:solidFill>
+                  <a:srgbClr val="7F0055"/>
+                </a:solidFill>
+                <a:effectLst/>
+                <a:latin typeface="Consolas" panose="020B0609020204030204" pitchFamily="49" charset="0"/>
+              </a:rPr>
+              <a:t>void</a:t>
+            </a:r>
+            <a:r>
+              <a:rPr lang="en-US" altLang="ko-KR" sz="1800" dirty="0">
+                <a:solidFill>
+                  <a:srgbClr val="000000"/>
+                </a:solidFill>
+                <a:effectLst/>
+                <a:latin typeface="Consolas" panose="020B0609020204030204" pitchFamily="49" charset="0"/>
+              </a:rPr>
+              <a:t> </a:t>
+            </a:r>
+            <a:r>
+              <a:rPr lang="en-US" altLang="ko-KR" sz="1800" dirty="0" err="1">
+                <a:solidFill>
+                  <a:srgbClr val="000000"/>
+                </a:solidFill>
+                <a:effectLst/>
+                <a:latin typeface="Consolas" panose="020B0609020204030204" pitchFamily="49" charset="0"/>
+              </a:rPr>
+              <a:t>dfs</a:t>
+            </a:r>
+            <a:r>
+              <a:rPr lang="en-US" altLang="ko-KR" sz="1800" dirty="0">
+                <a:solidFill>
+                  <a:srgbClr val="000000"/>
+                </a:solidFill>
+                <a:effectLst/>
+                <a:latin typeface="Consolas" panose="020B0609020204030204" pitchFamily="49" charset="0"/>
+              </a:rPr>
+              <a:t>(</a:t>
+            </a:r>
+            <a:r>
+              <a:rPr lang="en-US" altLang="ko-KR" sz="1800" b="1" dirty="0">
+                <a:solidFill>
+                  <a:srgbClr val="7F0055"/>
+                </a:solidFill>
+                <a:effectLst/>
+                <a:latin typeface="Consolas" panose="020B0609020204030204" pitchFamily="49" charset="0"/>
+              </a:rPr>
+              <a:t>int</a:t>
+            </a:r>
+            <a:r>
+              <a:rPr lang="en-US" altLang="ko-KR" sz="1800" dirty="0">
+                <a:solidFill>
+                  <a:srgbClr val="000000"/>
+                </a:solidFill>
+                <a:effectLst/>
+                <a:latin typeface="Consolas" panose="020B0609020204030204" pitchFamily="49" charset="0"/>
+              </a:rPr>
+              <a:t> </a:t>
+            </a:r>
+            <a:r>
+              <a:rPr lang="en-US" altLang="ko-KR" sz="1800" dirty="0">
                 <a:solidFill>
                   <a:srgbClr val="6A3E3E"/>
                 </a:solidFill>
-                <a:latin typeface="Consolas" panose="020B0609020204030204" pitchFamily="49" charset="0"/>
-              </a:rPr>
-              <a:t>queue</a:t>
-            </a:r>
-            <a:r>
-              <a:rPr lang="en-US" altLang="ko-KR" dirty="0">
-                <a:solidFill>
-                  <a:srgbClr val="000000"/>
-                </a:solidFill>
-                <a:latin typeface="Consolas" panose="020B0609020204030204" pitchFamily="49" charset="0"/>
-              </a:rPr>
-              <a:t> = </a:t>
-            </a:r>
-            <a:r>
-              <a:rPr lang="en-US" altLang="ko-KR" b="1" dirty="0">
+                <a:effectLst/>
+                <a:latin typeface="Consolas" panose="020B0609020204030204" pitchFamily="49" charset="0"/>
+              </a:rPr>
+              <a:t>x</a:t>
+            </a:r>
+            <a:r>
+              <a:rPr lang="en-US" altLang="ko-KR" sz="1800" dirty="0">
+                <a:solidFill>
+                  <a:srgbClr val="000000"/>
+                </a:solidFill>
+                <a:effectLst/>
+                <a:latin typeface="Consolas" panose="020B0609020204030204" pitchFamily="49" charset="0"/>
+              </a:rPr>
+              <a:t>, </a:t>
+            </a:r>
+            <a:r>
+              <a:rPr lang="en-US" altLang="ko-KR" sz="1800" b="1" dirty="0">
                 <a:solidFill>
                   <a:srgbClr val="7F0055"/>
                 </a:solidFill>
-                <a:latin typeface="Consolas" panose="020B0609020204030204" pitchFamily="49" charset="0"/>
-              </a:rPr>
-              <a:t>new</a:t>
-            </a:r>
-            <a:r>
-              <a:rPr lang="en-US" altLang="ko-KR" b="1" dirty="0">
-                <a:solidFill>
-                  <a:srgbClr val="000000"/>
-                </a:solidFill>
+                <a:effectLst/>
+                <a:latin typeface="Consolas" panose="020B0609020204030204" pitchFamily="49" charset="0"/>
+              </a:rPr>
+              <a:t>int</a:t>
+            </a:r>
+            <a:r>
+              <a:rPr lang="en-US" altLang="ko-KR" sz="1800" dirty="0">
+                <a:solidFill>
+                  <a:srgbClr val="000000"/>
+                </a:solidFill>
+                <a:effectLst/>
                 <a:latin typeface="Consolas" panose="020B0609020204030204" pitchFamily="49" charset="0"/>
               </a:rPr>
               <a:t> </a:t>
             </a:r>
             <a:r>
-              <a:rPr lang="en-US" altLang="ko-KR" b="1" dirty="0" err="1">
-                <a:solidFill>
-                  <a:srgbClr val="000000"/>
-                </a:solidFill>
-                <a:latin typeface="Consolas" panose="020B0609020204030204" pitchFamily="49" charset="0"/>
-              </a:rPr>
-              <a:t>PriorityQueue</a:t>
-            </a:r>
-            <a:r>
-              <a:rPr lang="en-US" altLang="ko-KR" b="1" dirty="0">
-                <a:solidFill>
-                  <a:srgbClr val="000000"/>
-                </a:solidFill>
-                <a:latin typeface="Consolas" panose="020B0609020204030204" pitchFamily="49" charset="0"/>
-              </a:rPr>
-              <a:t>&lt;&gt;();</a:t>
-            </a:r>
-          </a:p>
-          <a:p>
-            <a:endParaRPr lang="ko-KR" altLang="en-US" dirty="0">
+              <a:rPr lang="en-US" altLang="ko-KR" sz="1800" dirty="0">
+                <a:solidFill>
+                  <a:srgbClr val="6A3E3E"/>
+                </a:solidFill>
+                <a:effectLst/>
+                <a:latin typeface="Consolas" panose="020B0609020204030204" pitchFamily="49" charset="0"/>
+              </a:rPr>
+              <a:t>y</a:t>
+            </a:r>
+            <a:r>
+              <a:rPr lang="en-US" altLang="ko-KR" sz="1800" dirty="0">
+                <a:solidFill>
+                  <a:srgbClr val="000000"/>
+                </a:solidFill>
+                <a:effectLst/>
+                <a:latin typeface="Consolas" panose="020B0609020204030204" pitchFamily="49" charset="0"/>
+              </a:rPr>
+              <a:t>) {</a:t>
+            </a:r>
+          </a:p>
+          <a:p>
+            <a:pPr marL="0" marR="0">
+              <a:spcBef>
+                <a:spcPts val="0"/>
+              </a:spcBef>
+              <a:spcAft>
+                <a:spcPts val="0"/>
+              </a:spcAft>
+            </a:pPr>
+            <a:r>
+              <a:rPr lang="en-US" altLang="ko-KR" sz="1800" b="1" dirty="0">
+                <a:solidFill>
+                  <a:srgbClr val="7F0055"/>
+                </a:solidFill>
+                <a:effectLst/>
+                <a:latin typeface="Consolas" panose="020B0609020204030204" pitchFamily="49" charset="0"/>
+              </a:rPr>
+              <a:t>if</a:t>
+            </a:r>
+            <a:r>
+              <a:rPr lang="en-US" altLang="ko-KR" sz="1800" dirty="0">
+                <a:solidFill>
+                  <a:srgbClr val="000000"/>
+                </a:solidFill>
+                <a:effectLst/>
+                <a:latin typeface="Consolas" panose="020B0609020204030204" pitchFamily="49" charset="0"/>
+              </a:rPr>
+              <a:t> (</a:t>
+            </a:r>
+            <a:r>
+              <a:rPr lang="en-US" altLang="ko-KR" sz="1800" dirty="0">
+                <a:solidFill>
+                  <a:srgbClr val="6A3E3E"/>
+                </a:solidFill>
+                <a:effectLst/>
+                <a:latin typeface="Consolas" panose="020B0609020204030204" pitchFamily="49" charset="0"/>
+              </a:rPr>
+              <a:t>x</a:t>
+            </a:r>
+            <a:r>
+              <a:rPr lang="en-US" altLang="ko-KR" sz="1800" dirty="0">
+                <a:solidFill>
+                  <a:srgbClr val="000000"/>
+                </a:solidFill>
+                <a:effectLst/>
+                <a:latin typeface="Consolas" panose="020B0609020204030204" pitchFamily="49" charset="0"/>
+              </a:rPr>
+              <a:t> &gt;= </a:t>
+            </a:r>
+            <a:r>
+              <a:rPr lang="en-US" altLang="ko-KR" sz="1800" i="1" dirty="0">
+                <a:solidFill>
+                  <a:srgbClr val="0000C0"/>
+                </a:solidFill>
+                <a:effectLst/>
+                <a:latin typeface="Consolas" panose="020B0609020204030204" pitchFamily="49" charset="0"/>
+              </a:rPr>
+              <a:t>N</a:t>
+            </a:r>
+            <a:r>
+              <a:rPr lang="en-US" altLang="ko-KR" sz="1800" dirty="0">
+                <a:solidFill>
+                  <a:srgbClr val="000000"/>
+                </a:solidFill>
+                <a:effectLst/>
+                <a:latin typeface="Consolas" panose="020B0609020204030204" pitchFamily="49" charset="0"/>
+              </a:rPr>
+              <a:t> || </a:t>
+            </a:r>
+            <a:r>
+              <a:rPr lang="en-US" altLang="ko-KR" sz="1800" dirty="0">
+                <a:solidFill>
+                  <a:srgbClr val="6A3E3E"/>
+                </a:solidFill>
+                <a:effectLst/>
+                <a:latin typeface="Consolas" panose="020B0609020204030204" pitchFamily="49" charset="0"/>
+              </a:rPr>
+              <a:t>x</a:t>
+            </a:r>
+            <a:r>
+              <a:rPr lang="en-US" altLang="ko-KR" sz="1800" dirty="0">
+                <a:solidFill>
+                  <a:srgbClr val="000000"/>
+                </a:solidFill>
+                <a:effectLst/>
+                <a:latin typeface="Consolas" panose="020B0609020204030204" pitchFamily="49" charset="0"/>
+              </a:rPr>
+              <a:t> &lt; 0 || </a:t>
+            </a:r>
+            <a:r>
+              <a:rPr lang="en-US" altLang="ko-KR" sz="1800" dirty="0">
+                <a:solidFill>
+                  <a:srgbClr val="6A3E3E"/>
+                </a:solidFill>
+                <a:effectLst/>
+                <a:latin typeface="Consolas" panose="020B0609020204030204" pitchFamily="49" charset="0"/>
+              </a:rPr>
+              <a:t>y</a:t>
+            </a:r>
+            <a:r>
+              <a:rPr lang="en-US" altLang="ko-KR" sz="1800" dirty="0">
+                <a:solidFill>
+                  <a:srgbClr val="000000"/>
+                </a:solidFill>
+                <a:effectLst/>
+                <a:latin typeface="Consolas" panose="020B0609020204030204" pitchFamily="49" charset="0"/>
+              </a:rPr>
+              <a:t> &gt;= </a:t>
+            </a:r>
+            <a:r>
+              <a:rPr lang="en-US" altLang="ko-KR" sz="1800" i="1" dirty="0">
+                <a:solidFill>
+                  <a:srgbClr val="0000C0"/>
+                </a:solidFill>
+                <a:effectLst/>
+                <a:latin typeface="Consolas" panose="020B0609020204030204" pitchFamily="49" charset="0"/>
+              </a:rPr>
+              <a:t>N</a:t>
+            </a:r>
+            <a:r>
+              <a:rPr lang="en-US" altLang="ko-KR" sz="1800" dirty="0">
+                <a:solidFill>
+                  <a:srgbClr val="000000"/>
+                </a:solidFill>
+                <a:effectLst/>
+                <a:latin typeface="Consolas" panose="020B0609020204030204" pitchFamily="49" charset="0"/>
+              </a:rPr>
+              <a:t> || </a:t>
+            </a:r>
+            <a:r>
+              <a:rPr lang="en-US" altLang="ko-KR" sz="1800" dirty="0">
+                <a:solidFill>
+                  <a:srgbClr val="6A3E3E"/>
+                </a:solidFill>
+                <a:effectLst/>
+                <a:latin typeface="Consolas" panose="020B0609020204030204" pitchFamily="49" charset="0"/>
+              </a:rPr>
+              <a:t>y</a:t>
+            </a:r>
+            <a:r>
+              <a:rPr lang="en-US" altLang="ko-KR" sz="1800" dirty="0">
+                <a:solidFill>
+                  <a:srgbClr val="000000"/>
+                </a:solidFill>
+                <a:effectLst/>
+                <a:latin typeface="Consolas" panose="020B0609020204030204" pitchFamily="49" charset="0"/>
+              </a:rPr>
+              <a:t> &lt; 0)</a:t>
+            </a:r>
+          </a:p>
+          <a:p>
+            <a:pPr marL="0" marR="0">
+              <a:spcBef>
+                <a:spcPts val="0"/>
+              </a:spcBef>
+              <a:spcAft>
+                <a:spcPts val="0"/>
+              </a:spcAft>
+            </a:pPr>
+            <a:r>
+              <a:rPr lang="en-US" altLang="ko-KR" sz="1800" b="1" dirty="0">
+                <a:solidFill>
+                  <a:srgbClr val="7F0055"/>
+                </a:solidFill>
+                <a:effectLst/>
+                <a:latin typeface="Consolas" panose="020B0609020204030204" pitchFamily="49" charset="0"/>
+              </a:rPr>
+              <a:t>return</a:t>
+            </a:r>
+            <a:r>
+              <a:rPr lang="en-US" altLang="ko-KR" sz="1800" dirty="0">
+                <a:solidFill>
+                  <a:srgbClr val="000000"/>
+                </a:solidFill>
+                <a:effectLst/>
+                <a:latin typeface="Consolas" panose="020B0609020204030204" pitchFamily="49" charset="0"/>
+              </a:rPr>
+              <a:t>;</a:t>
+            </a:r>
+            <a:r>
+              <a:rPr lang="en-US" altLang="ko-KR" sz="1800" dirty="0">
+                <a:solidFill>
+                  <a:srgbClr val="3F7F5F"/>
+                </a:solidFill>
+                <a:effectLst/>
+                <a:latin typeface="Consolas" panose="020B0609020204030204" pitchFamily="49" charset="0"/>
+              </a:rPr>
+              <a:t>// </a:t>
+            </a:r>
+            <a:r>
+              <a:rPr lang="ko-KR" altLang="en-US" sz="1800" dirty="0">
+                <a:solidFill>
+                  <a:srgbClr val="3F7F5F"/>
+                </a:solidFill>
+                <a:effectLst/>
+                <a:latin typeface="Consolas" panose="020B0609020204030204" pitchFamily="49" charset="0"/>
+              </a:rPr>
+              <a:t>범위 벗어났으니 </a:t>
+            </a:r>
+            <a:r>
+              <a:rPr lang="en-US" altLang="ko-KR" sz="1800" dirty="0">
+                <a:solidFill>
+                  <a:srgbClr val="3F7F5F"/>
+                </a:solidFill>
+                <a:effectLst/>
+                <a:latin typeface="Consolas" panose="020B0609020204030204" pitchFamily="49" charset="0"/>
+              </a:rPr>
+              <a:t>return</a:t>
+            </a:r>
+            <a:endParaRPr lang="en-US" altLang="ko-KR" sz="1800" dirty="0">
+              <a:solidFill>
+                <a:srgbClr val="000000"/>
+              </a:solidFill>
+              <a:effectLst/>
               <a:latin typeface="Consolas" panose="020B0609020204030204" pitchFamily="49" charset="0"/>
             </a:endParaRPr>
           </a:p>
           <a:p>
-            <a:r>
-              <a:rPr lang="en-US" altLang="ko-KR" b="1" dirty="0">
+            <a:pPr marL="0" marR="0">
+              <a:spcBef>
+                <a:spcPts val="0"/>
+              </a:spcBef>
+              <a:spcAft>
+                <a:spcPts val="0"/>
+              </a:spcAft>
+            </a:pPr>
+            <a:r>
+              <a:rPr lang="en-US" altLang="ko-KR" sz="1800" b="1" dirty="0">
                 <a:solidFill>
                   <a:srgbClr val="7F0055"/>
                 </a:solidFill>
-                <a:latin typeface="Consolas" panose="020B0609020204030204" pitchFamily="49" charset="0"/>
-              </a:rPr>
-              <a:t>for</a:t>
-            </a:r>
-            <a:r>
-              <a:rPr lang="en-US" altLang="ko-KR" b="1" dirty="0">
-                <a:solidFill>
-                  <a:srgbClr val="000000"/>
-                </a:solidFill>
+                <a:effectLst/>
+                <a:latin typeface="Consolas" panose="020B0609020204030204" pitchFamily="49" charset="0"/>
+              </a:rPr>
+              <a:t>if</a:t>
+            </a:r>
+            <a:r>
+              <a:rPr lang="en-US" altLang="ko-KR" sz="1800" dirty="0">
+                <a:solidFill>
+                  <a:srgbClr val="000000"/>
+                </a:solidFill>
+                <a:effectLst/>
                 <a:latin typeface="Consolas" panose="020B0609020204030204" pitchFamily="49" charset="0"/>
               </a:rPr>
               <a:t> (</a:t>
             </a:r>
             <a:r>
-              <a:rPr lang="en-US" altLang="ko-KR" b="1" dirty="0" err="1">
+              <a:rPr lang="en-US" altLang="ko-KR" sz="1800" i="1" dirty="0">
+                <a:solidFill>
+                  <a:srgbClr val="0000C0"/>
+                </a:solidFill>
+                <a:effectLst/>
+                <a:latin typeface="Consolas" panose="020B0609020204030204" pitchFamily="49" charset="0"/>
+              </a:rPr>
+              <a:t>map</a:t>
+            </a:r>
+            <a:r>
+              <a:rPr lang="en-US" altLang="ko-KR" sz="1800" dirty="0">
+                <a:solidFill>
+                  <a:srgbClr val="000000"/>
+                </a:solidFill>
+                <a:effectLst/>
+                <a:latin typeface="Consolas" panose="020B0609020204030204" pitchFamily="49" charset="0"/>
+              </a:rPr>
+              <a:t>[</a:t>
+            </a:r>
+            <a:r>
+              <a:rPr lang="en-US" altLang="ko-KR" sz="1800" dirty="0">
+                <a:solidFill>
+                  <a:srgbClr val="6A3E3E"/>
+                </a:solidFill>
+                <a:effectLst/>
+                <a:latin typeface="Consolas" panose="020B0609020204030204" pitchFamily="49" charset="0"/>
+              </a:rPr>
+              <a:t>x</a:t>
+            </a:r>
+            <a:r>
+              <a:rPr lang="en-US" altLang="ko-KR" sz="1800" dirty="0">
+                <a:solidFill>
+                  <a:srgbClr val="000000"/>
+                </a:solidFill>
+                <a:effectLst/>
+                <a:latin typeface="Consolas" panose="020B0609020204030204" pitchFamily="49" charset="0"/>
+              </a:rPr>
+              <a:t>][</a:t>
+            </a:r>
+            <a:r>
+              <a:rPr lang="en-US" altLang="ko-KR" sz="1800" dirty="0">
+                <a:solidFill>
+                  <a:srgbClr val="6A3E3E"/>
+                </a:solidFill>
+                <a:effectLst/>
+                <a:latin typeface="Consolas" panose="020B0609020204030204" pitchFamily="49" charset="0"/>
+              </a:rPr>
+              <a:t>y</a:t>
+            </a:r>
+            <a:r>
+              <a:rPr lang="en-US" altLang="ko-KR" sz="1800" dirty="0">
+                <a:solidFill>
+                  <a:srgbClr val="000000"/>
+                </a:solidFill>
+                <a:effectLst/>
+                <a:latin typeface="Consolas" panose="020B0609020204030204" pitchFamily="49" charset="0"/>
+              </a:rPr>
+              <a:t>] == 0)</a:t>
+            </a:r>
+          </a:p>
+          <a:p>
+            <a:pPr marL="0" marR="0">
+              <a:spcBef>
+                <a:spcPts val="0"/>
+              </a:spcBef>
+              <a:spcAft>
+                <a:spcPts val="0"/>
+              </a:spcAft>
+            </a:pPr>
+            <a:r>
+              <a:rPr lang="en-US" altLang="ko-KR" sz="1800" b="1" dirty="0">
                 <a:solidFill>
                   <a:srgbClr val="7F0055"/>
                 </a:solidFill>
-                <a:latin typeface="Consolas" panose="020B0609020204030204" pitchFamily="49" charset="0"/>
-              </a:rPr>
-              <a:t>int</a:t>
-            </a:r>
-            <a:r>
-              <a:rPr lang="en-US" altLang="ko-KR" b="1" dirty="0">
-                <a:solidFill>
-                  <a:srgbClr val="000000"/>
-                </a:solidFill>
-                <a:latin typeface="Consolas" panose="020B0609020204030204" pitchFamily="49" charset="0"/>
-              </a:rPr>
-              <a:t> </a:t>
-            </a:r>
-            <a:r>
-              <a:rPr lang="en-US" altLang="ko-KR" b="1" dirty="0">
-                <a:solidFill>
-                  <a:srgbClr val="6A3E3E"/>
-                </a:solidFill>
-                <a:latin typeface="Consolas" panose="020B0609020204030204" pitchFamily="49" charset="0"/>
-              </a:rPr>
-              <a:t>j</a:t>
-            </a:r>
-            <a:r>
-              <a:rPr lang="en-US" altLang="ko-KR" b="1" dirty="0">
-                <a:solidFill>
-                  <a:srgbClr val="000000"/>
-                </a:solidFill>
-                <a:latin typeface="Consolas" panose="020B0609020204030204" pitchFamily="49" charset="0"/>
-              </a:rPr>
-              <a:t> = 0; </a:t>
-            </a:r>
-            <a:r>
-              <a:rPr lang="en-US" altLang="ko-KR" b="1" dirty="0">
-                <a:solidFill>
-                  <a:srgbClr val="6A3E3E"/>
-                </a:solidFill>
-                <a:latin typeface="Consolas" panose="020B0609020204030204" pitchFamily="49" charset="0"/>
-              </a:rPr>
-              <a:t>j</a:t>
-            </a:r>
-            <a:r>
-              <a:rPr lang="en-US" altLang="ko-KR" b="1" dirty="0">
-                <a:solidFill>
-                  <a:srgbClr val="000000"/>
-                </a:solidFill>
-                <a:latin typeface="Consolas" panose="020B0609020204030204" pitchFamily="49" charset="0"/>
-              </a:rPr>
-              <a:t> &lt; </a:t>
-            </a:r>
-            <a:r>
-              <a:rPr lang="en-US" altLang="ko-KR" b="1" i="1" dirty="0">
-                <a:solidFill>
-                  <a:srgbClr val="0000C0"/>
-                </a:solidFill>
-                <a:latin typeface="Consolas" panose="020B0609020204030204" pitchFamily="49" charset="0"/>
-              </a:rPr>
-              <a:t>N</a:t>
-            </a:r>
-            <a:r>
-              <a:rPr lang="en-US" altLang="ko-KR" b="1" i="1" dirty="0">
-                <a:solidFill>
-                  <a:srgbClr val="000000"/>
-                </a:solidFill>
-                <a:latin typeface="Consolas" panose="020B0609020204030204" pitchFamily="49" charset="0"/>
-              </a:rPr>
-              <a:t>; </a:t>
-            </a:r>
-            <a:r>
-              <a:rPr lang="en-US" altLang="ko-KR" b="1" i="1" dirty="0" err="1">
-                <a:solidFill>
-                  <a:srgbClr val="6A3E3E"/>
-                </a:solidFill>
-                <a:latin typeface="Consolas" panose="020B0609020204030204" pitchFamily="49" charset="0"/>
-              </a:rPr>
-              <a:t>j</a:t>
-            </a:r>
-            <a:r>
-              <a:rPr lang="en-US" altLang="ko-KR" b="1" i="1" dirty="0" err="1">
-                <a:solidFill>
-                  <a:srgbClr val="000000"/>
-                </a:solidFill>
-                <a:latin typeface="Consolas" panose="020B0609020204030204" pitchFamily="49" charset="0"/>
-              </a:rPr>
-              <a:t>++</a:t>
-            </a:r>
-            <a:r>
-              <a:rPr lang="en-US" altLang="ko-KR" b="1" i="1" dirty="0">
-                <a:solidFill>
-                  <a:srgbClr val="000000"/>
-                </a:solidFill>
-                <a:latin typeface="Consolas" panose="020B0609020204030204" pitchFamily="49" charset="0"/>
-              </a:rPr>
-              <a:t>) {</a:t>
-            </a:r>
-          </a:p>
-          <a:p>
-            <a:r>
-              <a:rPr lang="nn-NO" altLang="ko-KR" b="1" dirty="0">
-                <a:solidFill>
-                  <a:srgbClr val="7F0055"/>
-                </a:solidFill>
-                <a:latin typeface="Consolas" panose="020B0609020204030204" pitchFamily="49" charset="0"/>
-              </a:rPr>
-              <a:t>for</a:t>
-            </a:r>
-            <a:r>
-              <a:rPr lang="nn-NO" altLang="ko-KR" b="1" dirty="0">
-                <a:solidFill>
-                  <a:srgbClr val="000000"/>
-                </a:solidFill>
-                <a:latin typeface="Consolas" panose="020B0609020204030204" pitchFamily="49" charset="0"/>
-              </a:rPr>
-              <a:t> (</a:t>
-            </a:r>
-            <a:r>
-              <a:rPr lang="nn-NO" altLang="ko-KR" b="1" dirty="0">
-                <a:solidFill>
-                  <a:srgbClr val="7F0055"/>
-                </a:solidFill>
-                <a:latin typeface="Consolas" panose="020B0609020204030204" pitchFamily="49" charset="0"/>
-              </a:rPr>
-              <a:t>int</a:t>
-            </a:r>
-            <a:r>
-              <a:rPr lang="nn-NO" altLang="ko-KR" b="1" dirty="0">
-                <a:solidFill>
-                  <a:srgbClr val="000000"/>
-                </a:solidFill>
-                <a:latin typeface="Consolas" panose="020B0609020204030204" pitchFamily="49" charset="0"/>
-              </a:rPr>
-              <a:t> </a:t>
-            </a:r>
-            <a:r>
-              <a:rPr lang="nn-NO" altLang="ko-KR" b="1" dirty="0">
-                <a:solidFill>
-                  <a:srgbClr val="6A3E3E"/>
-                </a:solidFill>
-                <a:latin typeface="Consolas" panose="020B0609020204030204" pitchFamily="49" charset="0"/>
-              </a:rPr>
-              <a:t>i</a:t>
-            </a:r>
-            <a:r>
-              <a:rPr lang="nn-NO" altLang="ko-KR" b="1" dirty="0">
-                <a:solidFill>
-                  <a:srgbClr val="000000"/>
-                </a:solidFill>
-                <a:latin typeface="Consolas" panose="020B0609020204030204" pitchFamily="49" charset="0"/>
-              </a:rPr>
-              <a:t> = 0; </a:t>
-            </a:r>
-            <a:r>
-              <a:rPr lang="nn-NO" altLang="ko-KR" b="1" dirty="0">
-                <a:solidFill>
-                  <a:srgbClr val="6A3E3E"/>
-                </a:solidFill>
-                <a:latin typeface="Consolas" panose="020B0609020204030204" pitchFamily="49" charset="0"/>
-              </a:rPr>
-              <a:t>i</a:t>
-            </a:r>
-            <a:r>
-              <a:rPr lang="nn-NO" altLang="ko-KR" b="1" dirty="0">
-                <a:solidFill>
-                  <a:srgbClr val="000000"/>
-                </a:solidFill>
-                <a:latin typeface="Consolas" panose="020B0609020204030204" pitchFamily="49" charset="0"/>
-              </a:rPr>
-              <a:t> &lt; </a:t>
-            </a:r>
-            <a:r>
-              <a:rPr lang="nn-NO" altLang="ko-KR" b="1" i="1" dirty="0">
-                <a:solidFill>
-                  <a:srgbClr val="0000C0"/>
-                </a:solidFill>
-                <a:latin typeface="Consolas" panose="020B0609020204030204" pitchFamily="49" charset="0"/>
-              </a:rPr>
-              <a:t>N</a:t>
-            </a:r>
-            <a:r>
-              <a:rPr lang="nn-NO" altLang="ko-KR" b="1" i="1" dirty="0">
-                <a:solidFill>
-                  <a:srgbClr val="000000"/>
-                </a:solidFill>
-                <a:latin typeface="Consolas" panose="020B0609020204030204" pitchFamily="49" charset="0"/>
-              </a:rPr>
-              <a:t>; </a:t>
-            </a:r>
-            <a:r>
-              <a:rPr lang="nn-NO" altLang="ko-KR" b="1" i="1" dirty="0">
-                <a:solidFill>
-                  <a:srgbClr val="6A3E3E"/>
-                </a:solidFill>
-                <a:latin typeface="Consolas" panose="020B0609020204030204" pitchFamily="49" charset="0"/>
-              </a:rPr>
-              <a:t>i</a:t>
-            </a:r>
-            <a:r>
-              <a:rPr lang="nn-NO" altLang="ko-KR" b="1" i="1" dirty="0">
-                <a:solidFill>
-                  <a:srgbClr val="000000"/>
-                </a:solidFill>
-                <a:latin typeface="Consolas" panose="020B0609020204030204" pitchFamily="49" charset="0"/>
-              </a:rPr>
-              <a:t>++) {</a:t>
-            </a:r>
-          </a:p>
-          <a:p>
-            <a:r>
-              <a:rPr lang="en-US" altLang="ko-KR" b="1" dirty="0">
-                <a:solidFill>
-                  <a:srgbClr val="7F0055"/>
-                </a:solidFill>
-                <a:latin typeface="Consolas" panose="020B0609020204030204" pitchFamily="49" charset="0"/>
-              </a:rPr>
-              <a:t>if</a:t>
-            </a:r>
-            <a:r>
-              <a:rPr lang="en-US" altLang="ko-KR" b="1" dirty="0">
-                <a:solidFill>
-                  <a:srgbClr val="000000"/>
-                </a:solidFill>
-                <a:latin typeface="Consolas" panose="020B0609020204030204" pitchFamily="49" charset="0"/>
-              </a:rPr>
-              <a:t> (</a:t>
-            </a:r>
-            <a:r>
-              <a:rPr lang="en-US" altLang="ko-KR" b="1" i="1" dirty="0">
-                <a:solidFill>
-                  <a:srgbClr val="0000C0"/>
-                </a:solidFill>
-                <a:latin typeface="Consolas" panose="020B0609020204030204" pitchFamily="49" charset="0"/>
-              </a:rPr>
-              <a:t>map</a:t>
-            </a:r>
-            <a:r>
-              <a:rPr lang="en-US" altLang="ko-KR" b="1" i="1" dirty="0">
-                <a:solidFill>
-                  <a:srgbClr val="000000"/>
-                </a:solidFill>
-                <a:latin typeface="Consolas" panose="020B0609020204030204" pitchFamily="49" charset="0"/>
-              </a:rPr>
-              <a:t>[</a:t>
-            </a:r>
-            <a:r>
-              <a:rPr lang="en-US" altLang="ko-KR" b="1" i="1" dirty="0" err="1">
-                <a:solidFill>
-                  <a:srgbClr val="6A3E3E"/>
-                </a:solidFill>
-                <a:latin typeface="Consolas" panose="020B0609020204030204" pitchFamily="49" charset="0"/>
-              </a:rPr>
-              <a:t>i</a:t>
-            </a:r>
-            <a:r>
-              <a:rPr lang="en-US" altLang="ko-KR" b="1" i="1" dirty="0">
-                <a:solidFill>
-                  <a:srgbClr val="000000"/>
-                </a:solidFill>
-                <a:latin typeface="Consolas" panose="020B0609020204030204" pitchFamily="49" charset="0"/>
-              </a:rPr>
-              <a:t>][</a:t>
-            </a:r>
-            <a:r>
-              <a:rPr lang="en-US" altLang="ko-KR" b="1" i="1" dirty="0">
-                <a:solidFill>
-                  <a:srgbClr val="6A3E3E"/>
-                </a:solidFill>
-                <a:latin typeface="Consolas" panose="020B0609020204030204" pitchFamily="49" charset="0"/>
-              </a:rPr>
-              <a:t>j</a:t>
-            </a:r>
-            <a:r>
-              <a:rPr lang="en-US" altLang="ko-KR" b="1" i="1" dirty="0">
-                <a:solidFill>
-                  <a:srgbClr val="000000"/>
-                </a:solidFill>
-                <a:latin typeface="Consolas" panose="020B0609020204030204" pitchFamily="49" charset="0"/>
-              </a:rPr>
-              <a:t>] == 1 &amp;&amp; !</a:t>
-            </a:r>
-            <a:r>
-              <a:rPr lang="en-US" altLang="ko-KR" b="1" i="1" dirty="0">
-                <a:solidFill>
-                  <a:srgbClr val="0000C0"/>
-                </a:solidFill>
-                <a:latin typeface="Consolas" panose="020B0609020204030204" pitchFamily="49" charset="0"/>
-              </a:rPr>
-              <a:t>visit</a:t>
-            </a:r>
-            <a:r>
-              <a:rPr lang="en-US" altLang="ko-KR" b="1" i="1" dirty="0">
-                <a:solidFill>
-                  <a:srgbClr val="000000"/>
-                </a:solidFill>
-                <a:latin typeface="Consolas" panose="020B0609020204030204" pitchFamily="49" charset="0"/>
-              </a:rPr>
-              <a:t>[</a:t>
-            </a:r>
-            <a:r>
-              <a:rPr lang="en-US" altLang="ko-KR" b="1" i="1" dirty="0" err="1">
-                <a:solidFill>
-                  <a:srgbClr val="6A3E3E"/>
-                </a:solidFill>
-                <a:latin typeface="Consolas" panose="020B0609020204030204" pitchFamily="49" charset="0"/>
-              </a:rPr>
-              <a:t>i</a:t>
-            </a:r>
-            <a:r>
-              <a:rPr lang="en-US" altLang="ko-KR" b="1" i="1" dirty="0">
-                <a:solidFill>
-                  <a:srgbClr val="000000"/>
-                </a:solidFill>
-                <a:latin typeface="Consolas" panose="020B0609020204030204" pitchFamily="49" charset="0"/>
-              </a:rPr>
-              <a:t>][</a:t>
-            </a:r>
-            <a:r>
-              <a:rPr lang="en-US" altLang="ko-KR" b="1" i="1" dirty="0">
-                <a:solidFill>
-                  <a:srgbClr val="6A3E3E"/>
-                </a:solidFill>
-                <a:latin typeface="Consolas" panose="020B0609020204030204" pitchFamily="49" charset="0"/>
-              </a:rPr>
-              <a:t>j</a:t>
-            </a:r>
-            <a:r>
-              <a:rPr lang="en-US" altLang="ko-KR" b="1" i="1" dirty="0">
-                <a:solidFill>
-                  <a:srgbClr val="000000"/>
-                </a:solidFill>
-                <a:latin typeface="Consolas" panose="020B0609020204030204" pitchFamily="49" charset="0"/>
-              </a:rPr>
-              <a:t>]) {</a:t>
-            </a:r>
-          </a:p>
-          <a:p>
-            <a:r>
-              <a:rPr lang="en-US" altLang="ko-KR" i="1" dirty="0" err="1">
-                <a:solidFill>
-                  <a:srgbClr val="000000"/>
-                </a:solidFill>
-                <a:latin typeface="Consolas" panose="020B0609020204030204" pitchFamily="49" charset="0"/>
-              </a:rPr>
-              <a:t>dfs</a:t>
-            </a:r>
-            <a:r>
-              <a:rPr lang="en-US" altLang="ko-KR" i="1" dirty="0">
-                <a:solidFill>
-                  <a:srgbClr val="000000"/>
-                </a:solidFill>
-                <a:latin typeface="Consolas" panose="020B0609020204030204" pitchFamily="49" charset="0"/>
-              </a:rPr>
-              <a:t>(</a:t>
-            </a:r>
-            <a:r>
-              <a:rPr lang="en-US" altLang="ko-KR" i="1" dirty="0" err="1">
-                <a:solidFill>
-                  <a:srgbClr val="6A3E3E"/>
-                </a:solidFill>
-                <a:latin typeface="Consolas" panose="020B0609020204030204" pitchFamily="49" charset="0"/>
-              </a:rPr>
-              <a:t>i</a:t>
-            </a:r>
-            <a:r>
-              <a:rPr lang="en-US" altLang="ko-KR" i="1" dirty="0">
-                <a:solidFill>
-                  <a:srgbClr val="000000"/>
-                </a:solidFill>
-                <a:latin typeface="Consolas" panose="020B0609020204030204" pitchFamily="49" charset="0"/>
-              </a:rPr>
-              <a:t>, </a:t>
-            </a:r>
-            <a:r>
-              <a:rPr lang="en-US" altLang="ko-KR" i="1" dirty="0">
-                <a:solidFill>
-                  <a:srgbClr val="6A3E3E"/>
-                </a:solidFill>
-                <a:latin typeface="Consolas" panose="020B0609020204030204" pitchFamily="49" charset="0"/>
-              </a:rPr>
-              <a:t>j</a:t>
-            </a:r>
-            <a:r>
-              <a:rPr lang="en-US" altLang="ko-KR" i="1" dirty="0">
-                <a:solidFill>
-                  <a:srgbClr val="000000"/>
-                </a:solidFill>
-                <a:latin typeface="Consolas" panose="020B0609020204030204" pitchFamily="49" charset="0"/>
-              </a:rPr>
-              <a:t>);</a:t>
-            </a:r>
-          </a:p>
-          <a:p>
-            <a:r>
-              <a:rPr lang="en-US" altLang="ko-KR" dirty="0" err="1">
-                <a:solidFill>
-                  <a:srgbClr val="6A3E3E"/>
-                </a:solidFill>
-                <a:latin typeface="Consolas" panose="020B0609020204030204" pitchFamily="49" charset="0"/>
-              </a:rPr>
-              <a:t>queue</a:t>
-            </a:r>
-            <a:r>
-              <a:rPr lang="en-US" altLang="ko-KR" dirty="0" err="1">
-                <a:solidFill>
-                  <a:srgbClr val="000000"/>
-                </a:solidFill>
-                <a:latin typeface="Consolas" panose="020B0609020204030204" pitchFamily="49" charset="0"/>
-              </a:rPr>
-              <a:t>.offer</a:t>
-            </a:r>
-            <a:r>
-              <a:rPr lang="en-US" altLang="ko-KR" dirty="0">
-                <a:solidFill>
-                  <a:srgbClr val="000000"/>
-                </a:solidFill>
-                <a:latin typeface="Consolas" panose="020B0609020204030204" pitchFamily="49" charset="0"/>
-              </a:rPr>
-              <a:t>(</a:t>
-            </a:r>
-            <a:r>
-              <a:rPr lang="en-US" altLang="ko-KR" i="1" dirty="0" err="1">
-                <a:solidFill>
-                  <a:srgbClr val="0000C0"/>
-                </a:solidFill>
-                <a:latin typeface="Consolas" panose="020B0609020204030204" pitchFamily="49" charset="0"/>
-              </a:rPr>
-              <a:t>cnt</a:t>
-            </a:r>
-            <a:r>
-              <a:rPr lang="en-US" altLang="ko-KR" i="1" dirty="0">
-                <a:solidFill>
-                  <a:srgbClr val="000000"/>
-                </a:solidFill>
-                <a:latin typeface="Consolas" panose="020B0609020204030204" pitchFamily="49" charset="0"/>
-              </a:rPr>
-              <a:t>);</a:t>
-            </a:r>
-          </a:p>
-          <a:p>
-            <a:endParaRPr lang="ko-KR" altLang="en-US" dirty="0">
+                <a:effectLst/>
+                <a:latin typeface="Consolas" panose="020B0609020204030204" pitchFamily="49" charset="0"/>
+              </a:rPr>
+              <a:t>return</a:t>
+            </a:r>
+            <a:r>
+              <a:rPr lang="en-US" altLang="ko-KR" sz="1800" dirty="0">
+                <a:solidFill>
+                  <a:srgbClr val="000000"/>
+                </a:solidFill>
+                <a:effectLst/>
+                <a:latin typeface="Consolas" panose="020B0609020204030204" pitchFamily="49" charset="0"/>
+              </a:rPr>
+              <a:t>;</a:t>
+            </a:r>
+            <a:r>
+              <a:rPr lang="en-US" altLang="ko-KR" sz="1800" dirty="0">
+                <a:solidFill>
+                  <a:srgbClr val="3F7F5F"/>
+                </a:solidFill>
+                <a:effectLst/>
+                <a:latin typeface="Consolas" panose="020B0609020204030204" pitchFamily="49" charset="0"/>
+              </a:rPr>
+              <a:t>// </a:t>
+            </a:r>
+            <a:r>
+              <a:rPr lang="ko-KR" altLang="en-US" sz="1800" dirty="0">
+                <a:solidFill>
+                  <a:srgbClr val="3F7F5F"/>
+                </a:solidFill>
+                <a:effectLst/>
+                <a:latin typeface="Consolas" panose="020B0609020204030204" pitchFamily="49" charset="0"/>
+              </a:rPr>
+              <a:t>빈 공간이면 </a:t>
+            </a:r>
+            <a:r>
+              <a:rPr lang="en-US" altLang="ko-KR" sz="1800" dirty="0">
+                <a:solidFill>
+                  <a:srgbClr val="3F7F5F"/>
+                </a:solidFill>
+                <a:effectLst/>
+                <a:latin typeface="Consolas" panose="020B0609020204030204" pitchFamily="49" charset="0"/>
+              </a:rPr>
+              <a:t>return</a:t>
+            </a:r>
+            <a:endParaRPr lang="en-US" altLang="ko-KR" sz="1800" dirty="0">
+              <a:solidFill>
+                <a:srgbClr val="000000"/>
+              </a:solidFill>
+              <a:effectLst/>
               <a:latin typeface="Consolas" panose="020B0609020204030204" pitchFamily="49" charset="0"/>
             </a:endParaRPr>
           </a:p>
           <a:p>
-            <a:r>
-              <a:rPr lang="en-US" altLang="ko-KR" i="1" dirty="0" err="1">
+            <a:pPr marL="0" marR="0">
+              <a:spcBef>
+                <a:spcPts val="0"/>
+              </a:spcBef>
+              <a:spcAft>
+                <a:spcPts val="0"/>
+              </a:spcAft>
+            </a:pPr>
+            <a:br>
+              <a:rPr lang="en-US" altLang="ko-KR" sz="1800" dirty="0">
+                <a:solidFill>
+                  <a:srgbClr val="000000"/>
+                </a:solidFill>
+                <a:effectLst/>
+                <a:latin typeface="Consolas" panose="020B0609020204030204" pitchFamily="49" charset="0"/>
+              </a:rPr>
+            </a:br>
+            <a:endParaRPr lang="en-US" altLang="ko-KR" sz="1800" dirty="0">
+              <a:solidFill>
+                <a:srgbClr val="000000"/>
+              </a:solidFill>
+              <a:effectLst/>
+              <a:latin typeface="Consolas" panose="020B0609020204030204" pitchFamily="49" charset="0"/>
+            </a:endParaRPr>
+          </a:p>
+          <a:p>
+            <a:pPr marL="0" marR="0">
+              <a:spcBef>
+                <a:spcPts val="0"/>
+              </a:spcBef>
+              <a:spcAft>
+                <a:spcPts val="0"/>
+              </a:spcAft>
+            </a:pPr>
+            <a:r>
+              <a:rPr lang="en-US" altLang="ko-KR" sz="1800" b="1" dirty="0">
+                <a:solidFill>
+                  <a:srgbClr val="7F0055"/>
+                </a:solidFill>
+                <a:effectLst/>
+                <a:latin typeface="Consolas" panose="020B0609020204030204" pitchFamily="49" charset="0"/>
+              </a:rPr>
+              <a:t>if</a:t>
+            </a:r>
+            <a:r>
+              <a:rPr lang="en-US" altLang="ko-KR" sz="1800" dirty="0">
+                <a:solidFill>
+                  <a:srgbClr val="000000"/>
+                </a:solidFill>
+                <a:effectLst/>
+                <a:latin typeface="Consolas" panose="020B0609020204030204" pitchFamily="49" charset="0"/>
+              </a:rPr>
+              <a:t> (!</a:t>
+            </a:r>
+            <a:r>
+              <a:rPr lang="en-US" altLang="ko-KR" sz="1800" i="1" dirty="0">
                 <a:solidFill>
                   <a:srgbClr val="0000C0"/>
                 </a:solidFill>
+                <a:effectLst/>
+                <a:latin typeface="Consolas" panose="020B0609020204030204" pitchFamily="49" charset="0"/>
+              </a:rPr>
+              <a:t>visit</a:t>
+            </a:r>
+            <a:r>
+              <a:rPr lang="en-US" altLang="ko-KR" sz="1800" dirty="0">
+                <a:solidFill>
+                  <a:srgbClr val="000000"/>
+                </a:solidFill>
+                <a:effectLst/>
+                <a:latin typeface="Consolas" panose="020B0609020204030204" pitchFamily="49" charset="0"/>
+              </a:rPr>
+              <a:t>[</a:t>
+            </a:r>
+            <a:r>
+              <a:rPr lang="en-US" altLang="ko-KR" sz="1800" dirty="0">
+                <a:solidFill>
+                  <a:srgbClr val="6A3E3E"/>
+                </a:solidFill>
+                <a:effectLst/>
+                <a:latin typeface="Consolas" panose="020B0609020204030204" pitchFamily="49" charset="0"/>
+              </a:rPr>
+              <a:t>x</a:t>
+            </a:r>
+            <a:r>
+              <a:rPr lang="en-US" altLang="ko-KR" sz="1800" dirty="0">
+                <a:solidFill>
+                  <a:srgbClr val="000000"/>
+                </a:solidFill>
+                <a:effectLst/>
+                <a:latin typeface="Consolas" panose="020B0609020204030204" pitchFamily="49" charset="0"/>
+              </a:rPr>
+              <a:t>][</a:t>
+            </a:r>
+            <a:r>
+              <a:rPr lang="en-US" altLang="ko-KR" sz="1800" dirty="0">
+                <a:solidFill>
+                  <a:srgbClr val="6A3E3E"/>
+                </a:solidFill>
+                <a:effectLst/>
+                <a:latin typeface="Consolas" panose="020B0609020204030204" pitchFamily="49" charset="0"/>
+              </a:rPr>
+              <a:t>y</a:t>
+            </a:r>
+            <a:r>
+              <a:rPr lang="en-US" altLang="ko-KR" sz="1800" dirty="0">
+                <a:solidFill>
+                  <a:srgbClr val="000000"/>
+                </a:solidFill>
+                <a:effectLst/>
+                <a:latin typeface="Consolas" panose="020B0609020204030204" pitchFamily="49" charset="0"/>
+              </a:rPr>
+              <a:t>]) {</a:t>
+            </a:r>
+          </a:p>
+          <a:p>
+            <a:pPr marL="0" marR="0">
+              <a:spcBef>
+                <a:spcPts val="0"/>
+              </a:spcBef>
+              <a:spcAft>
+                <a:spcPts val="0"/>
+              </a:spcAft>
+            </a:pPr>
+            <a:r>
+              <a:rPr lang="en-US" altLang="ko-KR" sz="1800" i="1" dirty="0" err="1">
+                <a:solidFill>
+                  <a:srgbClr val="0000C0"/>
+                </a:solidFill>
+                <a:effectLst/>
                 <a:latin typeface="Consolas" panose="020B0609020204030204" pitchFamily="49" charset="0"/>
               </a:rPr>
               <a:t>cnt</a:t>
             </a:r>
             <a:r>
-              <a:rPr lang="en-US" altLang="ko-KR" i="1" dirty="0">
-                <a:solidFill>
-                  <a:srgbClr val="000000"/>
-                </a:solidFill>
-                <a:latin typeface="Consolas" panose="020B0609020204030204" pitchFamily="49" charset="0"/>
-              </a:rPr>
-              <a:t> = 0;</a:t>
-            </a:r>
-          </a:p>
-          <a:p>
-            <a:r>
-              <a:rPr lang="en-US" altLang="ko-KR" i="1" dirty="0" err="1">
+              <a:rPr lang="en-US" altLang="ko-KR" sz="1800" dirty="0">
+                <a:solidFill>
+                  <a:srgbClr val="000000"/>
+                </a:solidFill>
+                <a:effectLst/>
+                <a:latin typeface="Consolas" panose="020B0609020204030204" pitchFamily="49" charset="0"/>
+              </a:rPr>
+              <a:t>++;</a:t>
+            </a:r>
+          </a:p>
+          <a:p>
+            <a:pPr marL="0" marR="0">
+              <a:spcBef>
+                <a:spcPts val="0"/>
+              </a:spcBef>
+              <a:spcAft>
+                <a:spcPts val="0"/>
+              </a:spcAft>
+            </a:pPr>
+            <a:r>
+              <a:rPr lang="en-US" altLang="ko-KR" sz="1800" i="1" dirty="0">
                 <a:solidFill>
                   <a:srgbClr val="0000C0"/>
                 </a:solidFill>
-                <a:latin typeface="Consolas" panose="020B0609020204030204" pitchFamily="49" charset="0"/>
-              </a:rPr>
-              <a:t>idx</a:t>
-            </a:r>
-            <a:r>
-              <a:rPr lang="en-US" altLang="ko-KR" i="1" dirty="0">
-                <a:solidFill>
-                  <a:srgbClr val="000000"/>
-                </a:solidFill>
-                <a:latin typeface="Consolas" panose="020B0609020204030204" pitchFamily="49" charset="0"/>
-              </a:rPr>
-              <a:t>++;</a:t>
-            </a:r>
-          </a:p>
-          <a:p>
-            <a:r>
-              <a:rPr lang="en-US" altLang="ko-KR" dirty="0">
-                <a:solidFill>
-                  <a:srgbClr val="000000"/>
-                </a:solidFill>
+                <a:effectLst/>
+                <a:latin typeface="Consolas" panose="020B0609020204030204" pitchFamily="49" charset="0"/>
+              </a:rPr>
+              <a:t>visit</a:t>
+            </a:r>
+            <a:r>
+              <a:rPr lang="en-US" altLang="ko-KR" sz="1800" dirty="0">
+                <a:solidFill>
+                  <a:srgbClr val="000000"/>
+                </a:solidFill>
+                <a:effectLst/>
+                <a:latin typeface="Consolas" panose="020B0609020204030204" pitchFamily="49" charset="0"/>
+              </a:rPr>
+              <a:t>[</a:t>
+            </a:r>
+            <a:r>
+              <a:rPr lang="en-US" altLang="ko-KR" sz="1800" dirty="0">
+                <a:solidFill>
+                  <a:srgbClr val="6A3E3E"/>
+                </a:solidFill>
+                <a:effectLst/>
+                <a:latin typeface="Consolas" panose="020B0609020204030204" pitchFamily="49" charset="0"/>
+              </a:rPr>
+              <a:t>x</a:t>
+            </a:r>
+            <a:r>
+              <a:rPr lang="en-US" altLang="ko-KR" sz="1800" dirty="0">
+                <a:solidFill>
+                  <a:srgbClr val="000000"/>
+                </a:solidFill>
+                <a:effectLst/>
+                <a:latin typeface="Consolas" panose="020B0609020204030204" pitchFamily="49" charset="0"/>
+              </a:rPr>
+              <a:t>][</a:t>
+            </a:r>
+            <a:r>
+              <a:rPr lang="en-US" altLang="ko-KR" sz="1800" dirty="0">
+                <a:solidFill>
+                  <a:srgbClr val="6A3E3E"/>
+                </a:solidFill>
+                <a:effectLst/>
+                <a:latin typeface="Consolas" panose="020B0609020204030204" pitchFamily="49" charset="0"/>
+              </a:rPr>
+              <a:t>y</a:t>
+            </a:r>
+            <a:r>
+              <a:rPr lang="en-US" altLang="ko-KR" sz="1800" dirty="0">
+                <a:solidFill>
+                  <a:srgbClr val="000000"/>
+                </a:solidFill>
+                <a:effectLst/>
+                <a:latin typeface="Consolas" panose="020B0609020204030204" pitchFamily="49" charset="0"/>
+              </a:rPr>
+              <a:t>] = </a:t>
+            </a:r>
+            <a:r>
+              <a:rPr lang="en-US" altLang="ko-KR" sz="1800" b="1" dirty="0">
+                <a:solidFill>
+                  <a:srgbClr val="7F0055"/>
+                </a:solidFill>
+                <a:effectLst/>
+                <a:latin typeface="Consolas" panose="020B0609020204030204" pitchFamily="49" charset="0"/>
+              </a:rPr>
+              <a:t>true</a:t>
+            </a:r>
+            <a:r>
+              <a:rPr lang="en-US" altLang="ko-KR" sz="1800" dirty="0">
+                <a:solidFill>
+                  <a:srgbClr val="000000"/>
+                </a:solidFill>
+                <a:effectLst/>
+                <a:latin typeface="Consolas" panose="020B0609020204030204" pitchFamily="49" charset="0"/>
+              </a:rPr>
+              <a:t>;</a:t>
+            </a:r>
+          </a:p>
+          <a:p>
+            <a:pPr marL="0" marR="0">
+              <a:spcBef>
+                <a:spcPts val="0"/>
+              </a:spcBef>
+              <a:spcAft>
+                <a:spcPts val="0"/>
+              </a:spcAft>
+            </a:pPr>
+            <a:r>
+              <a:rPr lang="en-US" altLang="ko-KR" sz="1800" b="1" dirty="0">
+                <a:solidFill>
+                  <a:srgbClr val="7F0055"/>
+                </a:solidFill>
+                <a:effectLst/>
+                <a:latin typeface="Consolas" panose="020B0609020204030204" pitchFamily="49" charset="0"/>
+              </a:rPr>
+              <a:t>for</a:t>
+            </a:r>
+            <a:r>
+              <a:rPr lang="en-US" altLang="ko-KR" sz="1800" dirty="0">
+                <a:solidFill>
+                  <a:srgbClr val="000000"/>
+                </a:solidFill>
+                <a:effectLst/>
+                <a:latin typeface="Consolas" panose="020B0609020204030204" pitchFamily="49" charset="0"/>
+              </a:rPr>
+              <a:t> (</a:t>
+            </a:r>
+            <a:r>
+              <a:rPr lang="en-US" altLang="ko-KR" sz="1800" b="1" dirty="0">
+                <a:solidFill>
+                  <a:srgbClr val="7F0055"/>
+                </a:solidFill>
+                <a:effectLst/>
+                <a:latin typeface="Consolas" panose="020B0609020204030204" pitchFamily="49" charset="0"/>
+              </a:rPr>
+              <a:t>int</a:t>
+            </a:r>
+            <a:r>
+              <a:rPr lang="en-US" altLang="ko-KR" sz="1800" dirty="0">
+                <a:solidFill>
+                  <a:srgbClr val="000000"/>
+                </a:solidFill>
+                <a:effectLst/>
+                <a:latin typeface="Consolas" panose="020B0609020204030204" pitchFamily="49" charset="0"/>
+              </a:rPr>
+              <a:t> </a:t>
+            </a:r>
+            <a:r>
+              <a:rPr lang="en-US" altLang="ko-KR" sz="1800" dirty="0" err="1">
+                <a:solidFill>
+                  <a:srgbClr val="6A3E3E"/>
+                </a:solidFill>
+                <a:effectLst/>
+                <a:latin typeface="Consolas" panose="020B0609020204030204" pitchFamily="49" charset="0"/>
+              </a:rPr>
+              <a:t>i</a:t>
+            </a:r>
+            <a:r>
+              <a:rPr lang="en-US" altLang="ko-KR" sz="1800" dirty="0">
+                <a:solidFill>
+                  <a:srgbClr val="000000"/>
+                </a:solidFill>
+                <a:effectLst/>
+                <a:latin typeface="Consolas" panose="020B0609020204030204" pitchFamily="49" charset="0"/>
+              </a:rPr>
+              <a:t> = 0; </a:t>
+            </a:r>
+            <a:r>
+              <a:rPr lang="en-US" altLang="ko-KR" sz="1800" dirty="0" err="1">
+                <a:solidFill>
+                  <a:srgbClr val="6A3E3E"/>
+                </a:solidFill>
+                <a:effectLst/>
+                <a:latin typeface="Consolas" panose="020B0609020204030204" pitchFamily="49" charset="0"/>
+              </a:rPr>
+              <a:t>i</a:t>
+            </a:r>
+            <a:r>
+              <a:rPr lang="en-US" altLang="ko-KR" sz="1800" dirty="0">
+                <a:solidFill>
+                  <a:srgbClr val="000000"/>
+                </a:solidFill>
+                <a:effectLst/>
+                <a:latin typeface="Consolas" panose="020B0609020204030204" pitchFamily="49" charset="0"/>
+              </a:rPr>
+              <a:t> &lt; 4; </a:t>
+            </a:r>
+            <a:r>
+              <a:rPr lang="en-US" altLang="ko-KR" sz="1800" dirty="0" err="1">
+                <a:solidFill>
+                  <a:srgbClr val="6A3E3E"/>
+                </a:solidFill>
+                <a:effectLst/>
+                <a:latin typeface="Consolas" panose="020B0609020204030204" pitchFamily="49" charset="0"/>
+              </a:rPr>
+              <a:t>i</a:t>
+            </a:r>
+            <a:r>
+              <a:rPr lang="en-US" altLang="ko-KR" sz="1800" dirty="0">
+                <a:solidFill>
+                  <a:srgbClr val="000000"/>
+                </a:solidFill>
+                <a:effectLst/>
+                <a:latin typeface="Consolas" panose="020B0609020204030204" pitchFamily="49" charset="0"/>
+              </a:rPr>
+              <a:t>++) {</a:t>
+            </a:r>
+          </a:p>
+          <a:p>
+            <a:pPr marL="0" marR="0">
+              <a:spcBef>
+                <a:spcPts val="0"/>
+              </a:spcBef>
+              <a:spcAft>
+                <a:spcPts val="0"/>
+              </a:spcAft>
+            </a:pPr>
+            <a:r>
+              <a:rPr lang="en-US" altLang="ko-KR" sz="1800" i="1" dirty="0" err="1">
+                <a:solidFill>
+                  <a:srgbClr val="000000"/>
+                </a:solidFill>
+                <a:effectLst/>
+                <a:latin typeface="Consolas" panose="020B0609020204030204" pitchFamily="49" charset="0"/>
+              </a:rPr>
+              <a:t>dfs</a:t>
+            </a:r>
+            <a:r>
+              <a:rPr lang="en-US" altLang="ko-KR" sz="1800" dirty="0">
+                <a:solidFill>
+                  <a:srgbClr val="000000"/>
+                </a:solidFill>
+                <a:effectLst/>
+                <a:latin typeface="Consolas" panose="020B0609020204030204" pitchFamily="49" charset="0"/>
+              </a:rPr>
+              <a:t>(</a:t>
+            </a:r>
+            <a:r>
+              <a:rPr lang="en-US" altLang="ko-KR" sz="1800" dirty="0">
+                <a:solidFill>
+                  <a:srgbClr val="6A3E3E"/>
+                </a:solidFill>
+                <a:effectLst/>
+                <a:latin typeface="Consolas" panose="020B0609020204030204" pitchFamily="49" charset="0"/>
+              </a:rPr>
+              <a:t>x</a:t>
+            </a:r>
+            <a:r>
+              <a:rPr lang="en-US" altLang="ko-KR" sz="1800" dirty="0">
+                <a:solidFill>
+                  <a:srgbClr val="000000"/>
+                </a:solidFill>
+                <a:effectLst/>
+                <a:latin typeface="Consolas" panose="020B0609020204030204" pitchFamily="49" charset="0"/>
+              </a:rPr>
+              <a:t> + </a:t>
+            </a:r>
+            <a:r>
+              <a:rPr lang="en-US" altLang="ko-KR" sz="1800" i="1" dirty="0">
+                <a:solidFill>
+                  <a:srgbClr val="0000C0"/>
+                </a:solidFill>
+                <a:effectLst/>
+                <a:latin typeface="Consolas" panose="020B0609020204030204" pitchFamily="49" charset="0"/>
+              </a:rPr>
+              <a:t>dx</a:t>
+            </a:r>
+            <a:r>
+              <a:rPr lang="en-US" altLang="ko-KR" sz="1800" dirty="0">
+                <a:solidFill>
+                  <a:srgbClr val="000000"/>
+                </a:solidFill>
+                <a:effectLst/>
+                <a:latin typeface="Consolas" panose="020B0609020204030204" pitchFamily="49" charset="0"/>
+              </a:rPr>
+              <a:t>[</a:t>
+            </a:r>
+            <a:r>
+              <a:rPr lang="en-US" altLang="ko-KR" sz="1800" dirty="0" err="1">
+                <a:solidFill>
+                  <a:srgbClr val="6A3E3E"/>
+                </a:solidFill>
+                <a:effectLst/>
+                <a:latin typeface="Consolas" panose="020B0609020204030204" pitchFamily="49" charset="0"/>
+              </a:rPr>
+              <a:t>i</a:t>
+            </a:r>
+            <a:r>
+              <a:rPr lang="en-US" altLang="ko-KR" sz="1800" dirty="0">
+                <a:solidFill>
+                  <a:srgbClr val="000000"/>
+                </a:solidFill>
+                <a:effectLst/>
+                <a:latin typeface="Consolas" panose="020B0609020204030204" pitchFamily="49" charset="0"/>
+              </a:rPr>
+              <a:t>], </a:t>
+            </a:r>
+            <a:r>
+              <a:rPr lang="en-US" altLang="ko-KR" sz="1800" dirty="0">
+                <a:solidFill>
+                  <a:srgbClr val="6A3E3E"/>
+                </a:solidFill>
+                <a:effectLst/>
+                <a:latin typeface="Consolas" panose="020B0609020204030204" pitchFamily="49" charset="0"/>
+              </a:rPr>
+              <a:t>y</a:t>
+            </a:r>
+            <a:r>
+              <a:rPr lang="en-US" altLang="ko-KR" sz="1800" dirty="0">
+                <a:solidFill>
+                  <a:srgbClr val="000000"/>
+                </a:solidFill>
+                <a:effectLst/>
+                <a:latin typeface="Consolas" panose="020B0609020204030204" pitchFamily="49" charset="0"/>
+              </a:rPr>
+              <a:t> + </a:t>
+            </a:r>
+            <a:r>
+              <a:rPr lang="en-US" altLang="ko-KR" sz="1800" i="1" dirty="0" err="1">
+                <a:solidFill>
+                  <a:srgbClr val="0000C0"/>
+                </a:solidFill>
+                <a:effectLst/>
+                <a:latin typeface="Consolas" panose="020B0609020204030204" pitchFamily="49" charset="0"/>
+              </a:rPr>
+              <a:t>dy</a:t>
+            </a:r>
+            <a:r>
+              <a:rPr lang="en-US" altLang="ko-KR" sz="1800" dirty="0">
+                <a:solidFill>
+                  <a:srgbClr val="000000"/>
+                </a:solidFill>
+                <a:effectLst/>
+                <a:latin typeface="Consolas" panose="020B0609020204030204" pitchFamily="49" charset="0"/>
+              </a:rPr>
+              <a:t>[</a:t>
+            </a:r>
+            <a:r>
+              <a:rPr lang="en-US" altLang="ko-KR" sz="1800" dirty="0" err="1">
+                <a:solidFill>
+                  <a:srgbClr val="6A3E3E"/>
+                </a:solidFill>
+                <a:effectLst/>
+                <a:latin typeface="Consolas" panose="020B0609020204030204" pitchFamily="49" charset="0"/>
+              </a:rPr>
+              <a:t>i</a:t>
+            </a:r>
+            <a:r>
+              <a:rPr lang="en-US" altLang="ko-KR" sz="1800" dirty="0">
+                <a:solidFill>
+                  <a:srgbClr val="000000"/>
+                </a:solidFill>
+                <a:effectLst/>
+                <a:latin typeface="Consolas" panose="020B0609020204030204" pitchFamily="49" charset="0"/>
+              </a:rPr>
+              <a:t>]);</a:t>
+            </a:r>
+          </a:p>
+          <a:p>
+            <a:pPr marL="0" marR="0">
+              <a:spcBef>
+                <a:spcPts val="0"/>
+              </a:spcBef>
+              <a:spcAft>
+                <a:spcPts val="0"/>
+              </a:spcAft>
+            </a:pPr>
+            <a:r>
+              <a:rPr lang="en-US" altLang="ko-KR" sz="1800" dirty="0">
+                <a:solidFill>
+                  <a:srgbClr val="000000"/>
+                </a:solidFill>
+                <a:effectLst/>
                 <a:latin typeface="Consolas" panose="020B0609020204030204" pitchFamily="49" charset="0"/>
               </a:rPr>
               <a:t>}</a:t>
             </a:r>
           </a:p>
           <a:p>
-            <a:r>
-              <a:rPr lang="en-US" altLang="ko-KR" dirty="0">
-                <a:solidFill>
-                  <a:srgbClr val="000000"/>
-                </a:solidFill>
+            <a:pPr marL="0" marR="0">
+              <a:spcBef>
+                <a:spcPts val="0"/>
+              </a:spcBef>
+              <a:spcAft>
+                <a:spcPts val="0"/>
+              </a:spcAft>
+            </a:pPr>
+            <a:r>
+              <a:rPr lang="en-US" altLang="ko-KR" sz="1800" dirty="0">
+                <a:solidFill>
+                  <a:srgbClr val="000000"/>
+                </a:solidFill>
+                <a:effectLst/>
                 <a:latin typeface="Consolas" panose="020B0609020204030204" pitchFamily="49" charset="0"/>
               </a:rPr>
               <a:t>}</a:t>
             </a:r>
-            <a:endParaRPr lang="ko-KR" altLang="en-US" dirty="0"/>
+          </a:p>
+          <a:p>
+            <a:pPr marL="0" marR="0">
+              <a:spcBef>
+                <a:spcPts val="0"/>
+              </a:spcBef>
+              <a:spcAft>
+                <a:spcPts val="0"/>
+              </a:spcAft>
+            </a:pPr>
+            <a:r>
+              <a:rPr lang="en-US" altLang="ko-KR" sz="1800" dirty="0">
+                <a:solidFill>
+                  <a:srgbClr val="000000"/>
+                </a:solidFill>
+                <a:effectLst/>
+                <a:latin typeface="Consolas" panose="020B0609020204030204" pitchFamily="49" charset="0"/>
+              </a:rPr>
+              <a:t>}</a:t>
+            </a:r>
           </a:p>
         </p:txBody>
       </p:sp>
     </p:spTree>
     <p:extLst>
       <p:ext uri="{BB962C8B-B14F-4D97-AF65-F5344CB8AC3E}">
-        <p14:creationId xmlns:p14="http://schemas.microsoft.com/office/powerpoint/2010/main" val="2162344267"/>
+        <p14:creationId xmlns:p14="http://schemas.microsoft.com/office/powerpoint/2010/main" val="3177985641"/>
       </p:ext>
     </p:extLst>
   </p:cSld>
